--- a/Introduction to docker.pptx
+++ b/Introduction to docker.pptx
@@ -5,7 +5,7 @@
     <p:sldMasterId id="2147483660" r:id="rId1"/>
   </p:sldMasterIdLst>
   <p:notesMasterIdLst>
-    <p:notesMasterId r:id="rId16"/>
+    <p:notesMasterId r:id="rId17"/>
   </p:notesMasterIdLst>
   <p:sldIdLst>
     <p:sldId id="256" r:id="rId2"/>
@@ -22,6 +22,7 @@
     <p:sldId id="273" r:id="rId13"/>
     <p:sldId id="268" r:id="rId14"/>
     <p:sldId id="264" r:id="rId15"/>
+    <p:sldId id="274" r:id="rId16"/>
   </p:sldIdLst>
   <p:sldSz cx="12192000" cy="6858000"/>
   <p:notesSz cx="6858000" cy="9144000"/>
@@ -210,7 +211,7 @@
           <a:p>
             <a:fld id="{621AED06-CAC2-4245-9352-3543F7323417}" type="datetimeFigureOut">
               <a:rPr lang="zh-TW" altLang="en-US" smtClean="0"/>
-              <a:t>2019/7/1</a:t>
+              <a:t>2019/7/2</a:t>
             </a:fld>
             <a:endParaRPr lang="zh-TW" altLang="en-US"/>
           </a:p>
@@ -965,7 +966,7 @@
           <a:p>
             <a:fld id="{DF1B2396-F67C-4139-9228-8276BD327163}" type="datetimeFigureOut">
               <a:rPr lang="zh-TW" altLang="en-US" smtClean="0"/>
-              <a:t>2019/7/1</a:t>
+              <a:t>2019/7/2</a:t>
             </a:fld>
             <a:endParaRPr lang="zh-TW" altLang="en-US"/>
           </a:p>
@@ -1173,7 +1174,7 @@
           <a:p>
             <a:fld id="{DF1B2396-F67C-4139-9228-8276BD327163}" type="datetimeFigureOut">
               <a:rPr lang="zh-TW" altLang="en-US" smtClean="0"/>
-              <a:t>2019/7/1</a:t>
+              <a:t>2019/7/2</a:t>
             </a:fld>
             <a:endParaRPr lang="zh-TW" altLang="en-US"/>
           </a:p>
@@ -1429,7 +1430,7 @@
           <a:p>
             <a:fld id="{DF1B2396-F67C-4139-9228-8276BD327163}" type="datetimeFigureOut">
               <a:rPr lang="zh-TW" altLang="en-US" smtClean="0"/>
-              <a:t>2019/7/1</a:t>
+              <a:t>2019/7/2</a:t>
             </a:fld>
             <a:endParaRPr lang="zh-TW" altLang="en-US"/>
           </a:p>
@@ -1603,7 +1604,7 @@
           <a:p>
             <a:fld id="{DF1B2396-F67C-4139-9228-8276BD327163}" type="datetimeFigureOut">
               <a:rPr lang="zh-TW" altLang="en-US" smtClean="0"/>
-              <a:t>2019/7/1</a:t>
+              <a:t>2019/7/2</a:t>
             </a:fld>
             <a:endParaRPr lang="zh-TW" altLang="en-US"/>
           </a:p>
@@ -1946,7 +1947,7 @@
           <a:p>
             <a:fld id="{DF1B2396-F67C-4139-9228-8276BD327163}" type="datetimeFigureOut">
               <a:rPr lang="zh-TW" altLang="en-US" smtClean="0"/>
-              <a:t>2019/7/1</a:t>
+              <a:t>2019/7/2</a:t>
             </a:fld>
             <a:endParaRPr lang="zh-TW" altLang="en-US"/>
           </a:p>
@@ -2221,7 +2222,7 @@
           <a:p>
             <a:fld id="{DF1B2396-F67C-4139-9228-8276BD327163}" type="datetimeFigureOut">
               <a:rPr lang="zh-TW" altLang="en-US" smtClean="0"/>
-              <a:t>2019/7/1</a:t>
+              <a:t>2019/7/2</a:t>
             </a:fld>
             <a:endParaRPr lang="zh-TW" altLang="en-US"/>
           </a:p>
@@ -2600,7 +2601,7 @@
           <a:p>
             <a:fld id="{DF1B2396-F67C-4139-9228-8276BD327163}" type="datetimeFigureOut">
               <a:rPr lang="zh-TW" altLang="en-US" smtClean="0"/>
-              <a:t>2019/7/1</a:t>
+              <a:t>2019/7/2</a:t>
             </a:fld>
             <a:endParaRPr lang="zh-TW" altLang="en-US"/>
           </a:p>
@@ -2718,7 +2719,7 @@
           <a:p>
             <a:fld id="{DF1B2396-F67C-4139-9228-8276BD327163}" type="datetimeFigureOut">
               <a:rPr lang="zh-TW" altLang="en-US" smtClean="0"/>
-              <a:t>2019/7/1</a:t>
+              <a:t>2019/7/2</a:t>
             </a:fld>
             <a:endParaRPr lang="zh-TW" altLang="en-US"/>
           </a:p>
@@ -2889,7 +2890,7 @@
           <a:p>
             <a:fld id="{DF1B2396-F67C-4139-9228-8276BD327163}" type="datetimeFigureOut">
               <a:rPr lang="zh-TW" altLang="en-US" smtClean="0"/>
-              <a:t>2019/7/1</a:t>
+              <a:t>2019/7/2</a:t>
             </a:fld>
             <a:endParaRPr lang="zh-TW" altLang="en-US"/>
           </a:p>
@@ -3243,7 +3244,7 @@
           <a:p>
             <a:fld id="{DF1B2396-F67C-4139-9228-8276BD327163}" type="datetimeFigureOut">
               <a:rPr lang="zh-TW" altLang="en-US" smtClean="0"/>
-              <a:t>2019/7/1</a:t>
+              <a:t>2019/7/2</a:t>
             </a:fld>
             <a:endParaRPr lang="zh-TW" altLang="en-US"/>
           </a:p>
@@ -3625,7 +3626,7 @@
           <a:p>
             <a:fld id="{DF1B2396-F67C-4139-9228-8276BD327163}" type="datetimeFigureOut">
               <a:rPr lang="zh-TW" altLang="en-US" smtClean="0"/>
-              <a:t>2019/7/1</a:t>
+              <a:t>2019/7/2</a:t>
             </a:fld>
             <a:endParaRPr lang="zh-TW" altLang="en-US"/>
           </a:p>
@@ -3912,7 +3913,7 @@
           <a:p>
             <a:fld id="{DF1B2396-F67C-4139-9228-8276BD327163}" type="datetimeFigureOut">
               <a:rPr lang="zh-TW" altLang="en-US" smtClean="0"/>
-              <a:t>2019/7/1</a:t>
+              <a:t>2019/7/2</a:t>
             </a:fld>
             <a:endParaRPr lang="zh-TW" altLang="en-US"/>
           </a:p>
@@ -4459,7 +4460,11 @@
           <a:p>
             <a:r>
               <a:rPr lang="en-US" altLang="zh-TW" dirty="0"/>
-              <a:t>Introduction to docker 1</a:t>
+              <a:t>Introduction to </a:t>
+            </a:r>
+            <a:r>
+              <a:rPr lang="en-US" altLang="zh-TW" dirty="0" err="1" smtClean="0"/>
+              <a:t>docker</a:t>
             </a:r>
             <a:endParaRPr lang="zh-TW" altLang="en-US" dirty="0"/>
           </a:p>
@@ -4487,8 +4492,14 @@
           <a:lstStyle/>
           <a:p>
             <a:r>
-              <a:rPr lang="en-US" altLang="zh-TW" dirty="0"/>
-              <a:t>Shane</a:t>
+              <a:rPr lang="en-US" altLang="zh-TW" dirty="0" smtClean="0"/>
+              <a:t>Credits to Meng, Shane</a:t>
+            </a:r>
+          </a:p>
+          <a:p>
+            <a:r>
+              <a:rPr lang="en-US" altLang="zh-TW" dirty="0" smtClean="0"/>
+              <a:t>By BT</a:t>
             </a:r>
             <a:endParaRPr lang="zh-TW" altLang="en-US" dirty="0"/>
           </a:p>
@@ -5768,6 +5779,112 @@
 </p:sld>
 </file>
 
+<file path=ppt/slides/slide15.xml><?xml version="1.0" encoding="utf-8"?>
+<p:sld xmlns:a="http://schemas.openxmlformats.org/drawingml/2006/main" xmlns:r="http://schemas.openxmlformats.org/officeDocument/2006/relationships" xmlns:p="http://schemas.openxmlformats.org/presentationml/2006/main">
+  <p:cSld>
+    <p:spTree>
+      <p:nvGrpSpPr>
+        <p:cNvPr id="1" name=""/>
+        <p:cNvGrpSpPr/>
+        <p:nvPr/>
+      </p:nvGrpSpPr>
+      <p:grpSpPr>
+        <a:xfrm>
+          <a:off x="0" y="0"/>
+          <a:ext cx="0" cy="0"/>
+          <a:chOff x="0" y="0"/>
+          <a:chExt cx="0" cy="0"/>
+        </a:xfrm>
+      </p:grpSpPr>
+      <p:sp>
+        <p:nvSpPr>
+          <p:cNvPr id="2" name="標題 1"/>
+          <p:cNvSpPr>
+            <a:spLocks noGrp="1"/>
+          </p:cNvSpPr>
+          <p:nvPr>
+            <p:ph type="title"/>
+          </p:nvPr>
+        </p:nvSpPr>
+        <p:spPr/>
+        <p:txBody>
+          <a:bodyPr/>
+          <a:lstStyle/>
+          <a:p>
+            <a:r>
+              <a:rPr lang="en-US" altLang="zh-TW" dirty="0" smtClean="0"/>
+              <a:t>Useful examples</a:t>
+            </a:r>
+            <a:endParaRPr lang="zh-TW" altLang="en-US" dirty="0"/>
+          </a:p>
+        </p:txBody>
+      </p:sp>
+      <p:sp>
+        <p:nvSpPr>
+          <p:cNvPr id="3" name="內容版面配置區 2"/>
+          <p:cNvSpPr>
+            <a:spLocks noGrp="1"/>
+          </p:cNvSpPr>
+          <p:nvPr>
+            <p:ph idx="1"/>
+          </p:nvPr>
+        </p:nvSpPr>
+        <p:spPr/>
+        <p:txBody>
+          <a:bodyPr/>
+          <a:lstStyle/>
+          <a:p>
+            <a:r>
+              <a:rPr lang="en-US" altLang="zh-TW" dirty="0" smtClean="0"/>
+              <a:t>1. </a:t>
+            </a:r>
+            <a:r>
+              <a:rPr lang="en-US" altLang="zh-TW" dirty="0" smtClean="0">
+                <a:hlinkClick r:id="rId2"/>
+              </a:rPr>
+              <a:t>using “cat”</a:t>
+            </a:r>
+            <a:r>
+              <a:rPr lang="zh-TW" altLang="en-US" dirty="0" smtClean="0">
+                <a:hlinkClick r:id="rId2"/>
+              </a:rPr>
+              <a:t> </a:t>
+            </a:r>
+            <a:r>
+              <a:rPr lang="en-US" altLang="zh-TW" dirty="0" smtClean="0">
+                <a:hlinkClick r:id="rId2"/>
+              </a:rPr>
+              <a:t>command in </a:t>
+            </a:r>
+            <a:r>
+              <a:rPr lang="en-US" altLang="zh-TW" dirty="0" err="1" smtClean="0">
+                <a:hlinkClick r:id="rId2"/>
+              </a:rPr>
+              <a:t>docker</a:t>
+            </a:r>
+            <a:r>
+              <a:rPr lang="en-US" altLang="zh-TW" dirty="0" smtClean="0">
+                <a:hlinkClick r:id="rId2"/>
+              </a:rPr>
+              <a:t>? </a:t>
+            </a:r>
+            <a:endParaRPr lang="zh-TW" altLang="en-US" dirty="0"/>
+          </a:p>
+        </p:txBody>
+      </p:sp>
+    </p:spTree>
+    <p:extLst>
+      <p:ext uri="{BB962C8B-B14F-4D97-AF65-F5344CB8AC3E}">
+        <p14:creationId xmlns:p14="http://schemas.microsoft.com/office/powerpoint/2010/main" val="3796846956"/>
+      </p:ext>
+    </p:extLst>
+  </p:cSld>
+  <p:clrMapOvr>
+    <a:masterClrMapping/>
+  </p:clrMapOvr>
+</p:sld>
+</file>
+
 <file path=ppt/slides/slide2.xml><?xml version="1.0" encoding="utf-8"?>
 <p:sld xmlns:a="http://schemas.openxmlformats.org/drawingml/2006/main" xmlns:r="http://schemas.openxmlformats.org/officeDocument/2006/relationships" xmlns:p="http://schemas.openxmlformats.org/presentationml/2006/main">
   <p:cSld>
@@ -6582,9 +6699,9 @@
           <p:grpSpPr>
             <a:xfrm>
               <a:off x="1426939" y="3349101"/>
-              <a:ext cx="1928820" cy="2440094"/>
+              <a:ext cx="1927064" cy="2440094"/>
               <a:chOff x="8555708" y="2139518"/>
-              <a:chExt cx="2599972" cy="3729576"/>
+              <a:chExt cx="2597605" cy="3729576"/>
             </a:xfrm>
           </p:grpSpPr>
           <p:sp>
@@ -6902,7 +7019,7 @@
             <p:spPr>
               <a:xfrm>
                 <a:off x="10374446" y="2139518"/>
-                <a:ext cx="781234" cy="692459"/>
+                <a:ext cx="778867" cy="692459"/>
               </a:xfrm>
               <a:prstGeom prst="rect">
                 <a:avLst/>

--- a/Introduction to docker.pptx
+++ b/Introduction to docker.pptx
@@ -5,7 +5,7 @@
     <p:sldMasterId id="2147483660" r:id="rId1"/>
   </p:sldMasterIdLst>
   <p:notesMasterIdLst>
-    <p:notesMasterId r:id="rId17"/>
+    <p:notesMasterId r:id="rId19"/>
   </p:notesMasterIdLst>
   <p:sldIdLst>
     <p:sldId id="256" r:id="rId2"/>
@@ -18,11 +18,13 @@
     <p:sldId id="272" r:id="rId9"/>
     <p:sldId id="263" r:id="rId10"/>
     <p:sldId id="270" r:id="rId11"/>
-    <p:sldId id="271" r:id="rId12"/>
-    <p:sldId id="273" r:id="rId13"/>
-    <p:sldId id="268" r:id="rId14"/>
-    <p:sldId id="264" r:id="rId15"/>
-    <p:sldId id="274" r:id="rId16"/>
+    <p:sldId id="268" r:id="rId12"/>
+    <p:sldId id="275" r:id="rId13"/>
+    <p:sldId id="271" r:id="rId14"/>
+    <p:sldId id="273" r:id="rId15"/>
+    <p:sldId id="264" r:id="rId16"/>
+    <p:sldId id="276" r:id="rId17"/>
+    <p:sldId id="274" r:id="rId18"/>
   </p:sldIdLst>
   <p:sldSz cx="12192000" cy="6858000"/>
   <p:notesSz cx="6858000" cy="9144000"/>
@@ -4981,6 +4983,11 @@
 <file path=ppt/slides/slide11.xml><?xml version="1.0" encoding="utf-8"?>
 <p:sld xmlns:a="http://schemas.openxmlformats.org/drawingml/2006/main" xmlns:r="http://schemas.openxmlformats.org/officeDocument/2006/relationships" xmlns:p="http://schemas.openxmlformats.org/presentationml/2006/main">
   <p:cSld>
+    <p:bg>
+      <p:bgRef idx="1001">
+        <a:schemeClr val="bg1"/>
+      </p:bgRef>
+    </p:bg>
     <p:spTree>
       <p:nvGrpSpPr>
         <p:cNvPr id="1" name=""/>
@@ -5000,6 +5007,370 @@
           <p:cNvPr id="2" name="標題 1">
             <a:extLst>
               <a:ext uri="{FF2B5EF4-FFF2-40B4-BE49-F238E27FC236}">
+                <a16:creationId xmlns:a16="http://schemas.microsoft.com/office/drawing/2014/main" id="{455B0595-EFFC-4C7A-BB56-8C51F99A96E9}"/>
+              </a:ext>
+            </a:extLst>
+          </p:cNvPr>
+          <p:cNvSpPr>
+            <a:spLocks noGrp="1"/>
+          </p:cNvSpPr>
+          <p:nvPr>
+            <p:ph type="title"/>
+          </p:nvPr>
+        </p:nvSpPr>
+        <p:spPr/>
+        <p:txBody>
+          <a:bodyPr/>
+          <a:lstStyle/>
+          <a:p>
+            <a:r>
+              <a:rPr lang="en-US" altLang="zh-TW" dirty="0" err="1"/>
+              <a:t>DockerFile</a:t>
+            </a:r>
+            <a:r>
+              <a:rPr lang="en-US" altLang="zh-TW" dirty="0"/>
+              <a:t/>
+            </a:r>
+            <a:br>
+              <a:rPr lang="en-US" altLang="zh-TW" dirty="0"/>
+            </a:br>
+            <a:r>
+              <a:rPr lang="en-US" altLang="zh-TW" sz="2800" dirty="0"/>
+              <a:t>Building with Dockerfile</a:t>
+            </a:r>
+            <a:endParaRPr lang="zh-TW" altLang="en-US" dirty="0"/>
+          </a:p>
+        </p:txBody>
+      </p:sp>
+      <p:sp>
+        <p:nvSpPr>
+          <p:cNvPr id="4" name="矩形 3">
+            <a:extLst>
+              <a:ext uri="{FF2B5EF4-FFF2-40B4-BE49-F238E27FC236}">
+                <a16:creationId xmlns:a16="http://schemas.microsoft.com/office/drawing/2014/main" id="{A1AA5583-6177-43AC-A5AC-7BD38A5C4CF7}"/>
+              </a:ext>
+            </a:extLst>
+          </p:cNvPr>
+          <p:cNvSpPr/>
+          <p:nvPr/>
+        </p:nvSpPr>
+        <p:spPr>
+          <a:xfrm>
+            <a:off x="1097279" y="1922970"/>
+            <a:ext cx="10058399" cy="4353543"/>
+          </a:xfrm>
+          <a:prstGeom prst="rect">
+            <a:avLst/>
+          </a:prstGeom>
+        </p:spPr>
+        <p:txBody>
+          <a:bodyPr vert="horz" lIns="0" tIns="45720" rIns="0" bIns="45720" rtlCol="0">
+            <a:normAutofit/>
+          </a:bodyPr>
+          <a:lstStyle/>
+          <a:p>
+            <a:pPr marL="91440" indent="-91440" defTabSz="914400">
+              <a:lnSpc>
+                <a:spcPct val="90000"/>
+              </a:lnSpc>
+              <a:spcBef>
+                <a:spcPts val="1200"/>
+              </a:spcBef>
+              <a:spcAft>
+                <a:spcPts val="200"/>
+              </a:spcAft>
+              <a:buClr>
+                <a:schemeClr val="accent1"/>
+              </a:buClr>
+              <a:buSzPct val="100000"/>
+              <a:buFont typeface="Calibri" panose="020F0502020204030204" pitchFamily="34" charset="0"/>
+              <a:buChar char=" "/>
+            </a:pPr>
+            <a:r>
+              <a:rPr lang="en-US" altLang="zh-TW" sz="2000" dirty="0">
+                <a:solidFill>
+                  <a:schemeClr val="tx1">
+                    <a:lumMod val="75000"/>
+                    <a:lumOff val="25000"/>
+                  </a:schemeClr>
+                </a:solidFill>
+              </a:rPr>
+              <a:t>D</a:t>
+            </a:r>
+            <a:r>
+              <a:rPr lang="en-US" altLang="zh-TW" sz="2000" dirty="0"/>
+              <a:t>ocker build [ -f /path/to/a/Dockerfile ] [ -t “name of tag” ] .</a:t>
+            </a:r>
+            <a:endParaRPr lang="en-US" altLang="zh-TW" sz="2000" dirty="0">
+              <a:solidFill>
+                <a:schemeClr val="tx1">
+                  <a:lumMod val="75000"/>
+                  <a:lumOff val="25000"/>
+                </a:schemeClr>
+              </a:solidFill>
+            </a:endParaRPr>
+          </a:p>
+          <a:p>
+            <a:pPr marL="201168" lvl="1" defTabSz="914400">
+              <a:lnSpc>
+                <a:spcPct val="90000"/>
+              </a:lnSpc>
+              <a:spcBef>
+                <a:spcPts val="200"/>
+              </a:spcBef>
+              <a:spcAft>
+                <a:spcPts val="400"/>
+              </a:spcAft>
+              <a:buClr>
+                <a:schemeClr val="accent1"/>
+              </a:buClr>
+            </a:pPr>
+            <a:r>
+              <a:rPr lang="en-US" altLang="zh-TW" dirty="0"/>
+              <a:t>Some notices</a:t>
+            </a:r>
+          </a:p>
+          <a:p>
+            <a:pPr marL="384048" lvl="1" indent="-182880" defTabSz="914400">
+              <a:lnSpc>
+                <a:spcPct val="90000"/>
+              </a:lnSpc>
+              <a:spcBef>
+                <a:spcPts val="200"/>
+              </a:spcBef>
+              <a:spcAft>
+                <a:spcPts val="400"/>
+              </a:spcAft>
+              <a:buClr>
+                <a:schemeClr val="accent1"/>
+              </a:buClr>
+              <a:buFont typeface="Calibri" pitchFamily="34" charset="0"/>
+              <a:buChar char="◦"/>
+            </a:pPr>
+            <a:r>
+              <a:rPr lang="en-US" altLang="zh-TW" dirty="0"/>
+              <a:t>During the building of the process, docker doesn’t know which parts of the subdirectory needs to be used, so a long waiting process will be needed if lots of files are under the building directory. Either move the Dockerfile and all necessary files to another folder or use volume instead of copying files into containers.</a:t>
+            </a:r>
+          </a:p>
+          <a:p>
+            <a:pPr marL="841248" lvl="2" indent="-182880" defTabSz="914400">
+              <a:lnSpc>
+                <a:spcPct val="90000"/>
+              </a:lnSpc>
+              <a:spcBef>
+                <a:spcPts val="200"/>
+              </a:spcBef>
+              <a:spcAft>
+                <a:spcPts val="400"/>
+              </a:spcAft>
+              <a:buClr>
+                <a:schemeClr val="accent1"/>
+              </a:buClr>
+              <a:buFont typeface="Calibri" pitchFamily="34" charset="0"/>
+              <a:buChar char="◦"/>
+            </a:pPr>
+            <a:endParaRPr lang="en-US" altLang="zh-TW" dirty="0"/>
+          </a:p>
+        </p:txBody>
+      </p:sp>
+    </p:spTree>
+    <p:extLst>
+      <p:ext uri="{BB962C8B-B14F-4D97-AF65-F5344CB8AC3E}">
+        <p14:creationId xmlns:p14="http://schemas.microsoft.com/office/powerpoint/2010/main" val="2337415909"/>
+      </p:ext>
+    </p:extLst>
+  </p:cSld>
+  <p:clrMapOvr>
+    <a:overrideClrMapping bg1="lt1" tx1="dk1" bg2="lt2" tx2="dk2" accent1="accent1" accent2="accent2" accent3="accent3" accent4="accent4" accent5="accent5" accent6="accent6" hlink="hlink" folHlink="folHlink"/>
+  </p:clrMapOvr>
+</p:sld>
+</file>
+
+<file path=ppt/slides/slide12.xml><?xml version="1.0" encoding="utf-8"?>
+<p:sld xmlns:a="http://schemas.openxmlformats.org/drawingml/2006/main" xmlns:r="http://schemas.openxmlformats.org/officeDocument/2006/relationships" xmlns:p="http://schemas.openxmlformats.org/presentationml/2006/main">
+  <p:cSld>
+    <p:spTree>
+      <p:nvGrpSpPr>
+        <p:cNvPr id="1" name=""/>
+        <p:cNvGrpSpPr/>
+        <p:nvPr/>
+      </p:nvGrpSpPr>
+      <p:grpSpPr>
+        <a:xfrm>
+          <a:off x="0" y="0"/>
+          <a:ext cx="0" cy="0"/>
+          <a:chOff x="0" y="0"/>
+          <a:chExt cx="0" cy="0"/>
+        </a:xfrm>
+      </p:grpSpPr>
+      <p:sp>
+        <p:nvSpPr>
+          <p:cNvPr id="2" name="標題 1"/>
+          <p:cNvSpPr>
+            <a:spLocks noGrp="1"/>
+          </p:cNvSpPr>
+          <p:nvPr>
+            <p:ph type="title"/>
+          </p:nvPr>
+        </p:nvSpPr>
+        <p:spPr>
+          <a:xfrm>
+            <a:off x="633046" y="277811"/>
+            <a:ext cx="10698480" cy="1450757"/>
+          </a:xfrm>
+        </p:spPr>
+        <p:txBody>
+          <a:bodyPr/>
+          <a:lstStyle/>
+          <a:p>
+            <a:r>
+              <a:rPr lang="en-US" altLang="zh-TW" dirty="0"/>
+              <a:t>C</a:t>
+            </a:r>
+            <a:r>
+              <a:rPr lang="en-US" altLang="zh-TW" dirty="0" smtClean="0"/>
+              <a:t>ommands in the container is not enough!!</a:t>
+            </a:r>
+            <a:endParaRPr lang="zh-TW" altLang="en-US" dirty="0"/>
+          </a:p>
+        </p:txBody>
+      </p:sp>
+      <p:sp>
+        <p:nvSpPr>
+          <p:cNvPr id="3" name="內容版面配置區 2"/>
+          <p:cNvSpPr>
+            <a:spLocks noGrp="1"/>
+          </p:cNvSpPr>
+          <p:nvPr>
+            <p:ph idx="1"/>
+          </p:nvPr>
+        </p:nvSpPr>
+        <p:spPr>
+          <a:xfrm>
+            <a:off x="633046" y="1845733"/>
+            <a:ext cx="10601765" cy="4467143"/>
+          </a:xfrm>
+        </p:spPr>
+        <p:txBody>
+          <a:bodyPr>
+            <a:normAutofit/>
+          </a:bodyPr>
+          <a:lstStyle/>
+          <a:p>
+            <a:r>
+              <a:rPr lang="en-US" altLang="zh-TW" sz="2800" dirty="0" smtClean="0"/>
+              <a:t>Two normal ways you can add command to your system</a:t>
+            </a:r>
+          </a:p>
+          <a:p>
+            <a:pPr lvl="1"/>
+            <a:r>
+              <a:rPr lang="en-US" altLang="zh-TW" sz="2600" dirty="0" smtClean="0"/>
+              <a:t>Via package manager</a:t>
+            </a:r>
+          </a:p>
+          <a:p>
+            <a:pPr lvl="2"/>
+            <a:r>
+              <a:rPr lang="en-US" altLang="zh-TW" sz="2200" dirty="0" smtClean="0"/>
+              <a:t>Apt ( Ubuntu )</a:t>
+            </a:r>
+          </a:p>
+          <a:p>
+            <a:pPr lvl="2"/>
+            <a:r>
+              <a:rPr lang="en-US" altLang="zh-TW" sz="2200" dirty="0" smtClean="0"/>
+              <a:t>Pip ( python )</a:t>
+            </a:r>
+          </a:p>
+          <a:p>
+            <a:pPr lvl="2"/>
+            <a:r>
+              <a:rPr lang="en-US" altLang="zh-TW" sz="2200" dirty="0" smtClean="0"/>
+              <a:t>…</a:t>
+            </a:r>
+          </a:p>
+          <a:p>
+            <a:pPr lvl="1"/>
+            <a:r>
+              <a:rPr lang="en-US" altLang="zh-TW" sz="2600" dirty="0" smtClean="0"/>
+              <a:t>Download a precompiled binary from the internet</a:t>
+            </a:r>
+            <a:endParaRPr lang="en-US" altLang="zh-TW" sz="2200" dirty="0" smtClean="0"/>
+          </a:p>
+          <a:p>
+            <a:pPr lvl="2"/>
+            <a:r>
+              <a:rPr lang="en-US" altLang="zh-TW" sz="2200" dirty="0" smtClean="0"/>
+              <a:t>Most of the time, the binary are compressed along with manual</a:t>
+            </a:r>
+          </a:p>
+          <a:p>
+            <a:pPr lvl="2"/>
+            <a:r>
+              <a:rPr lang="en-US" altLang="zh-TW" sz="2200" dirty="0" smtClean="0"/>
+              <a:t>Notice!!! You need to add the executable to path</a:t>
+            </a:r>
+          </a:p>
+          <a:p>
+            <a:pPr lvl="3"/>
+            <a:r>
+              <a:rPr lang="en-US" altLang="zh-TW" sz="2200" dirty="0" smtClean="0"/>
+              <a:t>AND EXPORT DOES NOT</a:t>
+            </a:r>
+            <a:r>
+              <a:rPr lang="zh-TW" altLang="en-US" sz="2200" dirty="0"/>
+              <a:t> </a:t>
+            </a:r>
+            <a:r>
+              <a:rPr lang="en-US" altLang="zh-TW" sz="2200" dirty="0" smtClean="0"/>
+              <a:t>WORK!!!</a:t>
+            </a:r>
+          </a:p>
+          <a:p>
+            <a:pPr lvl="4"/>
+            <a:r>
+              <a:rPr lang="en-US" altLang="zh-TW" sz="2200" dirty="0" smtClean="0"/>
+              <a:t>ENV to the rescue : ENV PATH=“$PATH:/path/to/new/executable”</a:t>
+            </a:r>
+          </a:p>
+        </p:txBody>
+      </p:sp>
+    </p:spTree>
+    <p:extLst>
+      <p:ext uri="{BB962C8B-B14F-4D97-AF65-F5344CB8AC3E}">
+        <p14:creationId xmlns:p14="http://schemas.microsoft.com/office/powerpoint/2010/main" val="1001530741"/>
+      </p:ext>
+    </p:extLst>
+  </p:cSld>
+  <p:clrMapOvr>
+    <a:masterClrMapping/>
+  </p:clrMapOvr>
+</p:sld>
+</file>
+
+<file path=ppt/slides/slide13.xml><?xml version="1.0" encoding="utf-8"?>
+<p:sld xmlns:a="http://schemas.openxmlformats.org/drawingml/2006/main" xmlns:r="http://schemas.openxmlformats.org/officeDocument/2006/relationships" xmlns:p="http://schemas.openxmlformats.org/presentationml/2006/main">
+  <p:cSld>
+    <p:spTree>
+      <p:nvGrpSpPr>
+        <p:cNvPr id="1" name=""/>
+        <p:cNvGrpSpPr/>
+        <p:nvPr/>
+      </p:nvGrpSpPr>
+      <p:grpSpPr>
+        <a:xfrm>
+          <a:off x="0" y="0"/>
+          <a:ext cx="0" cy="0"/>
+          <a:chOff x="0" y="0"/>
+          <a:chExt cx="0" cy="0"/>
+        </a:xfrm>
+      </p:grpSpPr>
+      <p:sp>
+        <p:nvSpPr>
+          <p:cNvPr id="2" name="標題 1">
+            <a:extLst>
+              <a:ext uri="{FF2B5EF4-FFF2-40B4-BE49-F238E27FC236}">
                 <a16:creationId xmlns:a16="http://schemas.microsoft.com/office/drawing/2014/main" id="{71F38575-F97E-4EFB-A5B2-6AFA2E0B34AF}"/>
               </a:ext>
             </a:extLst>
@@ -5024,8 +5395,8 @@
               <a:rPr lang="en-US" altLang="zh-TW" dirty="0"/>
             </a:br>
             <a:r>
-              <a:rPr lang="en-US" altLang="zh-TW" sz="2800" dirty="0"/>
-              <a:t>Some other advices</a:t>
+              <a:rPr lang="en-US" altLang="zh-TW" sz="2800" dirty="0" smtClean="0"/>
+              <a:t>Add more executables</a:t>
             </a:r>
             <a:endParaRPr lang="zh-TW" altLang="en-US" dirty="0"/>
           </a:p>
@@ -5054,7 +5425,9 @@
           </a:xfrm>
         </p:spPr>
         <p:txBody>
-          <a:bodyPr/>
+          <a:bodyPr>
+            <a:normAutofit fontScale="92500"/>
+          </a:bodyPr>
           <a:lstStyle/>
           <a:p>
             <a:r>
@@ -5083,7 +5456,7 @@
             </a:r>
             <a:r>
               <a:rPr lang="en-US" altLang="zh-TW" dirty="0"/>
-              <a:t>- \      http://www.accellera.org/images/downloads/standards/systemc/systemc-2.3.0a.tar.gz | \      tar -</a:t>
+              <a:t>- https://github.com/sharkdp/bat/releases/download/v0.11.0/bat-v0.11.0-x86_64-unknown-linux-gnu.tar.gz | tar -</a:t>
             </a:r>
             <a:r>
               <a:rPr lang="en-US" altLang="zh-TW" dirty="0" err="1"/>
@@ -5091,18 +5464,22 @@
             </a:r>
             <a:r>
               <a:rPr lang="en-US" altLang="zh-TW" dirty="0"/>
-              <a:t> -C /" ]</a:t>
-            </a:r>
-          </a:p>
-          <a:p>
-            <a:pPr lvl="1"/>
-            <a:r>
-              <a:rPr lang="en-US" altLang="zh-TW" dirty="0" err="1"/>
+              <a:t> --strip 1" ] </a:t>
+            </a:r>
+            <a:endParaRPr lang="en-US" altLang="zh-TW" dirty="0" smtClean="0"/>
+          </a:p>
+          <a:p>
+            <a:r>
+              <a:rPr lang="en-US" altLang="zh-TW" dirty="0" err="1" smtClean="0"/>
               <a:t>Pipefail</a:t>
             </a:r>
             <a:r>
-              <a:rPr lang="en-US" altLang="zh-TW" dirty="0"/>
-              <a:t> can help to make sure this </a:t>
+              <a:rPr lang="en-US" altLang="zh-TW" dirty="0" smtClean="0"/>
+              <a:t> </a:t>
+            </a:r>
+            <a:r>
+              <a:rPr lang="en-US" altLang="zh-TW" dirty="0"/>
+              <a:t>can help to make sure this </a:t>
             </a:r>
             <a:r>
               <a:rPr lang="en-US" altLang="zh-TW" dirty="0" err="1"/>
@@ -5210,16 +5587,15 @@
           </p:cNvPicPr>
           <p:nvPr/>
         </p:nvPicPr>
-        <p:blipFill>
+        <p:blipFill rotWithShape="1">
           <a:blip r:embed="rId2"/>
-          <a:stretch>
-            <a:fillRect/>
-          </a:stretch>
+          <a:srcRect b="4051"/>
+          <a:stretch/>
         </p:blipFill>
         <p:spPr>
           <a:xfrm>
             <a:off x="1097280" y="3182070"/>
-            <a:ext cx="4196647" cy="1302007"/>
+            <a:ext cx="4196647" cy="1249253"/>
           </a:xfrm>
           <a:prstGeom prst="rect">
             <a:avLst/>
@@ -5294,7 +5670,7 @@
 </p:sld>
 </file>
 
-<file path=ppt/slides/slide12.xml><?xml version="1.0" encoding="utf-8"?>
+<file path=ppt/slides/slide14.xml><?xml version="1.0" encoding="utf-8"?>
 <p:sld xmlns:a="http://schemas.openxmlformats.org/drawingml/2006/main" xmlns:r="http://schemas.openxmlformats.org/officeDocument/2006/relationships" xmlns:p="http://schemas.openxmlformats.org/presentationml/2006/main">
   <p:cSld>
     <p:spTree>
@@ -5408,213 +5784,7 @@
 </p:sld>
 </file>
 
-<file path=ppt/slides/slide13.xml><?xml version="1.0" encoding="utf-8"?>
-<p:sld xmlns:a="http://schemas.openxmlformats.org/drawingml/2006/main" xmlns:r="http://schemas.openxmlformats.org/officeDocument/2006/relationships" xmlns:p="http://schemas.openxmlformats.org/presentationml/2006/main">
-  <p:cSld>
-    <p:bg>
-      <p:bgRef idx="1001">
-        <a:schemeClr val="bg1"/>
-      </p:bgRef>
-    </p:bg>
-    <p:spTree>
-      <p:nvGrpSpPr>
-        <p:cNvPr id="1" name=""/>
-        <p:cNvGrpSpPr/>
-        <p:nvPr/>
-      </p:nvGrpSpPr>
-      <p:grpSpPr>
-        <a:xfrm>
-          <a:off x="0" y="0"/>
-          <a:ext cx="0" cy="0"/>
-          <a:chOff x="0" y="0"/>
-          <a:chExt cx="0" cy="0"/>
-        </a:xfrm>
-      </p:grpSpPr>
-      <p:sp>
-        <p:nvSpPr>
-          <p:cNvPr id="2" name="標題 1">
-            <a:extLst>
-              <a:ext uri="{FF2B5EF4-FFF2-40B4-BE49-F238E27FC236}">
-                <a16:creationId xmlns:a16="http://schemas.microsoft.com/office/drawing/2014/main" id="{455B0595-EFFC-4C7A-BB56-8C51F99A96E9}"/>
-              </a:ext>
-            </a:extLst>
-          </p:cNvPr>
-          <p:cNvSpPr>
-            <a:spLocks noGrp="1"/>
-          </p:cNvSpPr>
-          <p:nvPr>
-            <p:ph type="title"/>
-          </p:nvPr>
-        </p:nvSpPr>
-        <p:spPr/>
-        <p:txBody>
-          <a:bodyPr/>
-          <a:lstStyle/>
-          <a:p>
-            <a:r>
-              <a:rPr lang="en-US" altLang="zh-TW" dirty="0" err="1"/>
-              <a:t>DockerFile</a:t>
-            </a:r>
-            <a:r>
-              <a:rPr lang="en-US" altLang="zh-TW" dirty="0"/>
-              <a:t/>
-            </a:r>
-            <a:br>
-              <a:rPr lang="en-US" altLang="zh-TW" dirty="0"/>
-            </a:br>
-            <a:r>
-              <a:rPr lang="en-US" altLang="zh-TW" sz="2800" dirty="0"/>
-              <a:t>Building with Dockerfile</a:t>
-            </a:r>
-            <a:endParaRPr lang="zh-TW" altLang="en-US" dirty="0"/>
-          </a:p>
-        </p:txBody>
-      </p:sp>
-      <p:sp>
-        <p:nvSpPr>
-          <p:cNvPr id="4" name="矩形 3">
-            <a:extLst>
-              <a:ext uri="{FF2B5EF4-FFF2-40B4-BE49-F238E27FC236}">
-                <a16:creationId xmlns:a16="http://schemas.microsoft.com/office/drawing/2014/main" id="{A1AA5583-6177-43AC-A5AC-7BD38A5C4CF7}"/>
-              </a:ext>
-            </a:extLst>
-          </p:cNvPr>
-          <p:cNvSpPr/>
-          <p:nvPr/>
-        </p:nvSpPr>
-        <p:spPr>
-          <a:xfrm>
-            <a:off x="1097279" y="1922970"/>
-            <a:ext cx="10058399" cy="4353543"/>
-          </a:xfrm>
-          <a:prstGeom prst="rect">
-            <a:avLst/>
-          </a:prstGeom>
-        </p:spPr>
-        <p:txBody>
-          <a:bodyPr vert="horz" lIns="0" tIns="45720" rIns="0" bIns="45720" rtlCol="0">
-            <a:normAutofit/>
-          </a:bodyPr>
-          <a:lstStyle/>
-          <a:p>
-            <a:pPr marL="91440" indent="-91440" defTabSz="914400">
-              <a:lnSpc>
-                <a:spcPct val="90000"/>
-              </a:lnSpc>
-              <a:spcBef>
-                <a:spcPts val="1200"/>
-              </a:spcBef>
-              <a:spcAft>
-                <a:spcPts val="200"/>
-              </a:spcAft>
-              <a:buClr>
-                <a:schemeClr val="accent1"/>
-              </a:buClr>
-              <a:buSzPct val="100000"/>
-              <a:buFont typeface="Calibri" panose="020F0502020204030204" pitchFamily="34" charset="0"/>
-              <a:buChar char=" "/>
-            </a:pPr>
-            <a:r>
-              <a:rPr lang="en-US" altLang="zh-TW" sz="2000" dirty="0">
-                <a:solidFill>
-                  <a:schemeClr val="tx1">
-                    <a:lumMod val="75000"/>
-                    <a:lumOff val="25000"/>
-                  </a:schemeClr>
-                </a:solidFill>
-              </a:rPr>
-              <a:t>D</a:t>
-            </a:r>
-            <a:r>
-              <a:rPr lang="en-US" altLang="zh-TW" sz="2000" dirty="0"/>
-              <a:t>ocker build [ -f /path/to/a/Dockerfile ] [ -t “name of tag” ] .</a:t>
-            </a:r>
-            <a:endParaRPr lang="en-US" altLang="zh-TW" sz="2000" dirty="0">
-              <a:solidFill>
-                <a:schemeClr val="tx1">
-                  <a:lumMod val="75000"/>
-                  <a:lumOff val="25000"/>
-                </a:schemeClr>
-              </a:solidFill>
-            </a:endParaRPr>
-          </a:p>
-          <a:p>
-            <a:pPr marL="201168" lvl="1" defTabSz="914400">
-              <a:lnSpc>
-                <a:spcPct val="90000"/>
-              </a:lnSpc>
-              <a:spcBef>
-                <a:spcPts val="200"/>
-              </a:spcBef>
-              <a:spcAft>
-                <a:spcPts val="400"/>
-              </a:spcAft>
-              <a:buClr>
-                <a:schemeClr val="accent1"/>
-              </a:buClr>
-            </a:pPr>
-            <a:r>
-              <a:rPr lang="en-US" altLang="zh-TW" dirty="0"/>
-              <a:t>Some notices</a:t>
-            </a:r>
-          </a:p>
-          <a:p>
-            <a:pPr marL="384048" lvl="1" indent="-182880" defTabSz="914400">
-              <a:lnSpc>
-                <a:spcPct val="90000"/>
-              </a:lnSpc>
-              <a:spcBef>
-                <a:spcPts val="200"/>
-              </a:spcBef>
-              <a:spcAft>
-                <a:spcPts val="400"/>
-              </a:spcAft>
-              <a:buClr>
-                <a:schemeClr val="accent1"/>
-              </a:buClr>
-              <a:buFont typeface="Calibri" pitchFamily="34" charset="0"/>
-              <a:buChar char="◦"/>
-            </a:pPr>
-            <a:r>
-              <a:rPr lang="en-US" altLang="zh-TW" dirty="0"/>
-              <a:t>During the building of the process, docker doesn’t know which parts of the subdirectory needs to be used, so a long waiting process will be needed if lots of files are under the building directory. Either move the Dockerfile and all necessary files to another folder or use volume instead of copying files into containers.</a:t>
-            </a:r>
-          </a:p>
-          <a:p>
-            <a:pPr marL="841248" lvl="2" indent="-182880" defTabSz="914400">
-              <a:lnSpc>
-                <a:spcPct val="90000"/>
-              </a:lnSpc>
-              <a:spcBef>
-                <a:spcPts val="200"/>
-              </a:spcBef>
-              <a:spcAft>
-                <a:spcPts val="400"/>
-              </a:spcAft>
-              <a:buClr>
-                <a:schemeClr val="accent1"/>
-              </a:buClr>
-              <a:buFont typeface="Calibri" pitchFamily="34" charset="0"/>
-              <a:buChar char="◦"/>
-            </a:pPr>
-            <a:endParaRPr lang="en-US" altLang="zh-TW" dirty="0"/>
-          </a:p>
-        </p:txBody>
-      </p:sp>
-    </p:spTree>
-    <p:extLst>
-      <p:ext uri="{BB962C8B-B14F-4D97-AF65-F5344CB8AC3E}">
-        <p14:creationId xmlns:p14="http://schemas.microsoft.com/office/powerpoint/2010/main" val="2337415909"/>
-      </p:ext>
-    </p:extLst>
-  </p:cSld>
-  <p:clrMapOvr>
-    <a:overrideClrMapping bg1="lt1" tx1="dk1" bg2="lt2" tx2="dk2" accent1="accent1" accent2="accent2" accent3="accent3" accent4="accent4" accent5="accent5" accent6="accent6" hlink="hlink" folHlink="folHlink"/>
-  </p:clrMapOvr>
-</p:sld>
-</file>
-
-<file path=ppt/slides/slide14.xml><?xml version="1.0" encoding="utf-8"?>
+<file path=ppt/slides/slide15.xml><?xml version="1.0" encoding="utf-8"?>
 <p:sld xmlns:a="http://schemas.openxmlformats.org/drawingml/2006/main" xmlns:r="http://schemas.openxmlformats.org/officeDocument/2006/relationships" xmlns:p="http://schemas.openxmlformats.org/presentationml/2006/main">
   <p:cSld>
     <p:spTree>
@@ -5779,7 +5949,79 @@
 </p:sld>
 </file>
 
-<file path=ppt/slides/slide15.xml><?xml version="1.0" encoding="utf-8"?>
+<file path=ppt/slides/slide16.xml><?xml version="1.0" encoding="utf-8"?>
+<p:sld xmlns:a="http://schemas.openxmlformats.org/drawingml/2006/main" xmlns:r="http://schemas.openxmlformats.org/officeDocument/2006/relationships" xmlns:p="http://schemas.openxmlformats.org/presentationml/2006/main">
+  <p:cSld>
+    <p:spTree>
+      <p:nvGrpSpPr>
+        <p:cNvPr id="1" name=""/>
+        <p:cNvGrpSpPr/>
+        <p:nvPr/>
+      </p:nvGrpSpPr>
+      <p:grpSpPr>
+        <a:xfrm>
+          <a:off x="0" y="0"/>
+          <a:ext cx="0" cy="0"/>
+          <a:chOff x="0" y="0"/>
+          <a:chExt cx="0" cy="0"/>
+        </a:xfrm>
+      </p:grpSpPr>
+      <p:sp>
+        <p:nvSpPr>
+          <p:cNvPr id="2" name="標題 1"/>
+          <p:cNvSpPr>
+            <a:spLocks noGrp="1"/>
+          </p:cNvSpPr>
+          <p:nvPr>
+            <p:ph type="title"/>
+          </p:nvPr>
+        </p:nvSpPr>
+        <p:spPr/>
+        <p:txBody>
+          <a:bodyPr/>
+          <a:lstStyle/>
+          <a:p>
+            <a:r>
+              <a:rPr lang="en-US" altLang="zh-TW" dirty="0" smtClean="0"/>
+              <a:t>Another practice</a:t>
+            </a:r>
+            <a:endParaRPr lang="zh-TW" altLang="en-US" dirty="0"/>
+          </a:p>
+        </p:txBody>
+      </p:sp>
+      <p:sp>
+        <p:nvSpPr>
+          <p:cNvPr id="3" name="內容版面配置區 2"/>
+          <p:cNvSpPr>
+            <a:spLocks noGrp="1"/>
+          </p:cNvSpPr>
+          <p:nvPr>
+            <p:ph idx="1"/>
+          </p:nvPr>
+        </p:nvSpPr>
+        <p:spPr/>
+        <p:txBody>
+          <a:bodyPr/>
+          <a:lstStyle/>
+          <a:p>
+            <a:endParaRPr lang="zh-TW" altLang="en-US" dirty="0"/>
+          </a:p>
+        </p:txBody>
+      </p:sp>
+    </p:spTree>
+    <p:extLst>
+      <p:ext uri="{BB962C8B-B14F-4D97-AF65-F5344CB8AC3E}">
+        <p14:creationId xmlns:p14="http://schemas.microsoft.com/office/powerpoint/2010/main" val="3381204606"/>
+      </p:ext>
+    </p:extLst>
+  </p:cSld>
+  <p:clrMapOvr>
+    <a:masterClrMapping/>
+  </p:clrMapOvr>
+</p:sld>
+</file>
+
+<file path=ppt/slides/slide17.xml><?xml version="1.0" encoding="utf-8"?>
 <p:sld xmlns:a="http://schemas.openxmlformats.org/drawingml/2006/main" xmlns:r="http://schemas.openxmlformats.org/officeDocument/2006/relationships" xmlns:p="http://schemas.openxmlformats.org/presentationml/2006/main">
   <p:cSld>
     <p:spTree>

--- a/Introduction to docker.pptx
+++ b/Introduction to docker.pptx
@@ -5,7 +5,7 @@
     <p:sldMasterId id="2147483660" r:id="rId1"/>
   </p:sldMasterIdLst>
   <p:notesMasterIdLst>
-    <p:notesMasterId r:id="rId19"/>
+    <p:notesMasterId r:id="rId20"/>
   </p:notesMasterIdLst>
   <p:sldIdLst>
     <p:sldId id="256" r:id="rId2"/>
@@ -24,7 +24,8 @@
     <p:sldId id="273" r:id="rId15"/>
     <p:sldId id="264" r:id="rId16"/>
     <p:sldId id="276" r:id="rId17"/>
-    <p:sldId id="274" r:id="rId18"/>
+    <p:sldId id="277" r:id="rId18"/>
+    <p:sldId id="274" r:id="rId19"/>
   </p:sldIdLst>
   <p:sldSz cx="12192000" cy="6858000"/>
   <p:notesSz cx="6858000" cy="9144000"/>
@@ -213,7 +214,7 @@
           <a:p>
             <a:fld id="{621AED06-CAC2-4245-9352-3543F7323417}" type="datetimeFigureOut">
               <a:rPr lang="zh-TW" altLang="en-US" smtClean="0"/>
-              <a:t>2019/7/2</a:t>
+              <a:t>2019/7/3</a:t>
             </a:fld>
             <a:endParaRPr lang="zh-TW" altLang="en-US"/>
           </a:p>
@@ -742,6 +743,90 @@
 </p:notes>
 </file>
 
+<file path=ppt/notesSlides/notesSlide4.xml><?xml version="1.0" encoding="utf-8"?>
+<p:notes xmlns:a="http://schemas.openxmlformats.org/drawingml/2006/main" xmlns:r="http://schemas.openxmlformats.org/officeDocument/2006/relationships" xmlns:p="http://schemas.openxmlformats.org/presentationml/2006/main">
+  <p:cSld>
+    <p:spTree>
+      <p:nvGrpSpPr>
+        <p:cNvPr id="1" name=""/>
+        <p:cNvGrpSpPr/>
+        <p:nvPr/>
+      </p:nvGrpSpPr>
+      <p:grpSpPr>
+        <a:xfrm>
+          <a:off x="0" y="0"/>
+          <a:ext cx="0" cy="0"/>
+          <a:chOff x="0" y="0"/>
+          <a:chExt cx="0" cy="0"/>
+        </a:xfrm>
+      </p:grpSpPr>
+      <p:sp>
+        <p:nvSpPr>
+          <p:cNvPr id="2" name="投影片圖像版面配置區 1"/>
+          <p:cNvSpPr>
+            <a:spLocks noGrp="1" noRot="1" noChangeAspect="1"/>
+          </p:cNvSpPr>
+          <p:nvPr>
+            <p:ph type="sldImg"/>
+          </p:nvPr>
+        </p:nvSpPr>
+        <p:spPr/>
+      </p:sp>
+      <p:sp>
+        <p:nvSpPr>
+          <p:cNvPr id="3" name="備忘稿版面配置區 2"/>
+          <p:cNvSpPr>
+            <a:spLocks noGrp="1"/>
+          </p:cNvSpPr>
+          <p:nvPr>
+            <p:ph type="body" idx="1"/>
+          </p:nvPr>
+        </p:nvSpPr>
+        <p:spPr/>
+        <p:txBody>
+          <a:bodyPr/>
+          <a:lstStyle/>
+          <a:p>
+            <a:endParaRPr lang="zh-TW" altLang="en-US" dirty="0"/>
+          </a:p>
+        </p:txBody>
+      </p:sp>
+      <p:sp>
+        <p:nvSpPr>
+          <p:cNvPr id="4" name="投影片編號版面配置區 3"/>
+          <p:cNvSpPr>
+            <a:spLocks noGrp="1"/>
+          </p:cNvSpPr>
+          <p:nvPr>
+            <p:ph type="sldNum" sz="quarter" idx="10"/>
+          </p:nvPr>
+        </p:nvSpPr>
+        <p:spPr/>
+        <p:txBody>
+          <a:bodyPr/>
+          <a:lstStyle/>
+          <a:p>
+            <a:fld id="{114D959B-C3A2-43FC-B265-17A436B61326}" type="slidenum">
+              <a:rPr lang="zh-TW" altLang="en-US" smtClean="0"/>
+              <a:t>18</a:t>
+            </a:fld>
+            <a:endParaRPr lang="zh-TW" altLang="en-US"/>
+          </a:p>
+        </p:txBody>
+      </p:sp>
+    </p:spTree>
+    <p:extLst>
+      <p:ext uri="{BB962C8B-B14F-4D97-AF65-F5344CB8AC3E}">
+        <p14:creationId xmlns:p14="http://schemas.microsoft.com/office/powerpoint/2010/main" val="2663845506"/>
+      </p:ext>
+    </p:extLst>
+  </p:cSld>
+  <p:clrMapOvr>
+    <a:masterClrMapping/>
+  </p:clrMapOvr>
+</p:notes>
+</file>
+
 <file path=ppt/slideLayouts/slideLayout1.xml><?xml version="1.0" encoding="utf-8"?>
 <p:sldLayout xmlns:a="http://schemas.openxmlformats.org/drawingml/2006/main" xmlns:r="http://schemas.openxmlformats.org/officeDocument/2006/relationships" xmlns:p="http://schemas.openxmlformats.org/presentationml/2006/main" showMasterSp="0" type="title" preserve="1">
   <p:cSld name="標題投影片">
@@ -968,7 +1053,7 @@
           <a:p>
             <a:fld id="{DF1B2396-F67C-4139-9228-8276BD327163}" type="datetimeFigureOut">
               <a:rPr lang="zh-TW" altLang="en-US" smtClean="0"/>
-              <a:t>2019/7/2</a:t>
+              <a:t>2019/7/3</a:t>
             </a:fld>
             <a:endParaRPr lang="zh-TW" altLang="en-US"/>
           </a:p>
@@ -1176,7 +1261,7 @@
           <a:p>
             <a:fld id="{DF1B2396-F67C-4139-9228-8276BD327163}" type="datetimeFigureOut">
               <a:rPr lang="zh-TW" altLang="en-US" smtClean="0"/>
-              <a:t>2019/7/2</a:t>
+              <a:t>2019/7/3</a:t>
             </a:fld>
             <a:endParaRPr lang="zh-TW" altLang="en-US"/>
           </a:p>
@@ -1432,7 +1517,7 @@
           <a:p>
             <a:fld id="{DF1B2396-F67C-4139-9228-8276BD327163}" type="datetimeFigureOut">
               <a:rPr lang="zh-TW" altLang="en-US" smtClean="0"/>
-              <a:t>2019/7/2</a:t>
+              <a:t>2019/7/3</a:t>
             </a:fld>
             <a:endParaRPr lang="zh-TW" altLang="en-US"/>
           </a:p>
@@ -1606,7 +1691,7 @@
           <a:p>
             <a:fld id="{DF1B2396-F67C-4139-9228-8276BD327163}" type="datetimeFigureOut">
               <a:rPr lang="zh-TW" altLang="en-US" smtClean="0"/>
-              <a:t>2019/7/2</a:t>
+              <a:t>2019/7/3</a:t>
             </a:fld>
             <a:endParaRPr lang="zh-TW" altLang="en-US"/>
           </a:p>
@@ -1949,7 +2034,7 @@
           <a:p>
             <a:fld id="{DF1B2396-F67C-4139-9228-8276BD327163}" type="datetimeFigureOut">
               <a:rPr lang="zh-TW" altLang="en-US" smtClean="0"/>
-              <a:t>2019/7/2</a:t>
+              <a:t>2019/7/3</a:t>
             </a:fld>
             <a:endParaRPr lang="zh-TW" altLang="en-US"/>
           </a:p>
@@ -2224,7 +2309,7 @@
           <a:p>
             <a:fld id="{DF1B2396-F67C-4139-9228-8276BD327163}" type="datetimeFigureOut">
               <a:rPr lang="zh-TW" altLang="en-US" smtClean="0"/>
-              <a:t>2019/7/2</a:t>
+              <a:t>2019/7/3</a:t>
             </a:fld>
             <a:endParaRPr lang="zh-TW" altLang="en-US"/>
           </a:p>
@@ -2603,7 +2688,7 @@
           <a:p>
             <a:fld id="{DF1B2396-F67C-4139-9228-8276BD327163}" type="datetimeFigureOut">
               <a:rPr lang="zh-TW" altLang="en-US" smtClean="0"/>
-              <a:t>2019/7/2</a:t>
+              <a:t>2019/7/3</a:t>
             </a:fld>
             <a:endParaRPr lang="zh-TW" altLang="en-US"/>
           </a:p>
@@ -2721,7 +2806,7 @@
           <a:p>
             <a:fld id="{DF1B2396-F67C-4139-9228-8276BD327163}" type="datetimeFigureOut">
               <a:rPr lang="zh-TW" altLang="en-US" smtClean="0"/>
-              <a:t>2019/7/2</a:t>
+              <a:t>2019/7/3</a:t>
             </a:fld>
             <a:endParaRPr lang="zh-TW" altLang="en-US"/>
           </a:p>
@@ -2892,7 +2977,7 @@
           <a:p>
             <a:fld id="{DF1B2396-F67C-4139-9228-8276BD327163}" type="datetimeFigureOut">
               <a:rPr lang="zh-TW" altLang="en-US" smtClean="0"/>
-              <a:t>2019/7/2</a:t>
+              <a:t>2019/7/3</a:t>
             </a:fld>
             <a:endParaRPr lang="zh-TW" altLang="en-US"/>
           </a:p>
@@ -3246,7 +3331,7 @@
           <a:p>
             <a:fld id="{DF1B2396-F67C-4139-9228-8276BD327163}" type="datetimeFigureOut">
               <a:rPr lang="zh-TW" altLang="en-US" smtClean="0"/>
-              <a:t>2019/7/2</a:t>
+              <a:t>2019/7/3</a:t>
             </a:fld>
             <a:endParaRPr lang="zh-TW" altLang="en-US"/>
           </a:p>
@@ -3628,7 +3713,7 @@
           <a:p>
             <a:fld id="{DF1B2396-F67C-4139-9228-8276BD327163}" type="datetimeFigureOut">
               <a:rPr lang="zh-TW" altLang="en-US" smtClean="0"/>
-              <a:t>2019/7/2</a:t>
+              <a:t>2019/7/3</a:t>
             </a:fld>
             <a:endParaRPr lang="zh-TW" altLang="en-US"/>
           </a:p>
@@ -3915,7 +4000,7 @@
           <a:p>
             <a:fld id="{DF1B2396-F67C-4139-9228-8276BD327163}" type="datetimeFigureOut">
               <a:rPr lang="zh-TW" altLang="en-US" smtClean="0"/>
-              <a:t>2019/7/2</a:t>
+              <a:t>2019/7/3</a:t>
             </a:fld>
             <a:endParaRPr lang="zh-TW" altLang="en-US"/>
           </a:p>
@@ -4517,6 +4602,13 @@
   <p:clrMapOvr>
     <a:masterClrMapping/>
   </p:clrMapOvr>
+  <p:timing>
+    <p:tnLst>
+      <p:par>
+        <p:cTn id="1" dur="indefinite" restart="never" nodeType="tmRoot"/>
+      </p:par>
+    </p:tnLst>
+  </p:timing>
 </p:sld>
 </file>
 
@@ -4830,8 +4922,8 @@
         </p:blipFill>
         <p:spPr>
           <a:xfrm>
-            <a:off x="4263987" y="1947863"/>
-            <a:ext cx="6376449" cy="4425523"/>
+            <a:off x="6354932" y="2273200"/>
+            <a:ext cx="5837068" cy="4051170"/>
           </a:xfrm>
           <a:prstGeom prst="rect">
             <a:avLst/>
@@ -5183,6 +5275,13 @@
   <p:clrMapOvr>
     <a:overrideClrMapping bg1="lt1" tx1="dk1" bg2="lt2" tx2="dk2" accent1="accent1" accent2="accent2" accent3="accent3" accent4="accent4" accent5="accent5" accent6="accent6" hlink="hlink" folHlink="folHlink"/>
   </p:clrMapOvr>
+  <p:timing>
+    <p:tnLst>
+      <p:par>
+        <p:cTn id="1" dur="indefinite" restart="never" nodeType="tmRoot"/>
+      </p:par>
+    </p:tnLst>
+  </p:timing>
 </p:sld>
 </file>
 
@@ -5346,6 +5445,13 @@
   <p:clrMapOvr>
     <a:masterClrMapping/>
   </p:clrMapOvr>
+  <p:timing>
+    <p:tnLst>
+      <p:par>
+        <p:cTn id="1" dur="indefinite" restart="never" nodeType="tmRoot"/>
+      </p:par>
+    </p:tnLst>
+  </p:timing>
 </p:sld>
 </file>
 
@@ -5667,6 +5773,13 @@
   <p:clrMapOvr>
     <a:masterClrMapping/>
   </p:clrMapOvr>
+  <p:timing>
+    <p:tnLst>
+      <p:par>
+        <p:cTn id="1" dur="indefinite" restart="never" nodeType="tmRoot"/>
+      </p:par>
+    </p:tnLst>
+  </p:timing>
 </p:sld>
 </file>
 
@@ -5704,7 +5817,11 @@
           <a:p>
             <a:r>
               <a:rPr lang="en-US" altLang="zh-TW" dirty="0" smtClean="0"/>
-              <a:t>Practice time</a:t>
+              <a:t>Practice </a:t>
+            </a:r>
+            <a:r>
+              <a:rPr lang="en-US" altLang="zh-TW" dirty="0" smtClean="0"/>
+              <a:t>time – ENTRYPOINT / CMD</a:t>
             </a:r>
             <a:endParaRPr lang="zh-TW" altLang="en-US" dirty="0"/>
           </a:p>
@@ -5781,6 +5898,13 @@
   <p:clrMapOvr>
     <a:masterClrMapping/>
   </p:clrMapOvr>
+  <p:timing>
+    <p:tnLst>
+      <p:par>
+        <p:cTn id="1" dur="indefinite" restart="never" nodeType="tmRoot"/>
+      </p:par>
+    </p:tnLst>
+  </p:timing>
 </p:sld>
 </file>
 
@@ -5946,6 +6070,13 @@
   <p:clrMapOvr>
     <a:masterClrMapping/>
   </p:clrMapOvr>
+  <p:timing>
+    <p:tnLst>
+      <p:par>
+        <p:cTn id="1" dur="indefinite" restart="never" nodeType="tmRoot"/>
+      </p:par>
+    </p:tnLst>
+  </p:timing>
 </p:sld>
 </file>
 
@@ -5983,7 +6114,11 @@
           <a:p>
             <a:r>
               <a:rPr lang="en-US" altLang="zh-TW" dirty="0" smtClean="0"/>
-              <a:t>Another practice</a:t>
+              <a:t>Another </a:t>
+            </a:r>
+            <a:r>
+              <a:rPr lang="en-US" altLang="zh-TW" dirty="0" smtClean="0"/>
+              <a:t>practice – Volume mounting</a:t>
             </a:r>
             <a:endParaRPr lang="zh-TW" altLang="en-US" dirty="0"/>
           </a:p>
@@ -6001,13 +6136,49 @@
         </p:nvSpPr>
         <p:spPr/>
         <p:txBody>
-          <a:bodyPr/>
+          <a:bodyPr>
+            <a:normAutofit/>
+          </a:bodyPr>
           <a:lstStyle/>
           <a:p>
-            <a:endParaRPr lang="zh-TW" altLang="en-US" dirty="0"/>
-          </a:p>
-        </p:txBody>
-      </p:sp>
+            <a:r>
+              <a:rPr lang="en-US" altLang="zh-TW" sz="2800" dirty="0" smtClean="0"/>
+              <a:t>Reuse the “bat” container, now mount a folder in</a:t>
+            </a:r>
+          </a:p>
+          <a:p>
+            <a:r>
+              <a:rPr lang="en-US" altLang="zh-TW" sz="2800" dirty="0" smtClean="0"/>
+              <a:t>Can you list the files in the mounted folder?</a:t>
+            </a:r>
+            <a:endParaRPr lang="zh-TW" altLang="en-US" sz="2800" dirty="0"/>
+          </a:p>
+        </p:txBody>
+      </p:sp>
+      <p:pic>
+        <p:nvPicPr>
+          <p:cNvPr id="4" name="圖片 3"/>
+          <p:cNvPicPr>
+            <a:picLocks noChangeAspect="1"/>
+          </p:cNvPicPr>
+          <p:nvPr/>
+        </p:nvPicPr>
+        <p:blipFill>
+          <a:blip r:embed="rId2"/>
+          <a:stretch>
+            <a:fillRect/>
+          </a:stretch>
+        </p:blipFill>
+        <p:spPr>
+          <a:xfrm>
+            <a:off x="2797621" y="2910254"/>
+            <a:ext cx="9273558" cy="3803407"/>
+          </a:xfrm>
+          <a:prstGeom prst="rect">
+            <a:avLst/>
+          </a:prstGeom>
+        </p:spPr>
+      </p:pic>
     </p:spTree>
     <p:extLst>
       <p:ext uri="{BB962C8B-B14F-4D97-AF65-F5344CB8AC3E}">
@@ -6018,6 +6189,13 @@
   <p:clrMapOvr>
     <a:masterClrMapping/>
   </p:clrMapOvr>
+  <p:timing>
+    <p:tnLst>
+      <p:par>
+        <p:cTn id="1" dur="indefinite" restart="never" nodeType="tmRoot"/>
+      </p:par>
+    </p:tnLst>
+  </p:timing>
 </p:sld>
 </file>
 
@@ -6038,6 +6216,29 @@
           <a:chExt cx="0" cy="0"/>
         </a:xfrm>
       </p:grpSpPr>
+      <p:pic>
+        <p:nvPicPr>
+          <p:cNvPr id="11" name="圖片 10"/>
+          <p:cNvPicPr>
+            <a:picLocks noChangeAspect="1"/>
+          </p:cNvPicPr>
+          <p:nvPr/>
+        </p:nvPicPr>
+        <p:blipFill rotWithShape="1">
+          <a:blip r:embed="rId2"/>
+          <a:srcRect l="13124"/>
+          <a:stretch/>
+        </p:blipFill>
+        <p:spPr>
+          <a:xfrm>
+            <a:off x="6506308" y="2552053"/>
+            <a:ext cx="5685692" cy="3134162"/>
+          </a:xfrm>
+          <a:prstGeom prst="rect">
+            <a:avLst/>
+          </a:prstGeom>
+        </p:spPr>
+      </p:pic>
       <p:sp>
         <p:nvSpPr>
           <p:cNvPr id="2" name="標題 1"/>
@@ -6055,6 +6256,84 @@
           <a:p>
             <a:r>
               <a:rPr lang="en-US" altLang="zh-TW" dirty="0" smtClean="0"/>
+              <a:t>Now Lets sum everything up!!</a:t>
+            </a:r>
+            <a:endParaRPr lang="zh-TW" altLang="en-US" dirty="0"/>
+          </a:p>
+        </p:txBody>
+      </p:sp>
+      <p:pic>
+        <p:nvPicPr>
+          <p:cNvPr id="9" name="內容版面配置區 8"/>
+          <p:cNvPicPr>
+            <a:picLocks noGrp="1" noChangeAspect="1"/>
+          </p:cNvPicPr>
+          <p:nvPr>
+            <p:ph idx="1"/>
+          </p:nvPr>
+        </p:nvPicPr>
+        <p:blipFill rotWithShape="1">
+          <a:blip r:embed="rId3"/>
+          <a:srcRect l="9661"/>
+          <a:stretch/>
+        </p:blipFill>
+        <p:spPr>
+          <a:xfrm>
+            <a:off x="0" y="2074861"/>
+            <a:ext cx="6577162" cy="4088545"/>
+          </a:xfrm>
+          <a:prstGeom prst="rect">
+            <a:avLst/>
+          </a:prstGeom>
+        </p:spPr>
+      </p:pic>
+    </p:spTree>
+    <p:extLst>
+      <p:ext uri="{BB962C8B-B14F-4D97-AF65-F5344CB8AC3E}">
+        <p14:creationId xmlns:p14="http://schemas.microsoft.com/office/powerpoint/2010/main" val="671023724"/>
+      </p:ext>
+    </p:extLst>
+  </p:cSld>
+  <p:clrMapOvr>
+    <a:masterClrMapping/>
+  </p:clrMapOvr>
+</p:sld>
+</file>
+
+<file path=ppt/slides/slide18.xml><?xml version="1.0" encoding="utf-8"?>
+<p:sld xmlns:a="http://schemas.openxmlformats.org/drawingml/2006/main" xmlns:r="http://schemas.openxmlformats.org/officeDocument/2006/relationships" xmlns:p="http://schemas.openxmlformats.org/presentationml/2006/main">
+  <p:cSld>
+    <p:spTree>
+      <p:nvGrpSpPr>
+        <p:cNvPr id="1" name=""/>
+        <p:cNvGrpSpPr/>
+        <p:nvPr/>
+      </p:nvGrpSpPr>
+      <p:grpSpPr>
+        <a:xfrm>
+          <a:off x="0" y="0"/>
+          <a:ext cx="0" cy="0"/>
+          <a:chOff x="0" y="0"/>
+          <a:chExt cx="0" cy="0"/>
+        </a:xfrm>
+      </p:grpSpPr>
+      <p:sp>
+        <p:nvSpPr>
+          <p:cNvPr id="2" name="標題 1"/>
+          <p:cNvSpPr>
+            <a:spLocks noGrp="1"/>
+          </p:cNvSpPr>
+          <p:nvPr>
+            <p:ph type="title"/>
+          </p:nvPr>
+        </p:nvSpPr>
+        <p:spPr/>
+        <p:txBody>
+          <a:bodyPr/>
+          <a:lstStyle/>
+          <a:p>
+            <a:r>
+              <a:rPr lang="en-US" altLang="zh-TW" dirty="0" smtClean="0"/>
               <a:t>Useful examples</a:t>
             </a:r>
             <a:endParaRPr lang="zh-TW" altLang="en-US" dirty="0"/>
@@ -6082,31 +6361,31 @@
             </a:r>
             <a:r>
               <a:rPr lang="en-US" altLang="zh-TW" dirty="0" smtClean="0">
-                <a:hlinkClick r:id="rId2"/>
+                <a:hlinkClick r:id="rId3"/>
               </a:rPr>
               <a:t>using “cat”</a:t>
             </a:r>
             <a:r>
               <a:rPr lang="zh-TW" altLang="en-US" dirty="0" smtClean="0">
-                <a:hlinkClick r:id="rId2"/>
+                <a:hlinkClick r:id="rId3"/>
               </a:rPr>
               <a:t> </a:t>
             </a:r>
             <a:r>
               <a:rPr lang="en-US" altLang="zh-TW" dirty="0" smtClean="0">
-                <a:hlinkClick r:id="rId2"/>
+                <a:hlinkClick r:id="rId3"/>
               </a:rPr>
               <a:t>command in </a:t>
             </a:r>
             <a:r>
               <a:rPr lang="en-US" altLang="zh-TW" dirty="0" err="1" smtClean="0">
-                <a:hlinkClick r:id="rId2"/>
+                <a:hlinkClick r:id="rId3"/>
               </a:rPr>
               <a:t>docker</a:t>
             </a:r>
             <a:r>
               <a:rPr lang="en-US" altLang="zh-TW" dirty="0" smtClean="0">
-                <a:hlinkClick r:id="rId2"/>
+                <a:hlinkClick r:id="rId3"/>
               </a:rPr>
               <a:t>? </a:t>
             </a:r>
@@ -6270,6 +6549,13 @@
   <p:clrMapOvr>
     <a:masterClrMapping/>
   </p:clrMapOvr>
+  <p:timing>
+    <p:tnLst>
+      <p:par>
+        <p:cTn id="1" dur="indefinite" restart="never" nodeType="tmRoot"/>
+      </p:par>
+    </p:tnLst>
+  </p:timing>
 </p:sld>
 </file>
 
@@ -6435,6 +6721,13 @@
   <p:clrMapOvr>
     <a:masterClrMapping/>
   </p:clrMapOvr>
+  <p:timing>
+    <p:tnLst>
+      <p:par>
+        <p:cTn id="1" dur="indefinite" restart="never" nodeType="tmRoot"/>
+      </p:par>
+    </p:tnLst>
+  </p:timing>
 </p:sld>
 </file>
 
@@ -6649,6 +6942,13 @@
   <p:clrMapOvr>
     <a:masterClrMapping/>
   </p:clrMapOvr>
+  <p:timing>
+    <p:tnLst>
+      <p:par>
+        <p:cTn id="1" dur="indefinite" restart="never" nodeType="tmRoot"/>
+      </p:par>
+    </p:tnLst>
+  </p:timing>
 </p:sld>
 </file>
 
@@ -6802,6 +7102,13 @@
   <p:clrMapOvr>
     <a:masterClrMapping/>
   </p:clrMapOvr>
+  <p:timing>
+    <p:tnLst>
+      <p:par>
+        <p:cTn id="1" dur="indefinite" restart="never" nodeType="tmRoot"/>
+      </p:par>
+    </p:tnLst>
+  </p:timing>
 </p:sld>
 </file>
 
@@ -8999,6 +9306,13 @@
   <p:clrMapOvr>
     <a:masterClrMapping/>
   </p:clrMapOvr>
+  <p:timing>
+    <p:tnLst>
+      <p:par>
+        <p:cTn id="1" dur="indefinite" restart="never" nodeType="tmRoot"/>
+      </p:par>
+    </p:tnLst>
+  </p:timing>
 </p:sld>
 </file>
 
@@ -9196,6 +9510,13 @@
   <p:clrMapOvr>
     <a:masterClrMapping/>
   </p:clrMapOvr>
+  <p:timing>
+    <p:tnLst>
+      <p:par>
+        <p:cTn id="1" dur="indefinite" restart="never" nodeType="tmRoot"/>
+      </p:par>
+    </p:tnLst>
+  </p:timing>
 </p:sld>
 </file>
 
@@ -9421,8 +9742,8 @@
         </p:nvSpPr>
         <p:spPr>
           <a:xfrm>
-            <a:off x="5688515" y="1845734"/>
-            <a:ext cx="5143722" cy="4391294"/>
+            <a:off x="5451121" y="1853876"/>
+            <a:ext cx="5467165" cy="1671189"/>
           </a:xfrm>
           <a:prstGeom prst="rect">
             <a:avLst/>
@@ -9704,14 +10025,338 @@
               <a:t>Run another ( fork ) process other than the </a:t>
             </a:r>
             <a:r>
-              <a:rPr lang="en-US" altLang="zh-TW" sz="1300" dirty="0" err="1"/>
+              <a:rPr lang="en-US" altLang="zh-TW" sz="1300" dirty="0" err="1" smtClean="0"/>
               <a:t>entrypoint</a:t>
+            </a:r>
+            <a:endParaRPr lang="en-US" altLang="zh-TW" sz="1300" dirty="0"/>
+          </a:p>
+          <a:p>
+            <a:r>
+              <a:rPr lang="en-US" altLang="zh-TW" sz="1300" dirty="0" smtClean="0"/>
+              <a:t> </a:t>
             </a:r>
             <a:endParaRPr lang="en-US" altLang="zh-TW" sz="1300" dirty="0"/>
           </a:p>
           <a:p>
             <a:pPr lvl="1"/>
             <a:endParaRPr lang="zh-TW" altLang="en-US" sz="1100" dirty="0"/>
+          </a:p>
+        </p:txBody>
+      </p:sp>
+      <p:sp>
+        <p:nvSpPr>
+          <p:cNvPr id="6" name="內容版面配置區 2">
+            <a:extLst>
+              <a:ext uri="{FF2B5EF4-FFF2-40B4-BE49-F238E27FC236}">
+                <a16:creationId xmlns:a16="http://schemas.microsoft.com/office/drawing/2014/main" id="{1F583454-1F4C-4B54-AF5C-7BCC6625126C}"/>
+              </a:ext>
+            </a:extLst>
+          </p:cNvPr>
+          <p:cNvSpPr txBox="1">
+            <a:spLocks/>
+          </p:cNvSpPr>
+          <p:nvPr/>
+        </p:nvSpPr>
+        <p:spPr>
+          <a:xfrm>
+            <a:off x="5451121" y="3076137"/>
+            <a:ext cx="6664679" cy="2779540"/>
+          </a:xfrm>
+          <a:prstGeom prst="rect">
+            <a:avLst/>
+          </a:prstGeom>
+        </p:spPr>
+        <p:txBody>
+          <a:bodyPr vert="horz" lIns="0" tIns="45720" rIns="0" bIns="45720" rtlCol="0">
+            <a:normAutofit/>
+          </a:bodyPr>
+          <a:lstStyle>
+            <a:lvl1pPr marL="91440" indent="-91440" algn="l" defTabSz="914400" rtl="0" eaLnBrk="1" latinLnBrk="0" hangingPunct="1">
+              <a:lnSpc>
+                <a:spcPct val="90000"/>
+              </a:lnSpc>
+              <a:spcBef>
+                <a:spcPts val="1200"/>
+              </a:spcBef>
+              <a:spcAft>
+                <a:spcPts val="200"/>
+              </a:spcAft>
+              <a:buClr>
+                <a:schemeClr val="accent1"/>
+              </a:buClr>
+              <a:buSzPct val="100000"/>
+              <a:buFont typeface="Calibri" panose="020F0502020204030204" pitchFamily="34" charset="0"/>
+              <a:buChar char=" "/>
+              <a:defRPr sz="2000" kern="1200">
+                <a:solidFill>
+                  <a:schemeClr val="tx1">
+                    <a:lumMod val="75000"/>
+                    <a:lumOff val="25000"/>
+                  </a:schemeClr>
+                </a:solidFill>
+                <a:latin typeface="+mn-lt"/>
+                <a:ea typeface="+mn-ea"/>
+                <a:cs typeface="+mn-cs"/>
+              </a:defRPr>
+            </a:lvl1pPr>
+            <a:lvl2pPr marL="384048" indent="-182880" algn="l" defTabSz="914400" rtl="0" eaLnBrk="1" latinLnBrk="0" hangingPunct="1">
+              <a:lnSpc>
+                <a:spcPct val="90000"/>
+              </a:lnSpc>
+              <a:spcBef>
+                <a:spcPts val="200"/>
+              </a:spcBef>
+              <a:spcAft>
+                <a:spcPts val="400"/>
+              </a:spcAft>
+              <a:buClr>
+                <a:schemeClr val="accent1"/>
+              </a:buClr>
+              <a:buFont typeface="Calibri" pitchFamily="34" charset="0"/>
+              <a:buChar char="◦"/>
+              <a:defRPr sz="1800" kern="1200">
+                <a:solidFill>
+                  <a:schemeClr val="tx1">
+                    <a:lumMod val="75000"/>
+                    <a:lumOff val="25000"/>
+                  </a:schemeClr>
+                </a:solidFill>
+                <a:latin typeface="+mn-lt"/>
+                <a:ea typeface="+mn-ea"/>
+                <a:cs typeface="+mn-cs"/>
+              </a:defRPr>
+            </a:lvl2pPr>
+            <a:lvl3pPr marL="566928" indent="-182880" algn="l" defTabSz="914400" rtl="0" eaLnBrk="1" latinLnBrk="0" hangingPunct="1">
+              <a:lnSpc>
+                <a:spcPct val="90000"/>
+              </a:lnSpc>
+              <a:spcBef>
+                <a:spcPts val="200"/>
+              </a:spcBef>
+              <a:spcAft>
+                <a:spcPts val="400"/>
+              </a:spcAft>
+              <a:buClr>
+                <a:schemeClr val="accent1"/>
+              </a:buClr>
+              <a:buFont typeface="Calibri" pitchFamily="34" charset="0"/>
+              <a:buChar char="◦"/>
+              <a:defRPr sz="1400" kern="1200">
+                <a:solidFill>
+                  <a:schemeClr val="tx1">
+                    <a:lumMod val="75000"/>
+                    <a:lumOff val="25000"/>
+                  </a:schemeClr>
+                </a:solidFill>
+                <a:latin typeface="+mn-lt"/>
+                <a:ea typeface="+mn-ea"/>
+                <a:cs typeface="+mn-cs"/>
+              </a:defRPr>
+            </a:lvl3pPr>
+            <a:lvl4pPr marL="749808" indent="-182880" algn="l" defTabSz="914400" rtl="0" eaLnBrk="1" latinLnBrk="0" hangingPunct="1">
+              <a:lnSpc>
+                <a:spcPct val="90000"/>
+              </a:lnSpc>
+              <a:spcBef>
+                <a:spcPts val="200"/>
+              </a:spcBef>
+              <a:spcAft>
+                <a:spcPts val="400"/>
+              </a:spcAft>
+              <a:buClr>
+                <a:schemeClr val="accent1"/>
+              </a:buClr>
+              <a:buFont typeface="Calibri" pitchFamily="34" charset="0"/>
+              <a:buChar char="◦"/>
+              <a:defRPr sz="1400" kern="1200">
+                <a:solidFill>
+                  <a:schemeClr val="tx1">
+                    <a:lumMod val="75000"/>
+                    <a:lumOff val="25000"/>
+                  </a:schemeClr>
+                </a:solidFill>
+                <a:latin typeface="+mn-lt"/>
+                <a:ea typeface="+mn-ea"/>
+                <a:cs typeface="+mn-cs"/>
+              </a:defRPr>
+            </a:lvl4pPr>
+            <a:lvl5pPr marL="932688" indent="-182880" algn="l" defTabSz="914400" rtl="0" eaLnBrk="1" latinLnBrk="0" hangingPunct="1">
+              <a:lnSpc>
+                <a:spcPct val="90000"/>
+              </a:lnSpc>
+              <a:spcBef>
+                <a:spcPts val="200"/>
+              </a:spcBef>
+              <a:spcAft>
+                <a:spcPts val="400"/>
+              </a:spcAft>
+              <a:buClr>
+                <a:schemeClr val="accent1"/>
+              </a:buClr>
+              <a:buFont typeface="Calibri" pitchFamily="34" charset="0"/>
+              <a:buChar char="◦"/>
+              <a:defRPr sz="1400" kern="1200">
+                <a:solidFill>
+                  <a:schemeClr val="tx1">
+                    <a:lumMod val="75000"/>
+                    <a:lumOff val="25000"/>
+                  </a:schemeClr>
+                </a:solidFill>
+                <a:latin typeface="+mn-lt"/>
+                <a:ea typeface="+mn-ea"/>
+                <a:cs typeface="+mn-cs"/>
+              </a:defRPr>
+            </a:lvl5pPr>
+            <a:lvl6pPr marL="1100000" indent="-228600" algn="l" defTabSz="914400" rtl="0" eaLnBrk="1" latinLnBrk="0" hangingPunct="1">
+              <a:lnSpc>
+                <a:spcPct val="90000"/>
+              </a:lnSpc>
+              <a:spcBef>
+                <a:spcPts val="200"/>
+              </a:spcBef>
+              <a:spcAft>
+                <a:spcPts val="400"/>
+              </a:spcAft>
+              <a:buClr>
+                <a:schemeClr val="accent1"/>
+              </a:buClr>
+              <a:buFont typeface="Calibri" pitchFamily="34" charset="0"/>
+              <a:buChar char="◦"/>
+              <a:defRPr sz="1400" kern="1200">
+                <a:solidFill>
+                  <a:schemeClr val="tx1">
+                    <a:lumMod val="75000"/>
+                    <a:lumOff val="25000"/>
+                  </a:schemeClr>
+                </a:solidFill>
+                <a:latin typeface="+mn-lt"/>
+                <a:ea typeface="+mn-ea"/>
+                <a:cs typeface="+mn-cs"/>
+              </a:defRPr>
+            </a:lvl6pPr>
+            <a:lvl7pPr marL="1300000" indent="-228600" algn="l" defTabSz="914400" rtl="0" eaLnBrk="1" latinLnBrk="0" hangingPunct="1">
+              <a:lnSpc>
+                <a:spcPct val="90000"/>
+              </a:lnSpc>
+              <a:spcBef>
+                <a:spcPts val="200"/>
+              </a:spcBef>
+              <a:spcAft>
+                <a:spcPts val="400"/>
+              </a:spcAft>
+              <a:buClr>
+                <a:schemeClr val="accent1"/>
+              </a:buClr>
+              <a:buFont typeface="Calibri" pitchFamily="34" charset="0"/>
+              <a:buChar char="◦"/>
+              <a:defRPr sz="1400" kern="1200">
+                <a:solidFill>
+                  <a:schemeClr val="tx1">
+                    <a:lumMod val="75000"/>
+                    <a:lumOff val="25000"/>
+                  </a:schemeClr>
+                </a:solidFill>
+                <a:latin typeface="+mn-lt"/>
+                <a:ea typeface="+mn-ea"/>
+                <a:cs typeface="+mn-cs"/>
+              </a:defRPr>
+            </a:lvl7pPr>
+            <a:lvl8pPr marL="1500000" indent="-228600" algn="l" defTabSz="914400" rtl="0" eaLnBrk="1" latinLnBrk="0" hangingPunct="1">
+              <a:lnSpc>
+                <a:spcPct val="90000"/>
+              </a:lnSpc>
+              <a:spcBef>
+                <a:spcPts val="200"/>
+              </a:spcBef>
+              <a:spcAft>
+                <a:spcPts val="400"/>
+              </a:spcAft>
+              <a:buClr>
+                <a:schemeClr val="accent1"/>
+              </a:buClr>
+              <a:buFont typeface="Calibri" pitchFamily="34" charset="0"/>
+              <a:buChar char="◦"/>
+              <a:defRPr sz="1400" kern="1200">
+                <a:solidFill>
+                  <a:schemeClr val="tx1">
+                    <a:lumMod val="75000"/>
+                    <a:lumOff val="25000"/>
+                  </a:schemeClr>
+                </a:solidFill>
+                <a:latin typeface="+mn-lt"/>
+                <a:ea typeface="+mn-ea"/>
+                <a:cs typeface="+mn-cs"/>
+              </a:defRPr>
+            </a:lvl8pPr>
+            <a:lvl9pPr marL="1700000" indent="-228600" algn="l" defTabSz="914400" rtl="0" eaLnBrk="1" latinLnBrk="0" hangingPunct="1">
+              <a:lnSpc>
+                <a:spcPct val="90000"/>
+              </a:lnSpc>
+              <a:spcBef>
+                <a:spcPts val="200"/>
+              </a:spcBef>
+              <a:spcAft>
+                <a:spcPts val="400"/>
+              </a:spcAft>
+              <a:buClr>
+                <a:schemeClr val="accent1"/>
+              </a:buClr>
+              <a:buFont typeface="Calibri" pitchFamily="34" charset="0"/>
+              <a:buChar char="◦"/>
+              <a:defRPr sz="1400" kern="1200">
+                <a:solidFill>
+                  <a:schemeClr val="tx1">
+                    <a:lumMod val="75000"/>
+                    <a:lumOff val="25000"/>
+                  </a:schemeClr>
+                </a:solidFill>
+                <a:latin typeface="+mn-lt"/>
+                <a:ea typeface="+mn-ea"/>
+                <a:cs typeface="+mn-cs"/>
+              </a:defRPr>
+            </a:lvl9pPr>
+          </a:lstStyle>
+          <a:p>
+            <a:r>
+              <a:rPr lang="en-US" altLang="zh-TW" sz="1600" dirty="0" smtClean="0"/>
+              <a:t>Options</a:t>
+            </a:r>
+            <a:endParaRPr lang="en-US" altLang="zh-TW" sz="1600" dirty="0"/>
+          </a:p>
+          <a:p>
+            <a:pPr lvl="1"/>
+            <a:r>
+              <a:rPr lang="en-US" altLang="zh-TW" sz="1400" dirty="0" smtClean="0"/>
+              <a:t>-it : </a:t>
+            </a:r>
+            <a:r>
+              <a:rPr lang="en-US" altLang="zh-TW" sz="1400" dirty="0" err="1" smtClean="0"/>
+              <a:t>i</a:t>
+            </a:r>
+            <a:r>
+              <a:rPr lang="en-US" altLang="zh-TW" sz="1400" dirty="0" smtClean="0"/>
+              <a:t> for keep STDIN alive( interactive ), t for pseudo-</a:t>
+            </a:r>
+            <a:r>
+              <a:rPr lang="en-US" altLang="zh-TW" sz="1400" dirty="0" err="1" smtClean="0"/>
+              <a:t>tty</a:t>
+            </a:r>
+            <a:r>
+              <a:rPr lang="en-US" altLang="zh-TW" sz="1400" dirty="0" smtClean="0"/>
+              <a:t>, normally used with run / exec</a:t>
+            </a:r>
+          </a:p>
+          <a:p>
+            <a:pPr lvl="1"/>
+            <a:r>
+              <a:rPr lang="en-US" altLang="zh-TW" sz="1400" dirty="0" smtClean="0"/>
+              <a:t>-e for Environment values, read through the container’s readme ( case by case )</a:t>
+            </a:r>
+            <a:endParaRPr lang="en-US" altLang="zh-TW" sz="1400" dirty="0"/>
+          </a:p>
+          <a:p>
+            <a:pPr lvl="1"/>
+            <a:endParaRPr lang="zh-TW" altLang="en-US" sz="1200" dirty="0"/>
           </a:p>
         </p:txBody>
       </p:sp>
@@ -9725,6 +10370,13 @@
   <p:clrMapOvr>
     <a:masterClrMapping/>
   </p:clrMapOvr>
+  <p:timing>
+    <p:tnLst>
+      <p:par>
+        <p:cTn id="1" dur="indefinite" restart="never" nodeType="tmRoot"/>
+      </p:par>
+    </p:tnLst>
+  </p:timing>
 </p:sld>
 </file>
 
@@ -10598,6 +11250,13 @@
   <p:clrMapOvr>
     <a:masterClrMapping/>
   </p:clrMapOvr>
+  <p:timing>
+    <p:tnLst>
+      <p:par>
+        <p:cTn id="1" dur="indefinite" restart="never" nodeType="tmRoot"/>
+      </p:par>
+    </p:tnLst>
+  </p:timing>
 </p:sld>
 </file>
 

--- a/Introduction to docker.pptx
+++ b/Introduction to docker.pptx
@@ -5,7 +5,7 @@
     <p:sldMasterId id="2147483660" r:id="rId1"/>
   </p:sldMasterIdLst>
   <p:notesMasterIdLst>
-    <p:notesMasterId r:id="rId20"/>
+    <p:notesMasterId r:id="rId22"/>
   </p:notesMasterIdLst>
   <p:sldIdLst>
     <p:sldId id="256" r:id="rId2"/>
@@ -26,6 +26,8 @@
     <p:sldId id="276" r:id="rId17"/>
     <p:sldId id="277" r:id="rId18"/>
     <p:sldId id="274" r:id="rId19"/>
+    <p:sldId id="278" r:id="rId20"/>
+    <p:sldId id="279" r:id="rId21"/>
   </p:sldIdLst>
   <p:sldSz cx="12192000" cy="6858000"/>
   <p:notesSz cx="6858000" cy="9144000"/>
@@ -6334,7 +6336,7 @@
           <a:p>
             <a:r>
               <a:rPr lang="en-US" altLang="zh-TW" dirty="0" smtClean="0"/>
-              <a:t>Useful examples</a:t>
+              <a:t>References</a:t>
             </a:r>
             <a:endParaRPr lang="zh-TW" altLang="en-US" dirty="0"/>
           </a:p>
@@ -6397,6 +6399,78 @@
     <p:extLst>
       <p:ext uri="{BB962C8B-B14F-4D97-AF65-F5344CB8AC3E}">
         <p14:creationId xmlns:p14="http://schemas.microsoft.com/office/powerpoint/2010/main" val="3796846956"/>
+      </p:ext>
+    </p:extLst>
+  </p:cSld>
+  <p:clrMapOvr>
+    <a:masterClrMapping/>
+  </p:clrMapOvr>
+</p:sld>
+</file>
+
+<file path=ppt/slides/slide19.xml><?xml version="1.0" encoding="utf-8"?>
+<p:sld xmlns:a="http://schemas.openxmlformats.org/drawingml/2006/main" xmlns:r="http://schemas.openxmlformats.org/officeDocument/2006/relationships" xmlns:p="http://schemas.openxmlformats.org/presentationml/2006/main">
+  <p:cSld>
+    <p:spTree>
+      <p:nvGrpSpPr>
+        <p:cNvPr id="1" name=""/>
+        <p:cNvGrpSpPr/>
+        <p:nvPr/>
+      </p:nvGrpSpPr>
+      <p:grpSpPr>
+        <a:xfrm>
+          <a:off x="0" y="0"/>
+          <a:ext cx="0" cy="0"/>
+          <a:chOff x="0" y="0"/>
+          <a:chExt cx="0" cy="0"/>
+        </a:xfrm>
+      </p:grpSpPr>
+      <p:sp>
+        <p:nvSpPr>
+          <p:cNvPr id="2" name="標題 1"/>
+          <p:cNvSpPr>
+            <a:spLocks noGrp="1"/>
+          </p:cNvSpPr>
+          <p:nvPr>
+            <p:ph type="title"/>
+          </p:nvPr>
+        </p:nvSpPr>
+        <p:spPr/>
+        <p:txBody>
+          <a:bodyPr/>
+          <a:lstStyle/>
+          <a:p>
+            <a:r>
+              <a:rPr lang="en-US" altLang="zh-TW" dirty="0" smtClean="0"/>
+              <a:t>Appendix : Bash commands</a:t>
+            </a:r>
+            <a:endParaRPr lang="zh-TW" altLang="en-US" dirty="0"/>
+          </a:p>
+        </p:txBody>
+      </p:sp>
+      <p:sp>
+        <p:nvSpPr>
+          <p:cNvPr id="3" name="內容版面配置區 2"/>
+          <p:cNvSpPr>
+            <a:spLocks noGrp="1"/>
+          </p:cNvSpPr>
+          <p:nvPr>
+            <p:ph idx="1"/>
+          </p:nvPr>
+        </p:nvSpPr>
+        <p:spPr/>
+        <p:txBody>
+          <a:bodyPr/>
+          <a:lstStyle/>
+          <a:p>
+            <a:endParaRPr lang="zh-TW" altLang="en-US"/>
+          </a:p>
+        </p:txBody>
+      </p:sp>
+    </p:spTree>
+    <p:extLst>
+      <p:ext uri="{BB962C8B-B14F-4D97-AF65-F5344CB8AC3E}">
+        <p14:creationId xmlns:p14="http://schemas.microsoft.com/office/powerpoint/2010/main" val="3038286562"/>
       </p:ext>
     </p:extLst>
   </p:cSld>
@@ -6556,6 +6630,74 @@
       </p:par>
     </p:tnLst>
   </p:timing>
+</p:sld>
+</file>
+
+<file path=ppt/slides/slide20.xml><?xml version="1.0" encoding="utf-8"?>
+<p:sld xmlns:a="http://schemas.openxmlformats.org/drawingml/2006/main" xmlns:r="http://schemas.openxmlformats.org/officeDocument/2006/relationships" xmlns:p="http://schemas.openxmlformats.org/presentationml/2006/main">
+  <p:cSld>
+    <p:spTree>
+      <p:nvGrpSpPr>
+        <p:cNvPr id="1" name=""/>
+        <p:cNvGrpSpPr/>
+        <p:nvPr/>
+      </p:nvGrpSpPr>
+      <p:grpSpPr>
+        <a:xfrm>
+          <a:off x="0" y="0"/>
+          <a:ext cx="0" cy="0"/>
+          <a:chOff x="0" y="0"/>
+          <a:chExt cx="0" cy="0"/>
+        </a:xfrm>
+      </p:grpSpPr>
+      <p:sp>
+        <p:nvSpPr>
+          <p:cNvPr id="2" name="標題 1"/>
+          <p:cNvSpPr>
+            <a:spLocks noGrp="1"/>
+          </p:cNvSpPr>
+          <p:nvPr>
+            <p:ph type="title"/>
+          </p:nvPr>
+        </p:nvSpPr>
+        <p:spPr/>
+        <p:txBody>
+          <a:bodyPr/>
+          <a:lstStyle/>
+          <a:p>
+            <a:endParaRPr lang="zh-TW" altLang="en-US"/>
+          </a:p>
+        </p:txBody>
+      </p:sp>
+      <p:sp>
+        <p:nvSpPr>
+          <p:cNvPr id="3" name="內容版面配置區 2"/>
+          <p:cNvSpPr>
+            <a:spLocks noGrp="1"/>
+          </p:cNvSpPr>
+          <p:nvPr>
+            <p:ph idx="1"/>
+          </p:nvPr>
+        </p:nvSpPr>
+        <p:spPr/>
+        <p:txBody>
+          <a:bodyPr/>
+          <a:lstStyle/>
+          <a:p>
+            <a:endParaRPr lang="zh-TW" altLang="en-US"/>
+          </a:p>
+        </p:txBody>
+      </p:sp>
+    </p:spTree>
+    <p:extLst>
+      <p:ext uri="{BB962C8B-B14F-4D97-AF65-F5344CB8AC3E}">
+        <p14:creationId xmlns:p14="http://schemas.microsoft.com/office/powerpoint/2010/main" val="287971476"/>
+      </p:ext>
+    </p:extLst>
+  </p:cSld>
+  <p:clrMapOvr>
+    <a:masterClrMapping/>
+  </p:clrMapOvr>
 </p:sld>
 </file>
 

--- a/Introduction to docker.pptx
+++ b/Introduction to docker.pptx
@@ -5819,11 +5819,7 @@
           <a:p>
             <a:r>
               <a:rPr lang="en-US" altLang="zh-TW" dirty="0" smtClean="0"/>
-              <a:t>Practice </a:t>
-            </a:r>
-            <a:r>
-              <a:rPr lang="en-US" altLang="zh-TW" dirty="0" smtClean="0"/>
-              <a:t>time – ENTRYPOINT / CMD</a:t>
+              <a:t>Practice time – ENTRYPOINT / CMD</a:t>
             </a:r>
             <a:endParaRPr lang="zh-TW" altLang="en-US" dirty="0"/>
           </a:p>
@@ -6116,11 +6112,7 @@
           <a:p>
             <a:r>
               <a:rPr lang="en-US" altLang="zh-TW" dirty="0" smtClean="0"/>
-              <a:t>Another </a:t>
-            </a:r>
-            <a:r>
-              <a:rPr lang="en-US" altLang="zh-TW" dirty="0" smtClean="0"/>
-              <a:t>practice – Volume mounting</a:t>
+              <a:t>Another practice – Volume mounting</a:t>
             </a:r>
             <a:endParaRPr lang="zh-TW" altLang="en-US" dirty="0"/>
           </a:p>
@@ -6435,14 +6427,23 @@
             <p:ph type="title"/>
           </p:nvPr>
         </p:nvSpPr>
-        <p:spPr/>
+        <p:spPr>
+          <a:xfrm>
+            <a:off x="895057" y="251154"/>
+            <a:ext cx="10058400" cy="1450757"/>
+          </a:xfrm>
+        </p:spPr>
         <p:txBody>
           <a:bodyPr/>
           <a:lstStyle/>
           <a:p>
             <a:r>
               <a:rPr lang="en-US" altLang="zh-TW" dirty="0" smtClean="0"/>
-              <a:t>Appendix : Bash commands</a:t>
+              <a:t>Appendix : </a:t>
+            </a:r>
+            <a:r>
+              <a:rPr lang="en-US" altLang="zh-TW" dirty="0" smtClean="0"/>
+              <a:t>SSHFS</a:t>
             </a:r>
             <a:endParaRPr lang="zh-TW" altLang="en-US" dirty="0"/>
           </a:p>
@@ -6458,15 +6459,255 @@
             <p:ph idx="1"/>
           </p:nvPr>
         </p:nvSpPr>
-        <p:spPr/>
-        <p:txBody>
-          <a:bodyPr/>
+        <p:spPr>
+          <a:xfrm>
+            <a:off x="895057" y="1845734"/>
+            <a:ext cx="10058400" cy="2383366"/>
+          </a:xfrm>
+        </p:spPr>
+        <p:txBody>
+          <a:bodyPr>
+            <a:normAutofit lnSpcReduction="10000"/>
+          </a:bodyPr>
           <a:lstStyle/>
           <a:p>
-            <a:endParaRPr lang="zh-TW" altLang="en-US"/>
-          </a:p>
-        </p:txBody>
-      </p:sp>
+            <a:pPr>
+              <a:buFont typeface="Wingdings" panose="05000000000000000000" pitchFamily="2" charset="2"/>
+              <a:buChar char="Ø"/>
+            </a:pPr>
+            <a:r>
+              <a:rPr lang="en-US" altLang="zh-TW" dirty="0" err="1" smtClean="0"/>
+              <a:t>sshfs</a:t>
+            </a:r>
+            <a:r>
+              <a:rPr lang="en-US" altLang="zh-TW" dirty="0" smtClean="0"/>
+              <a:t> : ( </a:t>
+            </a:r>
+            <a:r>
+              <a:rPr lang="en-US" altLang="zh-TW" dirty="0" err="1" smtClean="0"/>
+              <a:t>sudo</a:t>
+            </a:r>
+            <a:r>
+              <a:rPr lang="en-US" altLang="zh-TW" dirty="0" smtClean="0"/>
+              <a:t> </a:t>
+            </a:r>
+            <a:r>
+              <a:rPr lang="en-US" altLang="zh-TW" dirty="0" err="1" smtClean="0"/>
+              <a:t>sshfs</a:t>
+            </a:r>
+            <a:r>
+              <a:rPr lang="en-US" altLang="zh-TW" dirty="0" smtClean="0"/>
+              <a:t> </a:t>
+            </a:r>
+            <a:r>
+              <a:rPr lang="en-US" altLang="zh-TW" dirty="0" err="1" smtClean="0"/>
+              <a:t>remote_user@remote_ip</a:t>
+            </a:r>
+            <a:r>
+              <a:rPr lang="en-US" altLang="zh-TW" dirty="0" smtClean="0"/>
+              <a:t>:/remote/path /path/to/mount [ -o options ]</a:t>
+            </a:r>
+          </a:p>
+          <a:p>
+            <a:pPr lvl="1">
+              <a:buFont typeface="Wingdings" panose="05000000000000000000" pitchFamily="2" charset="2"/>
+              <a:buChar char="Ø"/>
+            </a:pPr>
+            <a:r>
+              <a:rPr lang="en-US" altLang="zh-TW" dirty="0" smtClean="0"/>
+              <a:t>Fuse based mounting method ( remember to install fuse and add “</a:t>
+            </a:r>
+            <a:r>
+              <a:rPr lang="en-US" altLang="zh-TW" dirty="0" err="1" smtClean="0"/>
+              <a:t>user_allow_other</a:t>
+            </a:r>
+            <a:r>
+              <a:rPr lang="en-US" altLang="zh-TW" dirty="0" smtClean="0"/>
+              <a:t>”</a:t>
+            </a:r>
+            <a:r>
+              <a:rPr lang="en-US" altLang="zh-TW" dirty="0" smtClean="0"/>
+              <a:t> /</a:t>
+            </a:r>
+            <a:r>
+              <a:rPr lang="en-US" altLang="zh-TW" dirty="0" err="1" smtClean="0"/>
+              <a:t>etc</a:t>
+            </a:r>
+            <a:r>
+              <a:rPr lang="en-US" altLang="zh-TW" dirty="0" smtClean="0"/>
+              <a:t>/</a:t>
+            </a:r>
+            <a:r>
+              <a:rPr lang="en-US" altLang="zh-TW" dirty="0" err="1" smtClean="0"/>
+              <a:t>fuse.conf</a:t>
+            </a:r>
+            <a:endParaRPr lang="en-US" altLang="zh-TW" dirty="0" smtClean="0"/>
+          </a:p>
+          <a:p>
+            <a:pPr lvl="1">
+              <a:buFont typeface="Wingdings" panose="05000000000000000000" pitchFamily="2" charset="2"/>
+              <a:buChar char="Ø"/>
+            </a:pPr>
+            <a:r>
+              <a:rPr lang="en-US" altLang="zh-TW" dirty="0" smtClean="0"/>
+              <a:t>Options</a:t>
+            </a:r>
+          </a:p>
+          <a:p>
+            <a:pPr lvl="2">
+              <a:buFont typeface="Wingdings" panose="05000000000000000000" pitchFamily="2" charset="2"/>
+              <a:buChar char="Ø"/>
+            </a:pPr>
+            <a:r>
+              <a:rPr lang="en-US" altLang="zh-TW" dirty="0" err="1" smtClean="0"/>
+              <a:t>allow_other</a:t>
+            </a:r>
+            <a:endParaRPr lang="en-US" altLang="zh-TW" dirty="0" smtClean="0"/>
+          </a:p>
+          <a:p>
+            <a:pPr lvl="3">
+              <a:buFont typeface="Wingdings" panose="05000000000000000000" pitchFamily="2" charset="2"/>
+              <a:buChar char="Ø"/>
+            </a:pPr>
+            <a:r>
+              <a:rPr lang="en-US" altLang="zh-TW" dirty="0" smtClean="0"/>
+              <a:t>Let other users other than root modify the mounted folder</a:t>
+            </a:r>
+          </a:p>
+          <a:p>
+            <a:pPr lvl="2">
+              <a:buFont typeface="Wingdings" panose="05000000000000000000" pitchFamily="2" charset="2"/>
+              <a:buChar char="Ø"/>
+            </a:pPr>
+            <a:r>
+              <a:rPr lang="en-US" altLang="zh-TW" dirty="0" err="1" smtClean="0"/>
+              <a:t>IdentityFile</a:t>
+            </a:r>
+            <a:r>
+              <a:rPr lang="en-US" altLang="zh-TW" dirty="0"/>
+              <a:t>=/home/markchang/.</a:t>
+            </a:r>
+            <a:r>
+              <a:rPr lang="en-US" altLang="zh-TW" dirty="0" err="1" smtClean="0"/>
+              <a:t>ssh</a:t>
+            </a:r>
+            <a:r>
+              <a:rPr lang="en-US" altLang="zh-TW" dirty="0" smtClean="0"/>
+              <a:t>/</a:t>
+            </a:r>
+            <a:r>
+              <a:rPr lang="en-US" altLang="zh-TW" dirty="0" err="1" smtClean="0"/>
+              <a:t>id_rsa</a:t>
+            </a:r>
+            <a:endParaRPr lang="en-US" altLang="zh-TW" dirty="0" smtClean="0"/>
+          </a:p>
+          <a:p>
+            <a:pPr lvl="3">
+              <a:buFont typeface="Wingdings" panose="05000000000000000000" pitchFamily="2" charset="2"/>
+              <a:buChar char="Ø"/>
+            </a:pPr>
+            <a:r>
+              <a:rPr lang="en-US" altLang="zh-TW" dirty="0" smtClean="0"/>
+              <a:t>Used</a:t>
+            </a:r>
+            <a:r>
+              <a:rPr lang="en-US" altLang="zh-TW" dirty="0" smtClean="0"/>
+              <a:t> with </a:t>
+            </a:r>
+            <a:r>
+              <a:rPr lang="en-US" altLang="zh-TW" dirty="0" err="1" smtClean="0"/>
+              <a:t>ssh</a:t>
+            </a:r>
+            <a:r>
+              <a:rPr lang="en-US" altLang="zh-TW" dirty="0" smtClean="0"/>
+              <a:t>-copy-id ( copy </a:t>
+            </a:r>
+            <a:r>
+              <a:rPr lang="en-US" altLang="zh-TW" dirty="0" err="1" smtClean="0"/>
+              <a:t>ssh</a:t>
+            </a:r>
+            <a:r>
+              <a:rPr lang="en-US" altLang="zh-TW" dirty="0" smtClean="0"/>
+              <a:t> </a:t>
+            </a:r>
+            <a:r>
+              <a:rPr lang="en-US" altLang="zh-TW" dirty="0" err="1" smtClean="0"/>
+              <a:t>rsa</a:t>
+            </a:r>
+            <a:r>
+              <a:rPr lang="en-US" altLang="zh-TW" dirty="0" smtClean="0"/>
+              <a:t> key ) to form </a:t>
+            </a:r>
+            <a:r>
+              <a:rPr lang="en-US" altLang="zh-TW" dirty="0" err="1" smtClean="0"/>
+              <a:t>autologin</a:t>
+            </a:r>
+            <a:endParaRPr lang="en-US" altLang="zh-TW" dirty="0" smtClean="0"/>
+          </a:p>
+          <a:p>
+            <a:pPr lvl="1">
+              <a:buFont typeface="Wingdings" panose="05000000000000000000" pitchFamily="2" charset="2"/>
+              <a:buChar char="Ø"/>
+            </a:pPr>
+            <a:r>
+              <a:rPr lang="en-US" altLang="zh-TW" dirty="0" smtClean="0"/>
+              <a:t>Can be combined with system mount file</a:t>
+            </a:r>
+            <a:endParaRPr lang="en-US" altLang="zh-TW" dirty="0"/>
+          </a:p>
+          <a:p>
+            <a:endParaRPr lang="en-US" altLang="zh-TW" dirty="0" smtClean="0"/>
+          </a:p>
+        </p:txBody>
+      </p:sp>
+      <p:pic>
+        <p:nvPicPr>
+          <p:cNvPr id="4" name="圖片 3"/>
+          <p:cNvPicPr>
+            <a:picLocks noChangeAspect="1"/>
+          </p:cNvPicPr>
+          <p:nvPr/>
+        </p:nvPicPr>
+        <p:blipFill>
+          <a:blip r:embed="rId2"/>
+          <a:stretch>
+            <a:fillRect/>
+          </a:stretch>
+        </p:blipFill>
+        <p:spPr>
+          <a:xfrm>
+            <a:off x="1" y="4516746"/>
+            <a:ext cx="5277280" cy="2279707"/>
+          </a:xfrm>
+          <a:prstGeom prst="rect">
+            <a:avLst/>
+          </a:prstGeom>
+        </p:spPr>
+      </p:pic>
+      <p:pic>
+        <p:nvPicPr>
+          <p:cNvPr id="5" name="圖片 4"/>
+          <p:cNvPicPr>
+            <a:picLocks noChangeAspect="1"/>
+          </p:cNvPicPr>
+          <p:nvPr/>
+        </p:nvPicPr>
+        <p:blipFill>
+          <a:blip r:embed="rId3"/>
+          <a:stretch>
+            <a:fillRect/>
+          </a:stretch>
+        </p:blipFill>
+        <p:spPr>
+          <a:xfrm>
+            <a:off x="5277280" y="4000578"/>
+            <a:ext cx="6914720" cy="2795875"/>
+          </a:xfrm>
+          <a:prstGeom prst="rect">
+            <a:avLst/>
+          </a:prstGeom>
+        </p:spPr>
+      </p:pic>
     </p:spTree>
     <p:extLst>
       <p:ext uri="{BB962C8B-B14F-4D97-AF65-F5344CB8AC3E}">
@@ -6665,6 +6906,18 @@
           <a:bodyPr/>
           <a:lstStyle/>
           <a:p>
+            <a:r>
+              <a:rPr lang="en-US" altLang="zh-TW" dirty="0"/>
+              <a:t>Appendix : </a:t>
+            </a:r>
+            <a:r>
+              <a:rPr lang="en-US" altLang="zh-TW" dirty="0" smtClean="0"/>
+              <a:t>a </a:t>
+            </a:r>
+            <a:r>
+              <a:rPr lang="en-US" altLang="zh-TW" smtClean="0"/>
+              <a:t>simple queue</a:t>
+            </a:r>
             <a:endParaRPr lang="zh-TW" altLang="en-US"/>
           </a:p>
         </p:txBody>

--- a/Introduction to docker.pptx
+++ b/Introduction to docker.pptx
@@ -5,7 +5,7 @@
     <p:sldMasterId id="2147483660" r:id="rId1"/>
   </p:sldMasterIdLst>
   <p:notesMasterIdLst>
-    <p:notesMasterId r:id="rId22"/>
+    <p:notesMasterId r:id="rId28"/>
   </p:notesMasterIdLst>
   <p:sldIdLst>
     <p:sldId id="256" r:id="rId2"/>
@@ -27,7 +27,13 @@
     <p:sldId id="277" r:id="rId18"/>
     <p:sldId id="274" r:id="rId19"/>
     <p:sldId id="278" r:id="rId20"/>
-    <p:sldId id="279" r:id="rId21"/>
+    <p:sldId id="280" r:id="rId21"/>
+    <p:sldId id="284" r:id="rId22"/>
+    <p:sldId id="281" r:id="rId23"/>
+    <p:sldId id="286" r:id="rId24"/>
+    <p:sldId id="279" r:id="rId25"/>
+    <p:sldId id="283" r:id="rId26"/>
+    <p:sldId id="285" r:id="rId27"/>
   </p:sldIdLst>
   <p:sldSz cx="12192000" cy="6858000"/>
   <p:notesSz cx="6858000" cy="9144000"/>
@@ -6439,11 +6445,7 @@
           <a:p>
             <a:r>
               <a:rPr lang="en-US" altLang="zh-TW" dirty="0" smtClean="0"/>
-              <a:t>Appendix : </a:t>
-            </a:r>
-            <a:r>
-              <a:rPr lang="en-US" altLang="zh-TW" dirty="0" smtClean="0"/>
-              <a:t>SSHFS</a:t>
+              <a:t>Appendix : SSHFS</a:t>
             </a:r>
             <a:endParaRPr lang="zh-TW" altLang="en-US" dirty="0"/>
           </a:p>
@@ -6461,13 +6463,13 @@
         </p:nvSpPr>
         <p:spPr>
           <a:xfrm>
-            <a:off x="895057" y="1845734"/>
-            <a:ext cx="10058400" cy="2383366"/>
+            <a:off x="895057" y="1701911"/>
+            <a:ext cx="10058400" cy="2937281"/>
           </a:xfrm>
         </p:spPr>
         <p:txBody>
           <a:bodyPr>
-            <a:normAutofit lnSpcReduction="10000"/>
+            <a:normAutofit/>
           </a:bodyPr>
           <a:lstStyle/>
           <a:p>
@@ -6523,11 +6525,7 @@
             </a:r>
             <a:r>
               <a:rPr lang="en-US" altLang="zh-TW" dirty="0" smtClean="0"/>
-              <a:t>”</a:t>
-            </a:r>
-            <a:r>
-              <a:rPr lang="en-US" altLang="zh-TW" dirty="0" smtClean="0"/>
-              <a:t> /</a:t>
+              <a:t>” /</a:t>
             </a:r>
             <a:r>
               <a:rPr lang="en-US" altLang="zh-TW" dirty="0" err="1" smtClean="0"/>
@@ -6608,11 +6606,7 @@
             </a:pPr>
             <a:r>
               <a:rPr lang="en-US" altLang="zh-TW" dirty="0" smtClean="0"/>
-              <a:t>Used</a:t>
-            </a:r>
-            <a:r>
-              <a:rPr lang="en-US" altLang="zh-TW" dirty="0" smtClean="0"/>
-              <a:t> with </a:t>
+              <a:t>Used with </a:t>
             </a:r>
             <a:r>
               <a:rPr lang="en-US" altLang="zh-TW" dirty="0" err="1" smtClean="0"/>
@@ -6912,13 +6906,9 @@
             </a:r>
             <a:r>
               <a:rPr lang="en-US" altLang="zh-TW" dirty="0" smtClean="0"/>
-              <a:t>a </a:t>
-            </a:r>
-            <a:r>
-              <a:rPr lang="en-US" altLang="zh-TW" smtClean="0"/>
-              <a:t>simple queue</a:t>
-            </a:r>
-            <a:endParaRPr lang="zh-TW" altLang="en-US"/>
+              <a:t>RSYNC SCP</a:t>
+            </a:r>
+            <a:endParaRPr lang="zh-TW" altLang="en-US" dirty="0"/>
           </a:p>
         </p:txBody>
       </p:sp>
@@ -6932,12 +6922,1233 @@
             <p:ph idx="1"/>
           </p:nvPr>
         </p:nvSpPr>
+        <p:spPr>
+          <a:xfrm>
+            <a:off x="1249680" y="3115407"/>
+            <a:ext cx="8166882" cy="3329354"/>
+          </a:xfrm>
+        </p:spPr>
+        <p:txBody>
+          <a:bodyPr>
+            <a:normAutofit fontScale="77500" lnSpcReduction="20000"/>
+          </a:bodyPr>
+          <a:lstStyle/>
+          <a:p>
+            <a:r>
+              <a:rPr lang="en-US" altLang="zh-TW" dirty="0" err="1" smtClean="0"/>
+              <a:t>Rsync</a:t>
+            </a:r>
+            <a:endParaRPr lang="en-US" altLang="zh-TW" dirty="0" smtClean="0"/>
+          </a:p>
+          <a:p>
+            <a:pPr lvl="1"/>
+            <a:r>
+              <a:rPr lang="en-US" altLang="zh-TW" dirty="0" smtClean="0"/>
+              <a:t>-a archive, </a:t>
+            </a:r>
+            <a:r>
+              <a:rPr lang="en-US" altLang="zh-TW" dirty="0"/>
+              <a:t>== “-</a:t>
+            </a:r>
+            <a:r>
+              <a:rPr lang="en-US" altLang="zh-TW" dirty="0" err="1" smtClean="0"/>
+              <a:t>rlptgoD</a:t>
+            </a:r>
+            <a:r>
+              <a:rPr lang="en-US" altLang="zh-TW" dirty="0" smtClean="0"/>
+              <a:t>”</a:t>
+            </a:r>
+          </a:p>
+          <a:p>
+            <a:pPr lvl="1"/>
+            <a:r>
+              <a:rPr lang="en-US" altLang="zh-TW" dirty="0" smtClean="0"/>
+              <a:t>-r recursive</a:t>
+            </a:r>
+          </a:p>
+          <a:p>
+            <a:pPr lvl="1"/>
+            <a:r>
+              <a:rPr lang="en-US" altLang="zh-TW" dirty="0" smtClean="0"/>
+              <a:t>-p preserve permissions</a:t>
+            </a:r>
+          </a:p>
+          <a:p>
+            <a:pPr lvl="1"/>
+            <a:r>
+              <a:rPr lang="en-US" altLang="zh-TW" dirty="0" smtClean="0"/>
+              <a:t>-t preserve modify time</a:t>
+            </a:r>
+          </a:p>
+          <a:p>
+            <a:pPr lvl="1"/>
+            <a:r>
+              <a:rPr lang="en-US" altLang="zh-TW" dirty="0" smtClean="0"/>
+              <a:t>-g preserve group</a:t>
+            </a:r>
+          </a:p>
+          <a:p>
+            <a:pPr lvl="1"/>
+            <a:r>
+              <a:rPr lang="en-US" altLang="zh-TW" dirty="0" smtClean="0"/>
+              <a:t>-o preserve owner ( may requires </a:t>
+            </a:r>
+            <a:r>
+              <a:rPr lang="en-US" altLang="zh-TW" dirty="0" err="1" smtClean="0"/>
+              <a:t>sudo</a:t>
+            </a:r>
+            <a:r>
+              <a:rPr lang="en-US" altLang="zh-TW" dirty="0" smtClean="0"/>
+              <a:t> )</a:t>
+            </a:r>
+          </a:p>
+          <a:p>
+            <a:pPr lvl="1"/>
+            <a:r>
+              <a:rPr lang="en-US" altLang="zh-TW" dirty="0" smtClean="0"/>
+              <a:t>-l copy </a:t>
+            </a:r>
+            <a:r>
+              <a:rPr lang="en-US" altLang="zh-TW" dirty="0" err="1" smtClean="0"/>
+              <a:t>symlinks</a:t>
+            </a:r>
+            <a:r>
+              <a:rPr lang="en-US" altLang="zh-TW" dirty="0" smtClean="0"/>
+              <a:t> as </a:t>
+            </a:r>
+            <a:r>
+              <a:rPr lang="en-US" altLang="zh-TW" dirty="0" err="1" smtClean="0"/>
+              <a:t>symlinks</a:t>
+            </a:r>
+            <a:endParaRPr lang="en-US" altLang="zh-TW" dirty="0" smtClean="0"/>
+          </a:p>
+          <a:p>
+            <a:pPr lvl="1"/>
+            <a:r>
+              <a:rPr lang="en-US" altLang="zh-TW" dirty="0" smtClean="0"/>
+              <a:t>-h human readable ( </a:t>
+            </a:r>
+            <a:r>
+              <a:rPr lang="en-US" altLang="zh-TW" dirty="0" err="1" smtClean="0"/>
+              <a:t>kiB</a:t>
+            </a:r>
+            <a:r>
+              <a:rPr lang="en-US" altLang="zh-TW" dirty="0" smtClean="0"/>
+              <a:t>, </a:t>
+            </a:r>
+            <a:r>
+              <a:rPr lang="en-US" altLang="zh-TW" dirty="0" err="1" smtClean="0"/>
+              <a:t>MiB</a:t>
+            </a:r>
+            <a:r>
+              <a:rPr lang="en-US" altLang="zh-TW" dirty="0" smtClean="0"/>
+              <a:t> … )</a:t>
+            </a:r>
+          </a:p>
+          <a:p>
+            <a:pPr lvl="1"/>
+            <a:r>
+              <a:rPr lang="en-US" altLang="zh-TW" dirty="0" smtClean="0">
+                <a:solidFill>
+                  <a:srgbClr val="0070C0"/>
+                </a:solidFill>
+              </a:rPr>
+              <a:t>-H preserve hard link</a:t>
+            </a:r>
+          </a:p>
+          <a:p>
+            <a:pPr lvl="1"/>
+            <a:r>
+              <a:rPr lang="en-US" altLang="zh-TW" dirty="0" smtClean="0">
+                <a:solidFill>
+                  <a:srgbClr val="0070C0"/>
+                </a:solidFill>
+              </a:rPr>
+              <a:t>-A preserve ACL</a:t>
+            </a:r>
+          </a:p>
+          <a:p>
+            <a:pPr lvl="1"/>
+            <a:r>
+              <a:rPr lang="en-US" altLang="zh-TW" dirty="0" smtClean="0">
+                <a:solidFill>
+                  <a:srgbClr val="0070C0"/>
+                </a:solidFill>
+              </a:rPr>
+              <a:t>-X preserve extended attributes</a:t>
+            </a:r>
+          </a:p>
+          <a:p>
+            <a:pPr lvl="1"/>
+            <a:r>
+              <a:rPr lang="en-US" altLang="zh-TW" dirty="0" smtClean="0">
+                <a:solidFill>
+                  <a:srgbClr val="FF0000"/>
+                </a:solidFill>
+              </a:rPr>
+              <a:t>-c skip based on checksum rather than time / size</a:t>
+            </a:r>
+          </a:p>
+          <a:p>
+            <a:pPr lvl="1"/>
+            <a:r>
+              <a:rPr lang="en-US" altLang="zh-TW" dirty="0">
+                <a:solidFill>
+                  <a:srgbClr val="FF0000"/>
+                </a:solidFill>
+              </a:rPr>
+              <a:t>--</a:t>
+            </a:r>
+            <a:r>
+              <a:rPr lang="en-US" altLang="zh-TW" dirty="0" smtClean="0">
+                <a:solidFill>
+                  <a:srgbClr val="FF0000"/>
+                </a:solidFill>
+              </a:rPr>
+              <a:t>append-verify keep sending unfinished files, and check at the end in case of failed transmission / updates</a:t>
+            </a:r>
+          </a:p>
+        </p:txBody>
+      </p:sp>
+      <p:sp>
+        <p:nvSpPr>
+          <p:cNvPr id="4" name="內容版面配置區 2"/>
+          <p:cNvSpPr txBox="1">
+            <a:spLocks/>
+          </p:cNvSpPr>
+          <p:nvPr/>
+        </p:nvSpPr>
+        <p:spPr>
+          <a:xfrm>
+            <a:off x="1249680" y="1998134"/>
+            <a:ext cx="10058400" cy="1222781"/>
+          </a:xfrm>
+          <a:prstGeom prst="rect">
+            <a:avLst/>
+          </a:prstGeom>
+        </p:spPr>
+        <p:txBody>
+          <a:bodyPr vert="horz" lIns="0" tIns="45720" rIns="0" bIns="45720" rtlCol="0">
+            <a:normAutofit fontScale="92500"/>
+          </a:bodyPr>
+          <a:lstStyle>
+            <a:lvl1pPr marL="91440" indent="-91440" algn="l" defTabSz="914400" rtl="0" eaLnBrk="1" latinLnBrk="0" hangingPunct="1">
+              <a:lnSpc>
+                <a:spcPct val="90000"/>
+              </a:lnSpc>
+              <a:spcBef>
+                <a:spcPts val="1200"/>
+              </a:spcBef>
+              <a:spcAft>
+                <a:spcPts val="200"/>
+              </a:spcAft>
+              <a:buClr>
+                <a:schemeClr val="accent1"/>
+              </a:buClr>
+              <a:buSzPct val="100000"/>
+              <a:buFont typeface="Calibri" panose="020F0502020204030204" pitchFamily="34" charset="0"/>
+              <a:buChar char=" "/>
+              <a:defRPr sz="2000" kern="1200">
+                <a:solidFill>
+                  <a:schemeClr val="tx1">
+                    <a:lumMod val="75000"/>
+                    <a:lumOff val="25000"/>
+                  </a:schemeClr>
+                </a:solidFill>
+                <a:latin typeface="+mn-lt"/>
+                <a:ea typeface="+mn-ea"/>
+                <a:cs typeface="+mn-cs"/>
+              </a:defRPr>
+            </a:lvl1pPr>
+            <a:lvl2pPr marL="384048" indent="-182880" algn="l" defTabSz="914400" rtl="0" eaLnBrk="1" latinLnBrk="0" hangingPunct="1">
+              <a:lnSpc>
+                <a:spcPct val="90000"/>
+              </a:lnSpc>
+              <a:spcBef>
+                <a:spcPts val="200"/>
+              </a:spcBef>
+              <a:spcAft>
+                <a:spcPts val="400"/>
+              </a:spcAft>
+              <a:buClr>
+                <a:schemeClr val="accent1"/>
+              </a:buClr>
+              <a:buFont typeface="Calibri" pitchFamily="34" charset="0"/>
+              <a:buChar char="◦"/>
+              <a:defRPr sz="1800" kern="1200">
+                <a:solidFill>
+                  <a:schemeClr val="tx1">
+                    <a:lumMod val="75000"/>
+                    <a:lumOff val="25000"/>
+                  </a:schemeClr>
+                </a:solidFill>
+                <a:latin typeface="+mn-lt"/>
+                <a:ea typeface="+mn-ea"/>
+                <a:cs typeface="+mn-cs"/>
+              </a:defRPr>
+            </a:lvl2pPr>
+            <a:lvl3pPr marL="566928" indent="-182880" algn="l" defTabSz="914400" rtl="0" eaLnBrk="1" latinLnBrk="0" hangingPunct="1">
+              <a:lnSpc>
+                <a:spcPct val="90000"/>
+              </a:lnSpc>
+              <a:spcBef>
+                <a:spcPts val="200"/>
+              </a:spcBef>
+              <a:spcAft>
+                <a:spcPts val="400"/>
+              </a:spcAft>
+              <a:buClr>
+                <a:schemeClr val="accent1"/>
+              </a:buClr>
+              <a:buFont typeface="Calibri" pitchFamily="34" charset="0"/>
+              <a:buChar char="◦"/>
+              <a:defRPr sz="1400" kern="1200">
+                <a:solidFill>
+                  <a:schemeClr val="tx1">
+                    <a:lumMod val="75000"/>
+                    <a:lumOff val="25000"/>
+                  </a:schemeClr>
+                </a:solidFill>
+                <a:latin typeface="+mn-lt"/>
+                <a:ea typeface="+mn-ea"/>
+                <a:cs typeface="+mn-cs"/>
+              </a:defRPr>
+            </a:lvl3pPr>
+            <a:lvl4pPr marL="749808" indent="-182880" algn="l" defTabSz="914400" rtl="0" eaLnBrk="1" latinLnBrk="0" hangingPunct="1">
+              <a:lnSpc>
+                <a:spcPct val="90000"/>
+              </a:lnSpc>
+              <a:spcBef>
+                <a:spcPts val="200"/>
+              </a:spcBef>
+              <a:spcAft>
+                <a:spcPts val="400"/>
+              </a:spcAft>
+              <a:buClr>
+                <a:schemeClr val="accent1"/>
+              </a:buClr>
+              <a:buFont typeface="Calibri" pitchFamily="34" charset="0"/>
+              <a:buChar char="◦"/>
+              <a:defRPr sz="1400" kern="1200">
+                <a:solidFill>
+                  <a:schemeClr val="tx1">
+                    <a:lumMod val="75000"/>
+                    <a:lumOff val="25000"/>
+                  </a:schemeClr>
+                </a:solidFill>
+                <a:latin typeface="+mn-lt"/>
+                <a:ea typeface="+mn-ea"/>
+                <a:cs typeface="+mn-cs"/>
+              </a:defRPr>
+            </a:lvl4pPr>
+            <a:lvl5pPr marL="932688" indent="-182880" algn="l" defTabSz="914400" rtl="0" eaLnBrk="1" latinLnBrk="0" hangingPunct="1">
+              <a:lnSpc>
+                <a:spcPct val="90000"/>
+              </a:lnSpc>
+              <a:spcBef>
+                <a:spcPts val="200"/>
+              </a:spcBef>
+              <a:spcAft>
+                <a:spcPts val="400"/>
+              </a:spcAft>
+              <a:buClr>
+                <a:schemeClr val="accent1"/>
+              </a:buClr>
+              <a:buFont typeface="Calibri" pitchFamily="34" charset="0"/>
+              <a:buChar char="◦"/>
+              <a:defRPr sz="1400" kern="1200">
+                <a:solidFill>
+                  <a:schemeClr val="tx1">
+                    <a:lumMod val="75000"/>
+                    <a:lumOff val="25000"/>
+                  </a:schemeClr>
+                </a:solidFill>
+                <a:latin typeface="+mn-lt"/>
+                <a:ea typeface="+mn-ea"/>
+                <a:cs typeface="+mn-cs"/>
+              </a:defRPr>
+            </a:lvl5pPr>
+            <a:lvl6pPr marL="1100000" indent="-228600" algn="l" defTabSz="914400" rtl="0" eaLnBrk="1" latinLnBrk="0" hangingPunct="1">
+              <a:lnSpc>
+                <a:spcPct val="90000"/>
+              </a:lnSpc>
+              <a:spcBef>
+                <a:spcPts val="200"/>
+              </a:spcBef>
+              <a:spcAft>
+                <a:spcPts val="400"/>
+              </a:spcAft>
+              <a:buClr>
+                <a:schemeClr val="accent1"/>
+              </a:buClr>
+              <a:buFont typeface="Calibri" pitchFamily="34" charset="0"/>
+              <a:buChar char="◦"/>
+              <a:defRPr sz="1400" kern="1200">
+                <a:solidFill>
+                  <a:schemeClr val="tx1">
+                    <a:lumMod val="75000"/>
+                    <a:lumOff val="25000"/>
+                  </a:schemeClr>
+                </a:solidFill>
+                <a:latin typeface="+mn-lt"/>
+                <a:ea typeface="+mn-ea"/>
+                <a:cs typeface="+mn-cs"/>
+              </a:defRPr>
+            </a:lvl6pPr>
+            <a:lvl7pPr marL="1300000" indent="-228600" algn="l" defTabSz="914400" rtl="0" eaLnBrk="1" latinLnBrk="0" hangingPunct="1">
+              <a:lnSpc>
+                <a:spcPct val="90000"/>
+              </a:lnSpc>
+              <a:spcBef>
+                <a:spcPts val="200"/>
+              </a:spcBef>
+              <a:spcAft>
+                <a:spcPts val="400"/>
+              </a:spcAft>
+              <a:buClr>
+                <a:schemeClr val="accent1"/>
+              </a:buClr>
+              <a:buFont typeface="Calibri" pitchFamily="34" charset="0"/>
+              <a:buChar char="◦"/>
+              <a:defRPr sz="1400" kern="1200">
+                <a:solidFill>
+                  <a:schemeClr val="tx1">
+                    <a:lumMod val="75000"/>
+                    <a:lumOff val="25000"/>
+                  </a:schemeClr>
+                </a:solidFill>
+                <a:latin typeface="+mn-lt"/>
+                <a:ea typeface="+mn-ea"/>
+                <a:cs typeface="+mn-cs"/>
+              </a:defRPr>
+            </a:lvl7pPr>
+            <a:lvl8pPr marL="1500000" indent="-228600" algn="l" defTabSz="914400" rtl="0" eaLnBrk="1" latinLnBrk="0" hangingPunct="1">
+              <a:lnSpc>
+                <a:spcPct val="90000"/>
+              </a:lnSpc>
+              <a:spcBef>
+                <a:spcPts val="200"/>
+              </a:spcBef>
+              <a:spcAft>
+                <a:spcPts val="400"/>
+              </a:spcAft>
+              <a:buClr>
+                <a:schemeClr val="accent1"/>
+              </a:buClr>
+              <a:buFont typeface="Calibri" pitchFamily="34" charset="0"/>
+              <a:buChar char="◦"/>
+              <a:defRPr sz="1400" kern="1200">
+                <a:solidFill>
+                  <a:schemeClr val="tx1">
+                    <a:lumMod val="75000"/>
+                    <a:lumOff val="25000"/>
+                  </a:schemeClr>
+                </a:solidFill>
+                <a:latin typeface="+mn-lt"/>
+                <a:ea typeface="+mn-ea"/>
+                <a:cs typeface="+mn-cs"/>
+              </a:defRPr>
+            </a:lvl8pPr>
+            <a:lvl9pPr marL="1700000" indent="-228600" algn="l" defTabSz="914400" rtl="0" eaLnBrk="1" latinLnBrk="0" hangingPunct="1">
+              <a:lnSpc>
+                <a:spcPct val="90000"/>
+              </a:lnSpc>
+              <a:spcBef>
+                <a:spcPts val="200"/>
+              </a:spcBef>
+              <a:spcAft>
+                <a:spcPts val="400"/>
+              </a:spcAft>
+              <a:buClr>
+                <a:schemeClr val="accent1"/>
+              </a:buClr>
+              <a:buFont typeface="Calibri" pitchFamily="34" charset="0"/>
+              <a:buChar char="◦"/>
+              <a:defRPr sz="1400" kern="1200">
+                <a:solidFill>
+                  <a:schemeClr val="tx1">
+                    <a:lumMod val="75000"/>
+                    <a:lumOff val="25000"/>
+                  </a:schemeClr>
+                </a:solidFill>
+                <a:latin typeface="+mn-lt"/>
+                <a:ea typeface="+mn-ea"/>
+                <a:cs typeface="+mn-cs"/>
+              </a:defRPr>
+            </a:lvl9pPr>
+          </a:lstStyle>
+          <a:p>
+            <a:r>
+              <a:rPr lang="en-US" altLang="zh-TW" dirty="0" smtClean="0"/>
+              <a:t>Both are good for copying files over </a:t>
+            </a:r>
+            <a:r>
+              <a:rPr lang="en-US" altLang="zh-TW" dirty="0" err="1" smtClean="0"/>
+              <a:t>ssh</a:t>
+            </a:r>
+            <a:r>
+              <a:rPr lang="en-US" altLang="zh-TW" dirty="0" smtClean="0"/>
+              <a:t>, I prefer </a:t>
+            </a:r>
+            <a:r>
+              <a:rPr lang="en-US" altLang="zh-TW" dirty="0" err="1" smtClean="0"/>
+              <a:t>Rsync</a:t>
+            </a:r>
+            <a:r>
+              <a:rPr lang="en-US" altLang="zh-TW" dirty="0" smtClean="0"/>
+              <a:t> over </a:t>
+            </a:r>
+            <a:r>
+              <a:rPr lang="en-US" altLang="zh-TW" dirty="0" err="1" smtClean="0"/>
+              <a:t>scp</a:t>
+            </a:r>
+            <a:r>
+              <a:rPr lang="en-US" altLang="zh-TW" dirty="0" smtClean="0"/>
+              <a:t> due to its checksum ability</a:t>
+            </a:r>
+          </a:p>
+          <a:p>
+            <a:r>
+              <a:rPr lang="en-US" altLang="zh-TW" dirty="0" smtClean="0"/>
+              <a:t>Usage ( both source target can be /path/to/</a:t>
+            </a:r>
+            <a:r>
+              <a:rPr lang="en-US" altLang="zh-TW" dirty="0" err="1" smtClean="0"/>
+              <a:t>Dest</a:t>
+            </a:r>
+            <a:r>
+              <a:rPr lang="en-US" altLang="zh-TW" dirty="0" smtClean="0"/>
+              <a:t> or </a:t>
+            </a:r>
+            <a:r>
+              <a:rPr lang="en-US" altLang="zh-TW" dirty="0" err="1" smtClean="0"/>
+              <a:t>remote_user@remote_ip</a:t>
+            </a:r>
+            <a:r>
+              <a:rPr lang="en-US" altLang="zh-TW" dirty="0" smtClean="0"/>
+              <a:t>:/remote/path</a:t>
+            </a:r>
+          </a:p>
+          <a:p>
+            <a:pPr lvl="1"/>
+            <a:r>
+              <a:rPr lang="en-US" altLang="zh-TW" dirty="0" err="1" smtClean="0"/>
+              <a:t>Rsync</a:t>
+            </a:r>
+            <a:r>
+              <a:rPr lang="en-US" altLang="zh-TW" dirty="0" smtClean="0"/>
+              <a:t> –</a:t>
+            </a:r>
+            <a:r>
+              <a:rPr lang="en-US" altLang="zh-TW" dirty="0" err="1" smtClean="0"/>
+              <a:t>avP</a:t>
+            </a:r>
+            <a:r>
+              <a:rPr lang="en-US" altLang="zh-TW" dirty="0"/>
+              <a:t> </a:t>
+            </a:r>
+            <a:r>
+              <a:rPr lang="en-US" altLang="zh-TW" dirty="0" smtClean="0"/>
+              <a:t>[ -</a:t>
+            </a:r>
+            <a:r>
+              <a:rPr lang="en-US" altLang="zh-TW" dirty="0"/>
+              <a:t>e "</a:t>
+            </a:r>
+            <a:r>
+              <a:rPr lang="en-US" altLang="zh-TW" dirty="0" err="1"/>
+              <a:t>ssh</a:t>
+            </a:r>
+            <a:r>
+              <a:rPr lang="en-US" altLang="zh-TW" dirty="0"/>
+              <a:t> -p </a:t>
+            </a:r>
+            <a:r>
+              <a:rPr lang="en-US" altLang="zh-TW" dirty="0" err="1"/>
+              <a:t>port_number</a:t>
+            </a:r>
+            <a:r>
+              <a:rPr lang="en-US" altLang="zh-TW" dirty="0"/>
+              <a:t>" </a:t>
+            </a:r>
+            <a:r>
+              <a:rPr lang="en-US" altLang="zh-TW" dirty="0" smtClean="0"/>
+              <a:t>] {source} {target} / </a:t>
+            </a:r>
+            <a:r>
+              <a:rPr lang="en-US" altLang="zh-TW" dirty="0" err="1" smtClean="0"/>
+              <a:t>scp</a:t>
+            </a:r>
+            <a:r>
+              <a:rPr lang="en-US" altLang="zh-TW" dirty="0" smtClean="0"/>
+              <a:t> [-C] [-</a:t>
+            </a:r>
+            <a:r>
+              <a:rPr lang="en-US" altLang="zh-TW" dirty="0" err="1" smtClean="0"/>
+              <a:t>i</a:t>
+            </a:r>
+            <a:r>
+              <a:rPr lang="en-US" altLang="zh-TW" dirty="0" smtClean="0"/>
+              <a:t> </a:t>
+            </a:r>
+            <a:r>
+              <a:rPr lang="en-US" altLang="zh-TW" dirty="0" err="1" smtClean="0"/>
+              <a:t>identify_file</a:t>
+            </a:r>
+            <a:r>
+              <a:rPr lang="en-US" altLang="zh-TW" dirty="0" smtClean="0"/>
+              <a:t>] [-P port] [-r] {source} {target}</a:t>
+            </a:r>
+            <a:endParaRPr lang="en-US" altLang="zh-TW" dirty="0" smtClean="0"/>
+          </a:p>
+        </p:txBody>
+      </p:sp>
+      <p:sp>
+        <p:nvSpPr>
+          <p:cNvPr id="5" name="內容版面配置區 2"/>
+          <p:cNvSpPr txBox="1">
+            <a:spLocks/>
+          </p:cNvSpPr>
+          <p:nvPr/>
+        </p:nvSpPr>
+        <p:spPr>
+          <a:xfrm>
+            <a:off x="8008035" y="3593122"/>
+            <a:ext cx="3852788" cy="2986454"/>
+          </a:xfrm>
+          <a:prstGeom prst="rect">
+            <a:avLst/>
+          </a:prstGeom>
+        </p:spPr>
+        <p:txBody>
+          <a:bodyPr vert="horz" lIns="0" tIns="45720" rIns="0" bIns="45720" rtlCol="0">
+            <a:normAutofit/>
+          </a:bodyPr>
+          <a:lstStyle>
+            <a:lvl1pPr marL="91440" indent="-91440" algn="l" defTabSz="914400" rtl="0" eaLnBrk="1" latinLnBrk="0" hangingPunct="1">
+              <a:lnSpc>
+                <a:spcPct val="90000"/>
+              </a:lnSpc>
+              <a:spcBef>
+                <a:spcPts val="1200"/>
+              </a:spcBef>
+              <a:spcAft>
+                <a:spcPts val="200"/>
+              </a:spcAft>
+              <a:buClr>
+                <a:schemeClr val="accent1"/>
+              </a:buClr>
+              <a:buSzPct val="100000"/>
+              <a:buFont typeface="Calibri" panose="020F0502020204030204" pitchFamily="34" charset="0"/>
+              <a:buChar char=" "/>
+              <a:defRPr sz="2000" kern="1200">
+                <a:solidFill>
+                  <a:schemeClr val="tx1">
+                    <a:lumMod val="75000"/>
+                    <a:lumOff val="25000"/>
+                  </a:schemeClr>
+                </a:solidFill>
+                <a:latin typeface="+mn-lt"/>
+                <a:ea typeface="+mn-ea"/>
+                <a:cs typeface="+mn-cs"/>
+              </a:defRPr>
+            </a:lvl1pPr>
+            <a:lvl2pPr marL="384048" indent="-182880" algn="l" defTabSz="914400" rtl="0" eaLnBrk="1" latinLnBrk="0" hangingPunct="1">
+              <a:lnSpc>
+                <a:spcPct val="90000"/>
+              </a:lnSpc>
+              <a:spcBef>
+                <a:spcPts val="200"/>
+              </a:spcBef>
+              <a:spcAft>
+                <a:spcPts val="400"/>
+              </a:spcAft>
+              <a:buClr>
+                <a:schemeClr val="accent1"/>
+              </a:buClr>
+              <a:buFont typeface="Calibri" pitchFamily="34" charset="0"/>
+              <a:buChar char="◦"/>
+              <a:defRPr sz="1800" kern="1200">
+                <a:solidFill>
+                  <a:schemeClr val="tx1">
+                    <a:lumMod val="75000"/>
+                    <a:lumOff val="25000"/>
+                  </a:schemeClr>
+                </a:solidFill>
+                <a:latin typeface="+mn-lt"/>
+                <a:ea typeface="+mn-ea"/>
+                <a:cs typeface="+mn-cs"/>
+              </a:defRPr>
+            </a:lvl2pPr>
+            <a:lvl3pPr marL="566928" indent="-182880" algn="l" defTabSz="914400" rtl="0" eaLnBrk="1" latinLnBrk="0" hangingPunct="1">
+              <a:lnSpc>
+                <a:spcPct val="90000"/>
+              </a:lnSpc>
+              <a:spcBef>
+                <a:spcPts val="200"/>
+              </a:spcBef>
+              <a:spcAft>
+                <a:spcPts val="400"/>
+              </a:spcAft>
+              <a:buClr>
+                <a:schemeClr val="accent1"/>
+              </a:buClr>
+              <a:buFont typeface="Calibri" pitchFamily="34" charset="0"/>
+              <a:buChar char="◦"/>
+              <a:defRPr sz="1400" kern="1200">
+                <a:solidFill>
+                  <a:schemeClr val="tx1">
+                    <a:lumMod val="75000"/>
+                    <a:lumOff val="25000"/>
+                  </a:schemeClr>
+                </a:solidFill>
+                <a:latin typeface="+mn-lt"/>
+                <a:ea typeface="+mn-ea"/>
+                <a:cs typeface="+mn-cs"/>
+              </a:defRPr>
+            </a:lvl3pPr>
+            <a:lvl4pPr marL="749808" indent="-182880" algn="l" defTabSz="914400" rtl="0" eaLnBrk="1" latinLnBrk="0" hangingPunct="1">
+              <a:lnSpc>
+                <a:spcPct val="90000"/>
+              </a:lnSpc>
+              <a:spcBef>
+                <a:spcPts val="200"/>
+              </a:spcBef>
+              <a:spcAft>
+                <a:spcPts val="400"/>
+              </a:spcAft>
+              <a:buClr>
+                <a:schemeClr val="accent1"/>
+              </a:buClr>
+              <a:buFont typeface="Calibri" pitchFamily="34" charset="0"/>
+              <a:buChar char="◦"/>
+              <a:defRPr sz="1400" kern="1200">
+                <a:solidFill>
+                  <a:schemeClr val="tx1">
+                    <a:lumMod val="75000"/>
+                    <a:lumOff val="25000"/>
+                  </a:schemeClr>
+                </a:solidFill>
+                <a:latin typeface="+mn-lt"/>
+                <a:ea typeface="+mn-ea"/>
+                <a:cs typeface="+mn-cs"/>
+              </a:defRPr>
+            </a:lvl4pPr>
+            <a:lvl5pPr marL="932688" indent="-182880" algn="l" defTabSz="914400" rtl="0" eaLnBrk="1" latinLnBrk="0" hangingPunct="1">
+              <a:lnSpc>
+                <a:spcPct val="90000"/>
+              </a:lnSpc>
+              <a:spcBef>
+                <a:spcPts val="200"/>
+              </a:spcBef>
+              <a:spcAft>
+                <a:spcPts val="400"/>
+              </a:spcAft>
+              <a:buClr>
+                <a:schemeClr val="accent1"/>
+              </a:buClr>
+              <a:buFont typeface="Calibri" pitchFamily="34" charset="0"/>
+              <a:buChar char="◦"/>
+              <a:defRPr sz="1400" kern="1200">
+                <a:solidFill>
+                  <a:schemeClr val="tx1">
+                    <a:lumMod val="75000"/>
+                    <a:lumOff val="25000"/>
+                  </a:schemeClr>
+                </a:solidFill>
+                <a:latin typeface="+mn-lt"/>
+                <a:ea typeface="+mn-ea"/>
+                <a:cs typeface="+mn-cs"/>
+              </a:defRPr>
+            </a:lvl5pPr>
+            <a:lvl6pPr marL="1100000" indent="-228600" algn="l" defTabSz="914400" rtl="0" eaLnBrk="1" latinLnBrk="0" hangingPunct="1">
+              <a:lnSpc>
+                <a:spcPct val="90000"/>
+              </a:lnSpc>
+              <a:spcBef>
+                <a:spcPts val="200"/>
+              </a:spcBef>
+              <a:spcAft>
+                <a:spcPts val="400"/>
+              </a:spcAft>
+              <a:buClr>
+                <a:schemeClr val="accent1"/>
+              </a:buClr>
+              <a:buFont typeface="Calibri" pitchFamily="34" charset="0"/>
+              <a:buChar char="◦"/>
+              <a:defRPr sz="1400" kern="1200">
+                <a:solidFill>
+                  <a:schemeClr val="tx1">
+                    <a:lumMod val="75000"/>
+                    <a:lumOff val="25000"/>
+                  </a:schemeClr>
+                </a:solidFill>
+                <a:latin typeface="+mn-lt"/>
+                <a:ea typeface="+mn-ea"/>
+                <a:cs typeface="+mn-cs"/>
+              </a:defRPr>
+            </a:lvl6pPr>
+            <a:lvl7pPr marL="1300000" indent="-228600" algn="l" defTabSz="914400" rtl="0" eaLnBrk="1" latinLnBrk="0" hangingPunct="1">
+              <a:lnSpc>
+                <a:spcPct val="90000"/>
+              </a:lnSpc>
+              <a:spcBef>
+                <a:spcPts val="200"/>
+              </a:spcBef>
+              <a:spcAft>
+                <a:spcPts val="400"/>
+              </a:spcAft>
+              <a:buClr>
+                <a:schemeClr val="accent1"/>
+              </a:buClr>
+              <a:buFont typeface="Calibri" pitchFamily="34" charset="0"/>
+              <a:buChar char="◦"/>
+              <a:defRPr sz="1400" kern="1200">
+                <a:solidFill>
+                  <a:schemeClr val="tx1">
+                    <a:lumMod val="75000"/>
+                    <a:lumOff val="25000"/>
+                  </a:schemeClr>
+                </a:solidFill>
+                <a:latin typeface="+mn-lt"/>
+                <a:ea typeface="+mn-ea"/>
+                <a:cs typeface="+mn-cs"/>
+              </a:defRPr>
+            </a:lvl7pPr>
+            <a:lvl8pPr marL="1500000" indent="-228600" algn="l" defTabSz="914400" rtl="0" eaLnBrk="1" latinLnBrk="0" hangingPunct="1">
+              <a:lnSpc>
+                <a:spcPct val="90000"/>
+              </a:lnSpc>
+              <a:spcBef>
+                <a:spcPts val="200"/>
+              </a:spcBef>
+              <a:spcAft>
+                <a:spcPts val="400"/>
+              </a:spcAft>
+              <a:buClr>
+                <a:schemeClr val="accent1"/>
+              </a:buClr>
+              <a:buFont typeface="Calibri" pitchFamily="34" charset="0"/>
+              <a:buChar char="◦"/>
+              <a:defRPr sz="1400" kern="1200">
+                <a:solidFill>
+                  <a:schemeClr val="tx1">
+                    <a:lumMod val="75000"/>
+                    <a:lumOff val="25000"/>
+                  </a:schemeClr>
+                </a:solidFill>
+                <a:latin typeface="+mn-lt"/>
+                <a:ea typeface="+mn-ea"/>
+                <a:cs typeface="+mn-cs"/>
+              </a:defRPr>
+            </a:lvl8pPr>
+            <a:lvl9pPr marL="1700000" indent="-228600" algn="l" defTabSz="914400" rtl="0" eaLnBrk="1" latinLnBrk="0" hangingPunct="1">
+              <a:lnSpc>
+                <a:spcPct val="90000"/>
+              </a:lnSpc>
+              <a:spcBef>
+                <a:spcPts val="200"/>
+              </a:spcBef>
+              <a:spcAft>
+                <a:spcPts val="400"/>
+              </a:spcAft>
+              <a:buClr>
+                <a:schemeClr val="accent1"/>
+              </a:buClr>
+              <a:buFont typeface="Calibri" pitchFamily="34" charset="0"/>
+              <a:buChar char="◦"/>
+              <a:defRPr sz="1400" kern="1200">
+                <a:solidFill>
+                  <a:schemeClr val="tx1">
+                    <a:lumMod val="75000"/>
+                    <a:lumOff val="25000"/>
+                  </a:schemeClr>
+                </a:solidFill>
+                <a:latin typeface="+mn-lt"/>
+                <a:ea typeface="+mn-ea"/>
+                <a:cs typeface="+mn-cs"/>
+              </a:defRPr>
+            </a:lvl9pPr>
+          </a:lstStyle>
+          <a:p>
+            <a:r>
+              <a:rPr lang="en-US" altLang="zh-TW" dirty="0" err="1" smtClean="0"/>
+              <a:t>Scp</a:t>
+            </a:r>
+            <a:endParaRPr lang="en-US" altLang="zh-TW" dirty="0" smtClean="0"/>
+          </a:p>
+          <a:p>
+            <a:pPr lvl="1"/>
+            <a:r>
+              <a:rPr lang="en-US" altLang="zh-TW" dirty="0" smtClean="0"/>
+              <a:t>-C enable compression</a:t>
+            </a:r>
+          </a:p>
+          <a:p>
+            <a:pPr lvl="2"/>
+            <a:r>
+              <a:rPr lang="en-US" altLang="zh-TW" dirty="0" smtClean="0"/>
+              <a:t>Use when dealing with compressible file*</a:t>
+            </a:r>
+          </a:p>
+          <a:p>
+            <a:pPr lvl="1"/>
+            <a:r>
+              <a:rPr lang="en-US" altLang="zh-TW" dirty="0" smtClean="0"/>
+              <a:t>-</a:t>
+            </a:r>
+            <a:r>
+              <a:rPr lang="en-US" altLang="zh-TW" dirty="0" err="1" smtClean="0"/>
+              <a:t>i</a:t>
+            </a:r>
+            <a:r>
+              <a:rPr lang="en-US" altLang="zh-TW" dirty="0" smtClean="0"/>
+              <a:t> ( use with </a:t>
+            </a:r>
+            <a:r>
+              <a:rPr lang="en-US" altLang="zh-TW" dirty="0" err="1" smtClean="0"/>
+              <a:t>ssh</a:t>
+            </a:r>
+            <a:r>
+              <a:rPr lang="en-US" altLang="zh-TW" dirty="0" smtClean="0"/>
+              <a:t> </a:t>
+            </a:r>
+            <a:r>
+              <a:rPr lang="en-US" altLang="zh-TW" dirty="0" err="1" smtClean="0"/>
+              <a:t>id_rsa</a:t>
+            </a:r>
+            <a:r>
+              <a:rPr lang="en-US" altLang="zh-TW" dirty="0" smtClean="0"/>
+              <a:t> file )</a:t>
+            </a:r>
+          </a:p>
+          <a:p>
+            <a:pPr lvl="1"/>
+            <a:r>
+              <a:rPr lang="en-US" altLang="zh-TW" dirty="0" smtClean="0"/>
+              <a:t>-P ( specify port )</a:t>
+            </a:r>
+          </a:p>
+          <a:p>
+            <a:pPr lvl="1"/>
+            <a:r>
+              <a:rPr lang="en-US" altLang="zh-TW" dirty="0" smtClean="0"/>
+              <a:t>-r recursive, ( folders )</a:t>
+            </a:r>
+            <a:endParaRPr lang="en-US" altLang="zh-TW" dirty="0" smtClean="0"/>
+          </a:p>
+        </p:txBody>
+      </p:sp>
+    </p:spTree>
+    <p:extLst>
+      <p:ext uri="{BB962C8B-B14F-4D97-AF65-F5344CB8AC3E}">
+        <p14:creationId xmlns:p14="http://schemas.microsoft.com/office/powerpoint/2010/main" val="3216412921"/>
+      </p:ext>
+    </p:extLst>
+  </p:cSld>
+  <p:clrMapOvr>
+    <a:masterClrMapping/>
+  </p:clrMapOvr>
+</p:sld>
+</file>
+
+<file path=ppt/slides/slide21.xml><?xml version="1.0" encoding="utf-8"?>
+<p:sld xmlns:a="http://schemas.openxmlformats.org/drawingml/2006/main" xmlns:r="http://schemas.openxmlformats.org/officeDocument/2006/relationships" xmlns:p="http://schemas.openxmlformats.org/presentationml/2006/main">
+  <p:cSld>
+    <p:spTree>
+      <p:nvGrpSpPr>
+        <p:cNvPr id="1" name=""/>
+        <p:cNvGrpSpPr/>
+        <p:nvPr/>
+      </p:nvGrpSpPr>
+      <p:grpSpPr>
+        <a:xfrm>
+          <a:off x="0" y="0"/>
+          <a:ext cx="0" cy="0"/>
+          <a:chOff x="0" y="0"/>
+          <a:chExt cx="0" cy="0"/>
+        </a:xfrm>
+      </p:grpSpPr>
+      <p:sp>
+        <p:nvSpPr>
+          <p:cNvPr id="2" name="標題 1"/>
+          <p:cNvSpPr>
+            <a:spLocks noGrp="1"/>
+          </p:cNvSpPr>
+          <p:nvPr>
+            <p:ph type="title"/>
+          </p:nvPr>
+        </p:nvSpPr>
         <p:spPr/>
         <p:txBody>
           <a:bodyPr/>
           <a:lstStyle/>
           <a:p>
+            <a:r>
+              <a:rPr lang="en-US" altLang="zh-TW" dirty="0"/>
+              <a:t>Appendix : </a:t>
+            </a:r>
+            <a:r>
+              <a:rPr lang="en-US" altLang="zh-TW" dirty="0" err="1" smtClean="0"/>
+              <a:t>Tmux</a:t>
+            </a:r>
+            <a:endParaRPr lang="zh-TW" altLang="en-US" dirty="0"/>
+          </a:p>
+        </p:txBody>
+      </p:sp>
+      <p:sp>
+        <p:nvSpPr>
+          <p:cNvPr id="3" name="內容版面配置區 2"/>
+          <p:cNvSpPr>
+            <a:spLocks noGrp="1"/>
+          </p:cNvSpPr>
+          <p:nvPr>
+            <p:ph idx="1"/>
+          </p:nvPr>
+        </p:nvSpPr>
+        <p:spPr/>
+        <p:txBody>
+          <a:bodyPr/>
+          <a:lstStyle/>
+          <a:p>
             <a:endParaRPr lang="zh-TW" altLang="en-US"/>
+          </a:p>
+        </p:txBody>
+      </p:sp>
+    </p:spTree>
+    <p:extLst>
+      <p:ext uri="{BB962C8B-B14F-4D97-AF65-F5344CB8AC3E}">
+        <p14:creationId xmlns:p14="http://schemas.microsoft.com/office/powerpoint/2010/main" val="46707215"/>
+      </p:ext>
+    </p:extLst>
+  </p:cSld>
+  <p:clrMapOvr>
+    <a:masterClrMapping/>
+  </p:clrMapOvr>
+</p:sld>
+</file>
+
+<file path=ppt/slides/slide22.xml><?xml version="1.0" encoding="utf-8"?>
+<p:sld xmlns:a="http://schemas.openxmlformats.org/drawingml/2006/main" xmlns:r="http://schemas.openxmlformats.org/officeDocument/2006/relationships" xmlns:p="http://schemas.openxmlformats.org/presentationml/2006/main">
+  <p:cSld>
+    <p:spTree>
+      <p:nvGrpSpPr>
+        <p:cNvPr id="1" name=""/>
+        <p:cNvGrpSpPr/>
+        <p:nvPr/>
+      </p:nvGrpSpPr>
+      <p:grpSpPr>
+        <a:xfrm>
+          <a:off x="0" y="0"/>
+          <a:ext cx="0" cy="0"/>
+          <a:chOff x="0" y="0"/>
+          <a:chExt cx="0" cy="0"/>
+        </a:xfrm>
+      </p:grpSpPr>
+      <p:sp>
+        <p:nvSpPr>
+          <p:cNvPr id="2" name="標題 1"/>
+          <p:cNvSpPr>
+            <a:spLocks noGrp="1"/>
+          </p:cNvSpPr>
+          <p:nvPr>
+            <p:ph type="title"/>
+          </p:nvPr>
+        </p:nvSpPr>
+        <p:spPr/>
+        <p:txBody>
+          <a:bodyPr/>
+          <a:lstStyle/>
+          <a:p>
+            <a:r>
+              <a:rPr lang="en-US" altLang="zh-TW" dirty="0"/>
+              <a:t>Appendix : </a:t>
+            </a:r>
+            <a:r>
+              <a:rPr lang="en-US" altLang="zh-TW" dirty="0" err="1" smtClean="0"/>
+              <a:t>Fcron</a:t>
+            </a:r>
+            <a:endParaRPr lang="zh-TW" altLang="en-US" dirty="0"/>
+          </a:p>
+        </p:txBody>
+      </p:sp>
+      <p:sp>
+        <p:nvSpPr>
+          <p:cNvPr id="3" name="內容版面配置區 2"/>
+          <p:cNvSpPr>
+            <a:spLocks noGrp="1"/>
+          </p:cNvSpPr>
+          <p:nvPr>
+            <p:ph idx="1"/>
+          </p:nvPr>
+        </p:nvSpPr>
+        <p:spPr/>
+        <p:txBody>
+          <a:bodyPr/>
+          <a:lstStyle/>
+          <a:p>
+            <a:pPr marL="0" indent="0">
+              <a:buNone/>
+            </a:pPr>
+            <a:endParaRPr lang="zh-TW" altLang="en-US" dirty="0"/>
+          </a:p>
+        </p:txBody>
+      </p:sp>
+    </p:spTree>
+    <p:extLst>
+      <p:ext uri="{BB962C8B-B14F-4D97-AF65-F5344CB8AC3E}">
+        <p14:creationId xmlns:p14="http://schemas.microsoft.com/office/powerpoint/2010/main" val="410372291"/>
+      </p:ext>
+    </p:extLst>
+  </p:cSld>
+  <p:clrMapOvr>
+    <a:masterClrMapping/>
+  </p:clrMapOvr>
+</p:sld>
+</file>
+
+<file path=ppt/slides/slide23.xml><?xml version="1.0" encoding="utf-8"?>
+<p:sld xmlns:a="http://schemas.openxmlformats.org/drawingml/2006/main" xmlns:r="http://schemas.openxmlformats.org/officeDocument/2006/relationships" xmlns:p="http://schemas.openxmlformats.org/presentationml/2006/main">
+  <p:cSld>
+    <p:spTree>
+      <p:nvGrpSpPr>
+        <p:cNvPr id="1" name=""/>
+        <p:cNvGrpSpPr/>
+        <p:nvPr/>
+      </p:nvGrpSpPr>
+      <p:grpSpPr>
+        <a:xfrm>
+          <a:off x="0" y="0"/>
+          <a:ext cx="0" cy="0"/>
+          <a:chOff x="0" y="0"/>
+          <a:chExt cx="0" cy="0"/>
+        </a:xfrm>
+      </p:grpSpPr>
+      <p:sp>
+        <p:nvSpPr>
+          <p:cNvPr id="2" name="標題 1"/>
+          <p:cNvSpPr>
+            <a:spLocks noGrp="1"/>
+          </p:cNvSpPr>
+          <p:nvPr>
+            <p:ph type="title"/>
+          </p:nvPr>
+        </p:nvSpPr>
+        <p:spPr/>
+        <p:txBody>
+          <a:bodyPr/>
+          <a:lstStyle/>
+          <a:p>
+            <a:r>
+              <a:rPr lang="en-US" altLang="zh-TW" dirty="0"/>
+              <a:t>Appendix : </a:t>
+            </a:r>
+            <a:r>
+              <a:rPr lang="en-US" altLang="zh-TW" dirty="0" err="1" smtClean="0"/>
+              <a:t>Systemd</a:t>
+            </a:r>
+            <a:endParaRPr lang="zh-TW" altLang="en-US" dirty="0"/>
+          </a:p>
+        </p:txBody>
+      </p:sp>
+      <p:sp>
+        <p:nvSpPr>
+          <p:cNvPr id="3" name="內容版面配置區 2"/>
+          <p:cNvSpPr>
+            <a:spLocks noGrp="1"/>
+          </p:cNvSpPr>
+          <p:nvPr>
+            <p:ph idx="1"/>
+          </p:nvPr>
+        </p:nvSpPr>
+        <p:spPr/>
+        <p:txBody>
+          <a:bodyPr/>
+          <a:lstStyle/>
+          <a:p>
+            <a:pPr marL="0" indent="0">
+              <a:buNone/>
+            </a:pPr>
+            <a:endParaRPr lang="zh-TW" altLang="en-US" dirty="0"/>
+          </a:p>
+        </p:txBody>
+      </p:sp>
+    </p:spTree>
+    <p:extLst>
+      <p:ext uri="{BB962C8B-B14F-4D97-AF65-F5344CB8AC3E}">
+        <p14:creationId xmlns:p14="http://schemas.microsoft.com/office/powerpoint/2010/main" val="3622766869"/>
+      </p:ext>
+    </p:extLst>
+  </p:cSld>
+  <p:clrMapOvr>
+    <a:masterClrMapping/>
+  </p:clrMapOvr>
+</p:sld>
+</file>
+
+<file path=ppt/slides/slide24.xml><?xml version="1.0" encoding="utf-8"?>
+<p:sld xmlns:a="http://schemas.openxmlformats.org/drawingml/2006/main" xmlns:r="http://schemas.openxmlformats.org/officeDocument/2006/relationships" xmlns:p="http://schemas.openxmlformats.org/presentationml/2006/main">
+  <p:cSld>
+    <p:spTree>
+      <p:nvGrpSpPr>
+        <p:cNvPr id="1" name=""/>
+        <p:cNvGrpSpPr/>
+        <p:nvPr/>
+      </p:nvGrpSpPr>
+      <p:grpSpPr>
+        <a:xfrm>
+          <a:off x="0" y="0"/>
+          <a:ext cx="0" cy="0"/>
+          <a:chOff x="0" y="0"/>
+          <a:chExt cx="0" cy="0"/>
+        </a:xfrm>
+      </p:grpSpPr>
+      <p:sp>
+        <p:nvSpPr>
+          <p:cNvPr id="2" name="標題 1"/>
+          <p:cNvSpPr>
+            <a:spLocks noGrp="1"/>
+          </p:cNvSpPr>
+          <p:nvPr>
+            <p:ph type="title"/>
+          </p:nvPr>
+        </p:nvSpPr>
+        <p:spPr/>
+        <p:txBody>
+          <a:bodyPr/>
+          <a:lstStyle/>
+          <a:p>
+            <a:r>
+              <a:rPr lang="en-US" altLang="zh-TW" dirty="0"/>
+              <a:t>Appendix : </a:t>
+            </a:r>
+            <a:r>
+              <a:rPr lang="en-US" altLang="zh-TW" dirty="0" smtClean="0"/>
+              <a:t>a simple queue</a:t>
+            </a:r>
+            <a:endParaRPr lang="zh-TW" altLang="en-US" dirty="0"/>
+          </a:p>
+        </p:txBody>
+      </p:sp>
+      <p:sp>
+        <p:nvSpPr>
+          <p:cNvPr id="3" name="內容版面配置區 2"/>
+          <p:cNvSpPr>
+            <a:spLocks noGrp="1"/>
+          </p:cNvSpPr>
+          <p:nvPr>
+            <p:ph idx="1"/>
+          </p:nvPr>
+        </p:nvSpPr>
+        <p:spPr/>
+        <p:txBody>
+          <a:bodyPr/>
+          <a:lstStyle/>
+          <a:p>
+            <a:pPr marL="0" indent="0">
+              <a:buNone/>
+            </a:pPr>
+            <a:endParaRPr lang="zh-TW" altLang="en-US" dirty="0"/>
           </a:p>
         </p:txBody>
       </p:sp>
@@ -6945,6 +8156,158 @@
     <p:extLst>
       <p:ext uri="{BB962C8B-B14F-4D97-AF65-F5344CB8AC3E}">
         <p14:creationId xmlns:p14="http://schemas.microsoft.com/office/powerpoint/2010/main" val="287971476"/>
+      </p:ext>
+    </p:extLst>
+  </p:cSld>
+  <p:clrMapOvr>
+    <a:masterClrMapping/>
+  </p:clrMapOvr>
+</p:sld>
+</file>
+
+<file path=ppt/slides/slide25.xml><?xml version="1.0" encoding="utf-8"?>
+<p:sld xmlns:a="http://schemas.openxmlformats.org/drawingml/2006/main" xmlns:r="http://schemas.openxmlformats.org/officeDocument/2006/relationships" xmlns:p="http://schemas.openxmlformats.org/presentationml/2006/main">
+  <p:cSld>
+    <p:spTree>
+      <p:nvGrpSpPr>
+        <p:cNvPr id="1" name=""/>
+        <p:cNvGrpSpPr/>
+        <p:nvPr/>
+      </p:nvGrpSpPr>
+      <p:grpSpPr>
+        <a:xfrm>
+          <a:off x="0" y="0"/>
+          <a:ext cx="0" cy="0"/>
+          <a:chOff x="0" y="0"/>
+          <a:chExt cx="0" cy="0"/>
+        </a:xfrm>
+      </p:grpSpPr>
+      <p:sp>
+        <p:nvSpPr>
+          <p:cNvPr id="2" name="標題 1"/>
+          <p:cNvSpPr>
+            <a:spLocks noGrp="1"/>
+          </p:cNvSpPr>
+          <p:nvPr>
+            <p:ph type="title"/>
+          </p:nvPr>
+        </p:nvSpPr>
+        <p:spPr/>
+        <p:txBody>
+          <a:bodyPr/>
+          <a:lstStyle/>
+          <a:p>
+            <a:r>
+              <a:rPr lang="en-US" altLang="zh-TW" dirty="0"/>
+              <a:t>Appendix : </a:t>
+            </a:r>
+            <a:r>
+              <a:rPr lang="en-US" altLang="zh-TW" dirty="0" err="1" smtClean="0"/>
+              <a:t>Rclone</a:t>
+            </a:r>
+            <a:endParaRPr lang="zh-TW" altLang="en-US" dirty="0"/>
+          </a:p>
+        </p:txBody>
+      </p:sp>
+      <p:sp>
+        <p:nvSpPr>
+          <p:cNvPr id="3" name="內容版面配置區 2"/>
+          <p:cNvSpPr>
+            <a:spLocks noGrp="1"/>
+          </p:cNvSpPr>
+          <p:nvPr>
+            <p:ph idx="1"/>
+          </p:nvPr>
+        </p:nvSpPr>
+        <p:spPr/>
+        <p:txBody>
+          <a:bodyPr/>
+          <a:lstStyle/>
+          <a:p>
+            <a:endParaRPr lang="zh-TW" altLang="en-US"/>
+          </a:p>
+        </p:txBody>
+      </p:sp>
+    </p:spTree>
+    <p:extLst>
+      <p:ext uri="{BB962C8B-B14F-4D97-AF65-F5344CB8AC3E}">
+        <p14:creationId xmlns:p14="http://schemas.microsoft.com/office/powerpoint/2010/main" val="3227702254"/>
+      </p:ext>
+    </p:extLst>
+  </p:cSld>
+  <p:clrMapOvr>
+    <a:masterClrMapping/>
+  </p:clrMapOvr>
+</p:sld>
+</file>
+
+<file path=ppt/slides/slide26.xml><?xml version="1.0" encoding="utf-8"?>
+<p:sld xmlns:a="http://schemas.openxmlformats.org/drawingml/2006/main" xmlns:r="http://schemas.openxmlformats.org/officeDocument/2006/relationships" xmlns:p="http://schemas.openxmlformats.org/presentationml/2006/main">
+  <p:cSld>
+    <p:spTree>
+      <p:nvGrpSpPr>
+        <p:cNvPr id="1" name=""/>
+        <p:cNvGrpSpPr/>
+        <p:nvPr/>
+      </p:nvGrpSpPr>
+      <p:grpSpPr>
+        <a:xfrm>
+          <a:off x="0" y="0"/>
+          <a:ext cx="0" cy="0"/>
+          <a:chOff x="0" y="0"/>
+          <a:chExt cx="0" cy="0"/>
+        </a:xfrm>
+      </p:grpSpPr>
+      <p:sp>
+        <p:nvSpPr>
+          <p:cNvPr id="2" name="標題 1"/>
+          <p:cNvSpPr>
+            <a:spLocks noGrp="1"/>
+          </p:cNvSpPr>
+          <p:nvPr>
+            <p:ph type="title"/>
+          </p:nvPr>
+        </p:nvSpPr>
+        <p:spPr/>
+        <p:txBody>
+          <a:bodyPr/>
+          <a:lstStyle/>
+          <a:p>
+            <a:r>
+              <a:rPr lang="en-US" altLang="zh-TW" dirty="0" smtClean="0"/>
+              <a:t>Some reference webpage</a:t>
+            </a:r>
+            <a:endParaRPr lang="zh-TW" altLang="en-US" dirty="0"/>
+          </a:p>
+        </p:txBody>
+      </p:sp>
+      <p:sp>
+        <p:nvSpPr>
+          <p:cNvPr id="3" name="內容版面配置區 2"/>
+          <p:cNvSpPr>
+            <a:spLocks noGrp="1"/>
+          </p:cNvSpPr>
+          <p:nvPr>
+            <p:ph idx="1"/>
+          </p:nvPr>
+        </p:nvSpPr>
+        <p:spPr/>
+        <p:txBody>
+          <a:bodyPr/>
+          <a:lstStyle/>
+          <a:p>
+            <a:r>
+              <a:rPr lang="en-US" altLang="zh-TW" dirty="0"/>
+              <a:t>https://explainshell.com/</a:t>
+            </a:r>
+            <a:endParaRPr lang="zh-TW" altLang="en-US" dirty="0"/>
+          </a:p>
+        </p:txBody>
+      </p:sp>
+    </p:spTree>
+    <p:extLst>
+      <p:ext uri="{BB962C8B-B14F-4D97-AF65-F5344CB8AC3E}">
+        <p14:creationId xmlns:p14="http://schemas.microsoft.com/office/powerpoint/2010/main" val="3986223692"/>
       </p:ext>
     </p:extLst>
   </p:cSld>

--- a/Introduction to docker.pptx
+++ b/Introduction to docker.pptx
@@ -8,31 +8,31 @@
     <p:notesMasterId r:id="rId28"/>
   </p:notesMasterIdLst>
   <p:sldIdLst>
-    <p:sldId id="256" r:id="rId2"/>
-    <p:sldId id="258" r:id="rId3"/>
-    <p:sldId id="257" r:id="rId4"/>
-    <p:sldId id="259" r:id="rId5"/>
-    <p:sldId id="260" r:id="rId6"/>
-    <p:sldId id="261" r:id="rId7"/>
-    <p:sldId id="267" r:id="rId8"/>
-    <p:sldId id="272" r:id="rId9"/>
-    <p:sldId id="263" r:id="rId10"/>
-    <p:sldId id="270" r:id="rId11"/>
-    <p:sldId id="268" r:id="rId12"/>
-    <p:sldId id="275" r:id="rId13"/>
-    <p:sldId id="271" r:id="rId14"/>
-    <p:sldId id="273" r:id="rId15"/>
-    <p:sldId id="264" r:id="rId16"/>
-    <p:sldId id="276" r:id="rId17"/>
-    <p:sldId id="277" r:id="rId18"/>
-    <p:sldId id="274" r:id="rId19"/>
-    <p:sldId id="278" r:id="rId20"/>
-    <p:sldId id="280" r:id="rId21"/>
-    <p:sldId id="284" r:id="rId22"/>
-    <p:sldId id="281" r:id="rId23"/>
-    <p:sldId id="286" r:id="rId24"/>
+    <p:sldId id="287" r:id="rId2"/>
+    <p:sldId id="256" r:id="rId3"/>
+    <p:sldId id="258" r:id="rId4"/>
+    <p:sldId id="257" r:id="rId5"/>
+    <p:sldId id="259" r:id="rId6"/>
+    <p:sldId id="260" r:id="rId7"/>
+    <p:sldId id="261" r:id="rId8"/>
+    <p:sldId id="267" r:id="rId9"/>
+    <p:sldId id="272" r:id="rId10"/>
+    <p:sldId id="263" r:id="rId11"/>
+    <p:sldId id="270" r:id="rId12"/>
+    <p:sldId id="268" r:id="rId13"/>
+    <p:sldId id="275" r:id="rId14"/>
+    <p:sldId id="271" r:id="rId15"/>
+    <p:sldId id="273" r:id="rId16"/>
+    <p:sldId id="264" r:id="rId17"/>
+    <p:sldId id="276" r:id="rId18"/>
+    <p:sldId id="277" r:id="rId19"/>
+    <p:sldId id="274" r:id="rId20"/>
+    <p:sldId id="278" r:id="rId21"/>
+    <p:sldId id="280" r:id="rId22"/>
+    <p:sldId id="284" r:id="rId23"/>
+    <p:sldId id="281" r:id="rId24"/>
     <p:sldId id="279" r:id="rId25"/>
-    <p:sldId id="283" r:id="rId26"/>
+    <p:sldId id="288" r:id="rId26"/>
     <p:sldId id="285" r:id="rId27"/>
   </p:sldIdLst>
   <p:sldSz cx="12192000" cy="6858000"/>
@@ -560,7 +560,7 @@
           <a:p>
             <a:fld id="{114D959B-C3A2-43FC-B265-17A436B61326}" type="slidenum">
               <a:rPr lang="zh-TW" altLang="en-US" smtClean="0"/>
-              <a:t>2</a:t>
+              <a:t>3</a:t>
             </a:fld>
             <a:endParaRPr lang="zh-TW" altLang="en-US"/>
           </a:p>
@@ -648,7 +648,7 @@
           <a:p>
             <a:fld id="{114D959B-C3A2-43FC-B265-17A436B61326}" type="slidenum">
               <a:rPr lang="zh-TW" altLang="en-US" smtClean="0"/>
-              <a:t>5</a:t>
+              <a:t>6</a:t>
             </a:fld>
             <a:endParaRPr lang="zh-TW" altLang="en-US"/>
           </a:p>
@@ -732,7 +732,7 @@
           <a:p>
             <a:fld id="{114D959B-C3A2-43FC-B265-17A436B61326}" type="slidenum">
               <a:rPr lang="zh-TW" altLang="en-US" smtClean="0"/>
-              <a:t>6</a:t>
+              <a:t>7</a:t>
             </a:fld>
             <a:endParaRPr lang="zh-TW" altLang="en-US"/>
           </a:p>
@@ -816,7 +816,7 @@
           <a:p>
             <a:fld id="{114D959B-C3A2-43FC-B265-17A436B61326}" type="slidenum">
               <a:rPr lang="zh-TW" altLang="en-US" smtClean="0"/>
-              <a:t>18</a:t>
+              <a:t>19</a:t>
             </a:fld>
             <a:endParaRPr lang="zh-TW" altLang="en-US"/>
           </a:p>
@@ -4534,10 +4534,140 @@
       </p:grpSpPr>
       <p:sp>
         <p:nvSpPr>
+          <p:cNvPr id="2" name="標題 1"/>
+          <p:cNvSpPr>
+            <a:spLocks noGrp="1"/>
+          </p:cNvSpPr>
+          <p:nvPr>
+            <p:ph type="title"/>
+          </p:nvPr>
+        </p:nvSpPr>
+        <p:spPr/>
+        <p:txBody>
+          <a:bodyPr/>
+          <a:lstStyle/>
+          <a:p>
+            <a:r>
+              <a:rPr lang="en-US" altLang="zh-TW" dirty="0" smtClean="0"/>
+              <a:t>Pre course setup</a:t>
+            </a:r>
+            <a:endParaRPr lang="zh-TW" altLang="en-US" dirty="0"/>
+          </a:p>
+        </p:txBody>
+      </p:sp>
+      <p:sp>
+        <p:nvSpPr>
+          <p:cNvPr id="3" name="內容版面配置區 2"/>
+          <p:cNvSpPr>
+            <a:spLocks noGrp="1"/>
+          </p:cNvSpPr>
+          <p:nvPr>
+            <p:ph idx="1"/>
+          </p:nvPr>
+        </p:nvSpPr>
+        <p:spPr/>
+        <p:txBody>
+          <a:bodyPr/>
+          <a:lstStyle/>
+          <a:p>
+            <a:r>
+              <a:rPr lang="en-US" altLang="zh-TW" dirty="0" smtClean="0"/>
+              <a:t>1. install </a:t>
+            </a:r>
+            <a:r>
+              <a:rPr lang="en-US" altLang="zh-TW" dirty="0" err="1" smtClean="0"/>
+              <a:t>OpenVPN</a:t>
+            </a:r>
+            <a:r>
+              <a:rPr lang="zh-TW" altLang="en-US" dirty="0" smtClean="0"/>
+              <a:t> </a:t>
+            </a:r>
+            <a:r>
+              <a:rPr lang="en-US" altLang="zh-TW" dirty="0" smtClean="0"/>
+              <a:t>: </a:t>
+            </a:r>
+            <a:r>
+              <a:rPr lang="en-US" altLang="zh-TW" dirty="0" smtClean="0">
+                <a:hlinkClick r:id="rId2"/>
+              </a:rPr>
+              <a:t>Link</a:t>
+            </a:r>
+            <a:endParaRPr lang="en-US" altLang="zh-TW" dirty="0" smtClean="0"/>
+          </a:p>
+          <a:p>
+            <a:r>
+              <a:rPr lang="en-US" altLang="zh-TW" dirty="0" smtClean="0"/>
+              <a:t>2. go to </a:t>
+            </a:r>
+            <a:r>
+              <a:rPr lang="en-US" altLang="zh-TW" dirty="0" smtClean="0">
+                <a:hlinkClick r:id="rId3"/>
+              </a:rPr>
+              <a:t>HERE</a:t>
+            </a:r>
+            <a:r>
+              <a:rPr lang="en-US" altLang="zh-TW" dirty="0" smtClean="0"/>
+              <a:t> to get </a:t>
+            </a:r>
+            <a:r>
+              <a:rPr lang="en-US" altLang="zh-TW" dirty="0" err="1" smtClean="0"/>
+              <a:t>OpenVPN</a:t>
+            </a:r>
+            <a:r>
+              <a:rPr lang="en-US" altLang="zh-TW" dirty="0" smtClean="0"/>
+              <a:t> </a:t>
+            </a:r>
+          </a:p>
+          <a:p>
+            <a:r>
+              <a:rPr lang="en-US" altLang="zh-TW" dirty="0" smtClean="0"/>
+              <a:t>3. load Configurable file and DONE!!!</a:t>
+            </a:r>
+          </a:p>
+          <a:p>
+            <a:r>
+              <a:rPr lang="en-US" altLang="zh-TW" dirty="0" smtClean="0"/>
+              <a:t>( login with GPU Server Account )</a:t>
+            </a:r>
+          </a:p>
+        </p:txBody>
+      </p:sp>
+    </p:spTree>
+    <p:extLst>
+      <p:ext uri="{BB962C8B-B14F-4D97-AF65-F5344CB8AC3E}">
+        <p14:creationId xmlns:p14="http://schemas.microsoft.com/office/powerpoint/2010/main" val="1508885003"/>
+      </p:ext>
+    </p:extLst>
+  </p:cSld>
+  <p:clrMapOvr>
+    <a:masterClrMapping/>
+  </p:clrMapOvr>
+</p:sld>
+</file>
+
+<file path=ppt/slides/slide10.xml><?xml version="1.0" encoding="utf-8"?>
+<p:sld xmlns:a="http://schemas.openxmlformats.org/drawingml/2006/main" xmlns:r="http://schemas.openxmlformats.org/officeDocument/2006/relationships" xmlns:p="http://schemas.openxmlformats.org/presentationml/2006/main">
+  <p:cSld>
+    <p:spTree>
+      <p:nvGrpSpPr>
+        <p:cNvPr id="1" name=""/>
+        <p:cNvGrpSpPr/>
+        <p:nvPr/>
+      </p:nvGrpSpPr>
+      <p:grpSpPr>
+        <a:xfrm>
+          <a:off x="0" y="0"/>
+          <a:ext cx="0" cy="0"/>
+          <a:chOff x="0" y="0"/>
+          <a:chExt cx="0" cy="0"/>
+        </a:xfrm>
+      </p:grpSpPr>
+      <p:sp>
+        <p:nvSpPr>
           <p:cNvPr id="2" name="標題 1">
             <a:extLst>
               <a:ext uri="{FF2B5EF4-FFF2-40B4-BE49-F238E27FC236}">
-                <a16:creationId xmlns:a16="http://schemas.microsoft.com/office/drawing/2014/main" id="{06BB4BF2-EE0F-45CE-B9D7-D8E7A1DC3341}"/>
+                <a16:creationId xmlns:a16="http://schemas.microsoft.com/office/drawing/2014/main" id="{B0777A18-CB58-4BE1-89AA-14684198CE0F}"/>
               </a:ext>
             </a:extLst>
           </p:cNvPr>
@@ -4545,7 +4675,7 @@
             <a:spLocks noGrp="1"/>
           </p:cNvSpPr>
           <p:nvPr>
-            <p:ph type="ctrTitle"/>
+            <p:ph type="title"/>
           </p:nvPr>
         </p:nvSpPr>
         <p:spPr/>
@@ -4554,12 +4684,19 @@
           <a:lstStyle/>
           <a:p>
             <a:r>
+              <a:rPr lang="en-US" altLang="zh-TW" dirty="0" err="1"/>
+              <a:t>DockerFile</a:t>
+            </a:r>
+            <a:r>
               <a:rPr lang="en-US" altLang="zh-TW" dirty="0"/>
-              <a:t>Introduction to </a:t>
-            </a:r>
-            <a:r>
-              <a:rPr lang="en-US" altLang="zh-TW" dirty="0" err="1" smtClean="0"/>
-              <a:t>docker</a:t>
+              <a:t/>
+            </a:r>
+            <a:br>
+              <a:rPr lang="en-US" altLang="zh-TW" dirty="0"/>
+            </a:br>
+            <a:r>
+              <a:rPr lang="en-US" altLang="zh-TW" sz="2800" dirty="0"/>
+              <a:t>Build your own image for scratch</a:t>
             </a:r>
             <a:endParaRPr lang="zh-TW" altLang="en-US" dirty="0"/>
           </a:p>
@@ -4567,10 +4704,10 @@
       </p:sp>
       <p:sp>
         <p:nvSpPr>
-          <p:cNvPr id="3" name="副標題 2">
+          <p:cNvPr id="3" name="內容版面配置區 2">
             <a:extLst>
               <a:ext uri="{FF2B5EF4-FFF2-40B4-BE49-F238E27FC236}">
-                <a16:creationId xmlns:a16="http://schemas.microsoft.com/office/drawing/2014/main" id="{E49EAB2F-22E4-4F83-B08C-59A358BD231B}"/>
+                <a16:creationId xmlns:a16="http://schemas.microsoft.com/office/drawing/2014/main" id="{25953EA7-626B-41E1-A872-F71A6CF4AAC2}"/>
               </a:ext>
             </a:extLst>
           </p:cNvPr>
@@ -4578,32 +4715,800 @@
             <a:spLocks noGrp="1"/>
           </p:cNvSpPr>
           <p:nvPr>
-            <p:ph type="subTitle" idx="1"/>
+            <p:ph idx="1"/>
           </p:nvPr>
         </p:nvSpPr>
-        <p:spPr/>
+        <p:spPr>
+          <a:xfrm>
+            <a:off x="6096000" y="1916756"/>
+            <a:ext cx="5365664" cy="4430778"/>
+          </a:xfrm>
+        </p:spPr>
         <p:txBody>
-          <a:bodyPr/>
+          <a:bodyPr>
+            <a:normAutofit lnSpcReduction="10000"/>
+          </a:bodyPr>
           <a:lstStyle/>
           <a:p>
             <a:r>
-              <a:rPr lang="en-US" altLang="zh-TW" dirty="0" smtClean="0"/>
-              <a:t>Credits to Meng, Shane</a:t>
-            </a:r>
-          </a:p>
-          <a:p>
-            <a:r>
-              <a:rPr lang="en-US" altLang="zh-TW" dirty="0" smtClean="0"/>
-              <a:t>By BT</a:t>
-            </a:r>
+              <a:rPr lang="en-US" altLang="zh-TW" dirty="0"/>
+              <a:t>INSTRUCTION</a:t>
+            </a:r>
+          </a:p>
+          <a:p>
+            <a:pPr lvl="1"/>
+            <a:r>
+              <a:rPr lang="en-US" altLang="zh-TW" dirty="0">
+                <a:hlinkClick r:id="rId2"/>
+              </a:rPr>
+              <a:t>COPY</a:t>
+            </a:r>
+            <a:r>
+              <a:rPr lang="en-US" altLang="zh-TW" dirty="0"/>
+              <a:t> : ( almost same as ADD ) but copy is preferred</a:t>
+            </a:r>
+            <a:r>
+              <a:rPr lang="en-US" altLang="zh-TW" baseline="30000" dirty="0"/>
+              <a:t>1</a:t>
+            </a:r>
+          </a:p>
+          <a:p>
+            <a:pPr lvl="2"/>
+            <a:r>
+              <a:rPr lang="en-US" altLang="zh-TW" sz="1600" dirty="0"/>
+              <a:t>COPY [--</a:t>
+            </a:r>
+            <a:r>
+              <a:rPr lang="en-US" altLang="zh-TW" sz="1600" dirty="0" err="1"/>
+              <a:t>chown</a:t>
+            </a:r>
+            <a:r>
+              <a:rPr lang="en-US" altLang="zh-TW" sz="1600" dirty="0"/>
+              <a:t>=&lt;user&gt;:&lt;group&gt;] &lt;</a:t>
+            </a:r>
+            <a:r>
+              <a:rPr lang="en-US" altLang="zh-TW" sz="1600" dirty="0" err="1"/>
+              <a:t>src</a:t>
+            </a:r>
+            <a:r>
+              <a:rPr lang="en-US" altLang="zh-TW" sz="1600" dirty="0"/>
+              <a:t>&gt;... &lt;</a:t>
+            </a:r>
+            <a:r>
+              <a:rPr lang="en-US" altLang="zh-TW" sz="1600" dirty="0" err="1"/>
+              <a:t>dest</a:t>
+            </a:r>
+            <a:r>
+              <a:rPr lang="en-US" altLang="zh-TW" sz="1600" dirty="0"/>
+              <a:t>&gt;</a:t>
+            </a:r>
+          </a:p>
+          <a:p>
+            <a:pPr lvl="2"/>
+            <a:r>
+              <a:rPr lang="en-US" altLang="zh-TW" dirty="0"/>
+              <a:t>*The directory itself is not copied, just its contents.</a:t>
+            </a:r>
+          </a:p>
+          <a:p>
+            <a:pPr lvl="1"/>
+            <a:r>
+              <a:rPr lang="en-US" altLang="zh-TW" dirty="0">
+                <a:hlinkClick r:id="rId3"/>
+              </a:rPr>
+              <a:t>EXPOSE</a:t>
+            </a:r>
+            <a:r>
+              <a:rPr lang="en-US" altLang="zh-TW" dirty="0"/>
+              <a:t> : specifies the port to listen on</a:t>
+            </a:r>
+          </a:p>
+          <a:p>
+            <a:pPr lvl="2"/>
+            <a:r>
+              <a:rPr lang="en-US" altLang="zh-TW" dirty="0"/>
+              <a:t>EXPOSE 80/</a:t>
+            </a:r>
+            <a:r>
+              <a:rPr lang="en-US" altLang="zh-TW" dirty="0" err="1"/>
+              <a:t>tcp</a:t>
+            </a:r>
+            <a:endParaRPr lang="en-US" altLang="zh-TW" dirty="0"/>
+          </a:p>
+          <a:p>
+            <a:pPr lvl="2"/>
+            <a:r>
+              <a:rPr lang="en-US" altLang="zh-TW" dirty="0"/>
+              <a:t>EXPOSE 80/</a:t>
+            </a:r>
+            <a:r>
+              <a:rPr lang="en-US" altLang="zh-TW" dirty="0" err="1"/>
+              <a:t>udp</a:t>
+            </a:r>
+            <a:endParaRPr lang="en-US" altLang="zh-TW" dirty="0"/>
+          </a:p>
+          <a:p>
+            <a:pPr lvl="1"/>
+            <a:r>
+              <a:rPr lang="en-US" altLang="zh-TW" dirty="0">
+                <a:hlinkClick r:id="rId4"/>
+              </a:rPr>
+              <a:t>CMD</a:t>
+            </a:r>
+            <a:r>
+              <a:rPr lang="en-US" altLang="zh-TW" dirty="0"/>
+              <a:t> : provide defaults for an executing container</a:t>
+            </a:r>
+          </a:p>
+          <a:p>
+            <a:pPr lvl="2"/>
+            <a:r>
+              <a:rPr lang="en-US" altLang="zh-TW" dirty="0"/>
+              <a:t>CMD ["executable","param1","param2"]</a:t>
+            </a:r>
+          </a:p>
+          <a:p>
+            <a:pPr lvl="1"/>
+            <a:r>
+              <a:rPr lang="en-US" altLang="zh-TW" dirty="0">
+                <a:hlinkClick r:id="rId5"/>
+              </a:rPr>
+              <a:t>ENTRYPOINT</a:t>
+            </a:r>
+            <a:r>
+              <a:rPr lang="en-US" altLang="zh-TW" dirty="0"/>
+              <a:t> : let a container run as an executable</a:t>
+            </a:r>
+          </a:p>
+          <a:p>
+            <a:pPr lvl="2"/>
+            <a:r>
+              <a:rPr lang="en-US" altLang="zh-TW" dirty="0"/>
+              <a:t>ENTRYPOINT ["executable", "param1", "param2"]</a:t>
+            </a:r>
+          </a:p>
+          <a:p>
+            <a:pPr lvl="2"/>
+            <a:r>
+              <a:rPr lang="en-US" altLang="zh-TW" dirty="0" err="1">
+                <a:hlinkClick r:id="rId6"/>
+              </a:rPr>
+              <a:t>cmd</a:t>
+            </a:r>
+            <a:r>
+              <a:rPr lang="en-US" altLang="zh-TW" dirty="0">
+                <a:hlinkClick r:id="rId6"/>
+              </a:rPr>
+              <a:t> &amp; </a:t>
+            </a:r>
+            <a:r>
+              <a:rPr lang="en-US" altLang="zh-TW" dirty="0" err="1">
+                <a:hlinkClick r:id="rId6"/>
+              </a:rPr>
+              <a:t>entrypoint</a:t>
+            </a:r>
+            <a:endParaRPr lang="en-US" altLang="zh-TW" dirty="0"/>
+          </a:p>
+          <a:p>
+            <a:pPr lvl="1"/>
+            <a:r>
+              <a:rPr lang="en-US" altLang="zh-TW" dirty="0">
+                <a:hlinkClick r:id="rId7"/>
+              </a:rPr>
+              <a:t>ENV</a:t>
+            </a:r>
+            <a:r>
+              <a:rPr lang="en-US" altLang="zh-TW" dirty="0"/>
+              <a:t> : environment </a:t>
+            </a:r>
+            <a:r>
+              <a:rPr lang="en-US" altLang="zh-TW" dirty="0" err="1"/>
+              <a:t>varables</a:t>
+            </a:r>
+            <a:endParaRPr lang="en-US" altLang="zh-TW" dirty="0"/>
+          </a:p>
+          <a:p>
+            <a:pPr lvl="1"/>
+            <a:r>
+              <a:rPr lang="en-US" altLang="zh-TW" dirty="0">
+                <a:hlinkClick r:id="rId8"/>
+              </a:rPr>
+              <a:t>VOLUME</a:t>
+            </a:r>
+            <a:r>
+              <a:rPr lang="en-US" altLang="zh-TW" dirty="0"/>
+              <a:t> :</a:t>
+            </a:r>
+            <a:r>
+              <a:rPr lang="zh-TW" altLang="en-US" dirty="0"/>
+              <a:t> </a:t>
+            </a:r>
+            <a:endParaRPr lang="en-US" altLang="zh-TW" dirty="0"/>
+          </a:p>
+          <a:p>
+            <a:pPr lvl="2"/>
+            <a:r>
+              <a:rPr lang="en-US" altLang="zh-TW" sz="1600" dirty="0"/>
+              <a:t>VOLUME ["/data"]</a:t>
+            </a:r>
+            <a:endParaRPr lang="en-US" altLang="zh-TW" dirty="0"/>
+          </a:p>
+          <a:p>
             <a:endParaRPr lang="zh-TW" altLang="en-US" dirty="0"/>
+          </a:p>
+        </p:txBody>
+      </p:sp>
+      <p:sp>
+        <p:nvSpPr>
+          <p:cNvPr id="4" name="矩形 3">
+            <a:extLst>
+              <a:ext uri="{FF2B5EF4-FFF2-40B4-BE49-F238E27FC236}">
+                <a16:creationId xmlns:a16="http://schemas.microsoft.com/office/drawing/2014/main" id="{A833EEEB-EBF5-423E-B91D-517CAB8569D4}"/>
+              </a:ext>
+            </a:extLst>
+          </p:cNvPr>
+          <p:cNvSpPr/>
+          <p:nvPr/>
+        </p:nvSpPr>
+        <p:spPr>
+          <a:xfrm>
+            <a:off x="1097280" y="1922970"/>
+            <a:ext cx="6096000" cy="4725396"/>
+          </a:xfrm>
+          <a:prstGeom prst="rect">
+            <a:avLst/>
+          </a:prstGeom>
+        </p:spPr>
+        <p:txBody>
+          <a:bodyPr vert="horz" lIns="0" tIns="45720" rIns="0" bIns="45720" rtlCol="0">
+            <a:normAutofit/>
+          </a:bodyPr>
+          <a:lstStyle/>
+          <a:p>
+            <a:pPr marL="91440" indent="-91440" defTabSz="914400">
+              <a:lnSpc>
+                <a:spcPct val="90000"/>
+              </a:lnSpc>
+              <a:spcBef>
+                <a:spcPts val="1200"/>
+              </a:spcBef>
+              <a:spcAft>
+                <a:spcPts val="200"/>
+              </a:spcAft>
+              <a:buClr>
+                <a:schemeClr val="accent1"/>
+              </a:buClr>
+              <a:buSzPct val="100000"/>
+              <a:buFont typeface="Calibri" panose="020F0502020204030204" pitchFamily="34" charset="0"/>
+              <a:buChar char=" "/>
+            </a:pPr>
+            <a:r>
+              <a:rPr lang="en-US" altLang="zh-TW" sz="2000" dirty="0">
+                <a:solidFill>
+                  <a:schemeClr val="tx1">
+                    <a:lumMod val="75000"/>
+                    <a:lumOff val="25000"/>
+                  </a:schemeClr>
+                </a:solidFill>
+              </a:rPr>
+              <a:t>INSTRUCTION</a:t>
+            </a:r>
+          </a:p>
+          <a:p>
+            <a:pPr marL="384048" lvl="1" indent="-182880" defTabSz="914400">
+              <a:lnSpc>
+                <a:spcPct val="90000"/>
+              </a:lnSpc>
+              <a:spcBef>
+                <a:spcPts val="200"/>
+              </a:spcBef>
+              <a:spcAft>
+                <a:spcPts val="400"/>
+              </a:spcAft>
+              <a:buClr>
+                <a:schemeClr val="accent1"/>
+              </a:buClr>
+              <a:buFont typeface="Calibri" pitchFamily="34" charset="0"/>
+              <a:buChar char="◦"/>
+            </a:pPr>
+            <a:r>
+              <a:rPr lang="en-US" altLang="zh-TW" dirty="0">
+                <a:solidFill>
+                  <a:schemeClr val="tx1">
+                    <a:lumMod val="75000"/>
+                    <a:lumOff val="25000"/>
+                  </a:schemeClr>
+                </a:solidFill>
+                <a:hlinkClick r:id="rId9"/>
+              </a:rPr>
+              <a:t>FROM</a:t>
+            </a:r>
+            <a:r>
+              <a:rPr lang="en-US" altLang="zh-TW" dirty="0">
+                <a:solidFill>
+                  <a:schemeClr val="tx1">
+                    <a:lumMod val="75000"/>
+                    <a:lumOff val="25000"/>
+                  </a:schemeClr>
+                </a:solidFill>
+              </a:rPr>
+              <a:t> :The base of the image</a:t>
+            </a:r>
+          </a:p>
+          <a:p>
+            <a:pPr marL="566928" lvl="2" indent="-182880" defTabSz="914400">
+              <a:lnSpc>
+                <a:spcPct val="90000"/>
+              </a:lnSpc>
+              <a:spcBef>
+                <a:spcPts val="200"/>
+              </a:spcBef>
+              <a:spcAft>
+                <a:spcPts val="400"/>
+              </a:spcAft>
+              <a:buClr>
+                <a:schemeClr val="accent1"/>
+              </a:buClr>
+              <a:buFont typeface="Calibri" pitchFamily="34" charset="0"/>
+              <a:buChar char="◦"/>
+            </a:pPr>
+            <a:r>
+              <a:rPr lang="en-US" altLang="zh-TW" sz="1600" dirty="0">
+                <a:solidFill>
+                  <a:schemeClr val="tx1">
+                    <a:lumMod val="75000"/>
+                    <a:lumOff val="25000"/>
+                  </a:schemeClr>
+                </a:solidFill>
+              </a:rPr>
+              <a:t>FROM &lt;image&gt;[:&lt;tag&gt;] [AS &lt;name&gt;]</a:t>
+            </a:r>
+          </a:p>
+          <a:p>
+            <a:pPr marL="384048" lvl="1" indent="-182880" defTabSz="914400">
+              <a:lnSpc>
+                <a:spcPct val="90000"/>
+              </a:lnSpc>
+              <a:spcBef>
+                <a:spcPts val="200"/>
+              </a:spcBef>
+              <a:spcAft>
+                <a:spcPts val="400"/>
+              </a:spcAft>
+              <a:buClr>
+                <a:schemeClr val="accent1"/>
+              </a:buClr>
+              <a:buFont typeface="Calibri" pitchFamily="34" charset="0"/>
+              <a:buChar char="◦"/>
+            </a:pPr>
+            <a:r>
+              <a:rPr lang="en-US" altLang="zh-TW" dirty="0">
+                <a:solidFill>
+                  <a:schemeClr val="tx1">
+                    <a:lumMod val="75000"/>
+                    <a:lumOff val="25000"/>
+                  </a:schemeClr>
+                </a:solidFill>
+                <a:hlinkClick r:id="rId10"/>
+              </a:rPr>
+              <a:t>WORKDIR</a:t>
+            </a:r>
+            <a:r>
+              <a:rPr lang="zh-TW" altLang="en-US" dirty="0">
+                <a:solidFill>
+                  <a:schemeClr val="tx1">
+                    <a:lumMod val="75000"/>
+                    <a:lumOff val="25000"/>
+                  </a:schemeClr>
+                </a:solidFill>
+              </a:rPr>
+              <a:t> </a:t>
+            </a:r>
+            <a:r>
+              <a:rPr lang="en-US" altLang="zh-TW" dirty="0">
+                <a:solidFill>
+                  <a:schemeClr val="tx1">
+                    <a:lumMod val="75000"/>
+                    <a:lumOff val="25000"/>
+                  </a:schemeClr>
+                </a:solidFill>
+              </a:rPr>
+              <a:t>:</a:t>
+            </a:r>
+            <a:r>
+              <a:rPr lang="zh-TW" altLang="en-US" dirty="0">
+                <a:solidFill>
+                  <a:schemeClr val="tx1">
+                    <a:lumMod val="75000"/>
+                    <a:lumOff val="25000"/>
+                  </a:schemeClr>
+                </a:solidFill>
+              </a:rPr>
+              <a:t> </a:t>
+            </a:r>
+            <a:endParaRPr lang="en-US" altLang="zh-TW" dirty="0">
+              <a:solidFill>
+                <a:schemeClr val="tx1">
+                  <a:lumMod val="75000"/>
+                  <a:lumOff val="25000"/>
+                </a:schemeClr>
+              </a:solidFill>
+            </a:endParaRPr>
+          </a:p>
+          <a:p>
+            <a:pPr marL="566928" lvl="2" indent="-182880" defTabSz="914400">
+              <a:lnSpc>
+                <a:spcPct val="90000"/>
+              </a:lnSpc>
+              <a:spcBef>
+                <a:spcPts val="200"/>
+              </a:spcBef>
+              <a:spcAft>
+                <a:spcPts val="400"/>
+              </a:spcAft>
+              <a:buClr>
+                <a:schemeClr val="accent1"/>
+              </a:buClr>
+              <a:buFont typeface="Calibri" pitchFamily="34" charset="0"/>
+              <a:buChar char="◦"/>
+            </a:pPr>
+            <a:r>
+              <a:rPr lang="en-US" altLang="zh-TW" sz="1600" dirty="0">
+                <a:solidFill>
+                  <a:schemeClr val="tx1">
+                    <a:lumMod val="75000"/>
+                    <a:lumOff val="25000"/>
+                  </a:schemeClr>
+                </a:solidFill>
+              </a:rPr>
+              <a:t>WORKDIR /path/to/</a:t>
+            </a:r>
+            <a:r>
+              <a:rPr lang="en-US" altLang="zh-TW" sz="1600" dirty="0" err="1">
+                <a:solidFill>
+                  <a:schemeClr val="tx1">
+                    <a:lumMod val="75000"/>
+                    <a:lumOff val="25000"/>
+                  </a:schemeClr>
+                </a:solidFill>
+              </a:rPr>
+              <a:t>workdir</a:t>
+            </a:r>
+            <a:endParaRPr lang="en-US" altLang="zh-TW" sz="1600" dirty="0">
+              <a:solidFill>
+                <a:schemeClr val="tx1">
+                  <a:lumMod val="75000"/>
+                  <a:lumOff val="25000"/>
+                </a:schemeClr>
+              </a:solidFill>
+            </a:endParaRPr>
+          </a:p>
+          <a:p>
+            <a:pPr marL="384048" lvl="1" indent="-182880" defTabSz="914400">
+              <a:lnSpc>
+                <a:spcPct val="90000"/>
+              </a:lnSpc>
+              <a:spcBef>
+                <a:spcPts val="200"/>
+              </a:spcBef>
+              <a:spcAft>
+                <a:spcPts val="400"/>
+              </a:spcAft>
+              <a:buClr>
+                <a:schemeClr val="accent1"/>
+              </a:buClr>
+              <a:buFont typeface="Calibri" pitchFamily="34" charset="0"/>
+              <a:buChar char="◦"/>
+            </a:pPr>
+            <a:r>
+              <a:rPr lang="en-US" altLang="zh-TW" dirty="0">
+                <a:solidFill>
+                  <a:schemeClr val="tx1">
+                    <a:lumMod val="75000"/>
+                    <a:lumOff val="25000"/>
+                  </a:schemeClr>
+                </a:solidFill>
+                <a:hlinkClick r:id="rId11"/>
+              </a:rPr>
+              <a:t>USER</a:t>
+            </a:r>
+            <a:r>
+              <a:rPr lang="zh-TW" altLang="en-US" dirty="0">
+                <a:solidFill>
+                  <a:schemeClr val="tx1">
+                    <a:lumMod val="75000"/>
+                    <a:lumOff val="25000"/>
+                  </a:schemeClr>
+                </a:solidFill>
+              </a:rPr>
+              <a:t> </a:t>
+            </a:r>
+            <a:r>
+              <a:rPr lang="en-US" altLang="zh-TW" dirty="0">
+                <a:solidFill>
+                  <a:schemeClr val="tx1">
+                    <a:lumMod val="75000"/>
+                    <a:lumOff val="25000"/>
+                  </a:schemeClr>
+                </a:solidFill>
+              </a:rPr>
+              <a:t>:</a:t>
+            </a:r>
+            <a:r>
+              <a:rPr lang="zh-TW" altLang="en-US" dirty="0">
+                <a:solidFill>
+                  <a:schemeClr val="tx1">
+                    <a:lumMod val="75000"/>
+                    <a:lumOff val="25000"/>
+                  </a:schemeClr>
+                </a:solidFill>
+              </a:rPr>
+              <a:t> </a:t>
+            </a:r>
+            <a:endParaRPr lang="en-US" altLang="zh-TW" dirty="0">
+              <a:solidFill>
+                <a:schemeClr val="tx1">
+                  <a:lumMod val="75000"/>
+                  <a:lumOff val="25000"/>
+                </a:schemeClr>
+              </a:solidFill>
+            </a:endParaRPr>
+          </a:p>
+          <a:p>
+            <a:pPr marL="566928" lvl="2" indent="-182880" defTabSz="914400">
+              <a:lnSpc>
+                <a:spcPct val="90000"/>
+              </a:lnSpc>
+              <a:spcBef>
+                <a:spcPts val="200"/>
+              </a:spcBef>
+              <a:spcAft>
+                <a:spcPts val="400"/>
+              </a:spcAft>
+              <a:buClr>
+                <a:schemeClr val="accent1"/>
+              </a:buClr>
+              <a:buFont typeface="Calibri" pitchFamily="34" charset="0"/>
+              <a:buChar char="◦"/>
+            </a:pPr>
+            <a:r>
+              <a:rPr lang="en-US" altLang="zh-TW" sz="1600" dirty="0">
+                <a:solidFill>
+                  <a:schemeClr val="tx1">
+                    <a:lumMod val="75000"/>
+                    <a:lumOff val="25000"/>
+                  </a:schemeClr>
+                </a:solidFill>
+              </a:rPr>
+              <a:t>USER &lt;user&gt;[:&lt;group&gt;]</a:t>
+            </a:r>
+          </a:p>
+          <a:p>
+            <a:pPr marL="566928" lvl="2" indent="-182880" defTabSz="914400">
+              <a:lnSpc>
+                <a:spcPct val="90000"/>
+              </a:lnSpc>
+              <a:spcBef>
+                <a:spcPts val="200"/>
+              </a:spcBef>
+              <a:spcAft>
+                <a:spcPts val="400"/>
+              </a:spcAft>
+              <a:buClr>
+                <a:schemeClr val="accent1"/>
+              </a:buClr>
+              <a:buFont typeface="Calibri" pitchFamily="34" charset="0"/>
+              <a:buChar char="◦"/>
+            </a:pPr>
+            <a:r>
+              <a:rPr lang="en-US" altLang="zh-TW" sz="1600" dirty="0">
+                <a:solidFill>
+                  <a:schemeClr val="tx1">
+                    <a:lumMod val="75000"/>
+                    <a:lumOff val="25000"/>
+                  </a:schemeClr>
+                </a:solidFill>
+              </a:rPr>
+              <a:t>USER &lt;UID&gt;[:&lt;GID&gt;]</a:t>
+            </a:r>
+          </a:p>
+          <a:p>
+            <a:pPr marL="384048" lvl="1" indent="-182880" defTabSz="914400">
+              <a:lnSpc>
+                <a:spcPct val="90000"/>
+              </a:lnSpc>
+              <a:spcBef>
+                <a:spcPts val="200"/>
+              </a:spcBef>
+              <a:spcAft>
+                <a:spcPts val="400"/>
+              </a:spcAft>
+              <a:buClr>
+                <a:schemeClr val="accent1"/>
+              </a:buClr>
+              <a:buFont typeface="Calibri" pitchFamily="34" charset="0"/>
+              <a:buChar char="◦"/>
+            </a:pPr>
+            <a:r>
+              <a:rPr lang="en-US" altLang="zh-TW" dirty="0">
+                <a:solidFill>
+                  <a:schemeClr val="tx1">
+                    <a:lumMod val="75000"/>
+                    <a:lumOff val="25000"/>
+                  </a:schemeClr>
+                </a:solidFill>
+                <a:hlinkClick r:id="rId12"/>
+              </a:rPr>
+              <a:t>LABEL</a:t>
+            </a:r>
+            <a:r>
+              <a:rPr lang="en-US" altLang="zh-TW" dirty="0">
+                <a:solidFill>
+                  <a:schemeClr val="tx1">
+                    <a:lumMod val="75000"/>
+                    <a:lumOff val="25000"/>
+                  </a:schemeClr>
+                </a:solidFill>
+              </a:rPr>
+              <a:t> : metadata for image</a:t>
+            </a:r>
+          </a:p>
+          <a:p>
+            <a:pPr marL="384048" lvl="1" indent="-182880" defTabSz="914400">
+              <a:lnSpc>
+                <a:spcPct val="90000"/>
+              </a:lnSpc>
+              <a:spcBef>
+                <a:spcPts val="200"/>
+              </a:spcBef>
+              <a:spcAft>
+                <a:spcPts val="400"/>
+              </a:spcAft>
+              <a:buClr>
+                <a:schemeClr val="accent1"/>
+              </a:buClr>
+              <a:buFont typeface="Calibri" pitchFamily="34" charset="0"/>
+              <a:buChar char="◦"/>
+            </a:pPr>
+            <a:r>
+              <a:rPr lang="en-US" altLang="zh-TW" dirty="0">
+                <a:solidFill>
+                  <a:schemeClr val="tx1">
+                    <a:lumMod val="75000"/>
+                    <a:lumOff val="25000"/>
+                  </a:schemeClr>
+                </a:solidFill>
+                <a:hlinkClick r:id="rId13"/>
+              </a:rPr>
+              <a:t>RUN</a:t>
+            </a:r>
+            <a:r>
+              <a:rPr lang="en-US" altLang="zh-TW" dirty="0">
+                <a:solidFill>
+                  <a:schemeClr val="tx1">
+                    <a:lumMod val="75000"/>
+                    <a:lumOff val="25000"/>
+                  </a:schemeClr>
+                </a:solidFill>
+              </a:rPr>
+              <a:t> : execute a command</a:t>
+            </a:r>
+          </a:p>
+          <a:p>
+            <a:pPr marL="566928" lvl="2" indent="-182880" defTabSz="914400">
+              <a:lnSpc>
+                <a:spcPct val="90000"/>
+              </a:lnSpc>
+              <a:spcBef>
+                <a:spcPts val="200"/>
+              </a:spcBef>
+              <a:spcAft>
+                <a:spcPts val="400"/>
+              </a:spcAft>
+              <a:buClr>
+                <a:schemeClr val="accent1"/>
+              </a:buClr>
+              <a:buFont typeface="Calibri" pitchFamily="34" charset="0"/>
+              <a:buChar char="◦"/>
+            </a:pPr>
+            <a:r>
+              <a:rPr lang="en-US" altLang="zh-TW" sz="1600" dirty="0">
+                <a:solidFill>
+                  <a:schemeClr val="tx1">
+                    <a:lumMod val="75000"/>
+                    <a:lumOff val="25000"/>
+                  </a:schemeClr>
+                </a:solidFill>
+              </a:rPr>
+              <a:t>RUN &lt;command&gt;</a:t>
+            </a:r>
+          </a:p>
+          <a:p>
+            <a:pPr marL="566928" lvl="2" indent="-182880" defTabSz="914400">
+              <a:lnSpc>
+                <a:spcPct val="90000"/>
+              </a:lnSpc>
+              <a:spcBef>
+                <a:spcPts val="200"/>
+              </a:spcBef>
+              <a:spcAft>
+                <a:spcPts val="400"/>
+              </a:spcAft>
+              <a:buClr>
+                <a:schemeClr val="accent1"/>
+              </a:buClr>
+              <a:buFont typeface="Calibri" pitchFamily="34" charset="0"/>
+              <a:buChar char="◦"/>
+            </a:pPr>
+            <a:r>
+              <a:rPr lang="en-US" altLang="zh-TW" sz="1600" dirty="0">
+                <a:solidFill>
+                  <a:schemeClr val="tx1">
+                    <a:lumMod val="75000"/>
+                    <a:lumOff val="25000"/>
+                  </a:schemeClr>
+                </a:solidFill>
+              </a:rPr>
+              <a:t>RUN ["executable", "param1", "param2"]</a:t>
+            </a:r>
+          </a:p>
+          <a:p>
+            <a:pPr marL="566928" lvl="2" indent="-182880" defTabSz="914400">
+              <a:lnSpc>
+                <a:spcPct val="90000"/>
+              </a:lnSpc>
+              <a:spcBef>
+                <a:spcPts val="200"/>
+              </a:spcBef>
+              <a:spcAft>
+                <a:spcPts val="400"/>
+              </a:spcAft>
+              <a:buClr>
+                <a:schemeClr val="accent1"/>
+              </a:buClr>
+              <a:buFont typeface="Calibri" pitchFamily="34" charset="0"/>
+              <a:buChar char="◦"/>
+            </a:pPr>
+            <a:r>
+              <a:rPr lang="en-US" altLang="zh-TW" sz="1600" dirty="0">
+                <a:solidFill>
+                  <a:schemeClr val="tx1">
+                    <a:lumMod val="75000"/>
+                    <a:lumOff val="25000"/>
+                  </a:schemeClr>
+                </a:solidFill>
+              </a:rPr>
+              <a:t>RUN [ "</a:t>
+            </a:r>
+            <a:r>
+              <a:rPr lang="en-US" altLang="zh-TW" sz="1600" dirty="0" err="1">
+                <a:solidFill>
+                  <a:schemeClr val="tx1">
+                    <a:lumMod val="75000"/>
+                    <a:lumOff val="25000"/>
+                  </a:schemeClr>
+                </a:solidFill>
+              </a:rPr>
+              <a:t>sh</a:t>
+            </a:r>
+            <a:r>
+              <a:rPr lang="en-US" altLang="zh-TW" sz="1600" dirty="0">
+                <a:solidFill>
+                  <a:schemeClr val="tx1">
+                    <a:lumMod val="75000"/>
+                    <a:lumOff val="25000"/>
+                  </a:schemeClr>
+                </a:solidFill>
+              </a:rPr>
+              <a:t>", "-c", "echo $HOME" ]</a:t>
+            </a:r>
           </a:p>
         </p:txBody>
       </p:sp>
     </p:spTree>
     <p:extLst>
       <p:ext uri="{BB962C8B-B14F-4D97-AF65-F5344CB8AC3E}">
-        <p14:creationId xmlns:p14="http://schemas.microsoft.com/office/powerpoint/2010/main" val="2232824169"/>
+        <p14:creationId xmlns:p14="http://schemas.microsoft.com/office/powerpoint/2010/main" val="3884591709"/>
       </p:ext>
     </p:extLst>
   </p:cSld>
@@ -4620,7 +5525,7 @@
 </p:sld>
 </file>
 
-<file path=ppt/slides/slide10.xml><?xml version="1.0" encoding="utf-8"?>
+<file path=ppt/slides/slide11.xml><?xml version="1.0" encoding="utf-8"?>
 <p:sld xmlns:a="http://schemas.openxmlformats.org/drawingml/2006/main" xmlns:r="http://schemas.openxmlformats.org/officeDocument/2006/relationships" xmlns:p="http://schemas.openxmlformats.org/presentationml/2006/main">
   <p:cSld>
     <p:spTree>
@@ -5080,7 +5985,7 @@
 </p:sld>
 </file>
 
-<file path=ppt/slides/slide11.xml><?xml version="1.0" encoding="utf-8"?>
+<file path=ppt/slides/slide12.xml><?xml version="1.0" encoding="utf-8"?>
 <p:sld xmlns:a="http://schemas.openxmlformats.org/drawingml/2006/main" xmlns:r="http://schemas.openxmlformats.org/officeDocument/2006/relationships" xmlns:p="http://schemas.openxmlformats.org/presentationml/2006/main">
   <p:cSld>
     <p:bg>
@@ -5293,7 +6198,7 @@
 </p:sld>
 </file>
 
-<file path=ppt/slides/slide12.xml><?xml version="1.0" encoding="utf-8"?>
+<file path=ppt/slides/slide13.xml><?xml version="1.0" encoding="utf-8"?>
 <p:sld xmlns:a="http://schemas.openxmlformats.org/drawingml/2006/main" xmlns:r="http://schemas.openxmlformats.org/officeDocument/2006/relationships" xmlns:p="http://schemas.openxmlformats.org/presentationml/2006/main">
   <p:cSld>
     <p:spTree>
@@ -5463,7 +6368,7 @@
 </p:sld>
 </file>
 
-<file path=ppt/slides/slide13.xml><?xml version="1.0" encoding="utf-8"?>
+<file path=ppt/slides/slide14.xml><?xml version="1.0" encoding="utf-8"?>
 <p:sld xmlns:a="http://schemas.openxmlformats.org/drawingml/2006/main" xmlns:r="http://schemas.openxmlformats.org/officeDocument/2006/relationships" xmlns:p="http://schemas.openxmlformats.org/presentationml/2006/main">
   <p:cSld>
     <p:spTree>
@@ -5791,7 +6696,7 @@
 </p:sld>
 </file>
 
-<file path=ppt/slides/slide14.xml><?xml version="1.0" encoding="utf-8"?>
+<file path=ppt/slides/slide15.xml><?xml version="1.0" encoding="utf-8"?>
 <p:sld xmlns:a="http://schemas.openxmlformats.org/drawingml/2006/main" xmlns:r="http://schemas.openxmlformats.org/officeDocument/2006/relationships" xmlns:p="http://schemas.openxmlformats.org/presentationml/2006/main">
   <p:cSld>
     <p:spTree>
@@ -5912,7 +6817,7 @@
 </p:sld>
 </file>
 
-<file path=ppt/slides/slide15.xml><?xml version="1.0" encoding="utf-8"?>
+<file path=ppt/slides/slide16.xml><?xml version="1.0" encoding="utf-8"?>
 <p:sld xmlns:a="http://schemas.openxmlformats.org/drawingml/2006/main" xmlns:r="http://schemas.openxmlformats.org/officeDocument/2006/relationships" xmlns:p="http://schemas.openxmlformats.org/presentationml/2006/main">
   <p:cSld>
     <p:spTree>
@@ -6084,7 +6989,7 @@
 </p:sld>
 </file>
 
-<file path=ppt/slides/slide16.xml><?xml version="1.0" encoding="utf-8"?>
+<file path=ppt/slides/slide17.xml><?xml version="1.0" encoding="utf-8"?>
 <p:sld xmlns:a="http://schemas.openxmlformats.org/drawingml/2006/main" xmlns:r="http://schemas.openxmlformats.org/officeDocument/2006/relationships" xmlns:p="http://schemas.openxmlformats.org/presentationml/2006/main">
   <p:cSld>
     <p:spTree>
@@ -6199,7 +7104,7 @@
 </p:sld>
 </file>
 
-<file path=ppt/slides/slide17.xml><?xml version="1.0" encoding="utf-8"?>
+<file path=ppt/slides/slide18.xml><?xml version="1.0" encoding="utf-8"?>
 <p:sld xmlns:a="http://schemas.openxmlformats.org/drawingml/2006/main" xmlns:r="http://schemas.openxmlformats.org/officeDocument/2006/relationships" xmlns:p="http://schemas.openxmlformats.org/presentationml/2006/main">
   <p:cSld>
     <p:spTree>
@@ -6300,7 +7205,7 @@
 </p:sld>
 </file>
 
-<file path=ppt/slides/slide18.xml><?xml version="1.0" encoding="utf-8"?>
+<file path=ppt/slides/slide19.xml><?xml version="1.0" encoding="utf-8"?>
 <p:sld xmlns:a="http://schemas.openxmlformats.org/drawingml/2006/main" xmlns:r="http://schemas.openxmlformats.org/officeDocument/2006/relationships" xmlns:p="http://schemas.openxmlformats.org/presentationml/2006/main">
   <p:cSld>
     <p:spTree>
@@ -6406,7 +7311,112 @@
 </p:sld>
 </file>
 
-<file path=ppt/slides/slide19.xml><?xml version="1.0" encoding="utf-8"?>
+<file path=ppt/slides/slide2.xml><?xml version="1.0" encoding="utf-8"?>
+<p:sld xmlns:a="http://schemas.openxmlformats.org/drawingml/2006/main" xmlns:r="http://schemas.openxmlformats.org/officeDocument/2006/relationships" xmlns:p="http://schemas.openxmlformats.org/presentationml/2006/main">
+  <p:cSld>
+    <p:spTree>
+      <p:nvGrpSpPr>
+        <p:cNvPr id="1" name=""/>
+        <p:cNvGrpSpPr/>
+        <p:nvPr/>
+      </p:nvGrpSpPr>
+      <p:grpSpPr>
+        <a:xfrm>
+          <a:off x="0" y="0"/>
+          <a:ext cx="0" cy="0"/>
+          <a:chOff x="0" y="0"/>
+          <a:chExt cx="0" cy="0"/>
+        </a:xfrm>
+      </p:grpSpPr>
+      <p:sp>
+        <p:nvSpPr>
+          <p:cNvPr id="2" name="標題 1">
+            <a:extLst>
+              <a:ext uri="{FF2B5EF4-FFF2-40B4-BE49-F238E27FC236}">
+                <a16:creationId xmlns:a16="http://schemas.microsoft.com/office/drawing/2014/main" id="{06BB4BF2-EE0F-45CE-B9D7-D8E7A1DC3341}"/>
+              </a:ext>
+            </a:extLst>
+          </p:cNvPr>
+          <p:cNvSpPr>
+            <a:spLocks noGrp="1"/>
+          </p:cNvSpPr>
+          <p:nvPr>
+            <p:ph type="ctrTitle"/>
+          </p:nvPr>
+        </p:nvSpPr>
+        <p:spPr/>
+        <p:txBody>
+          <a:bodyPr/>
+          <a:lstStyle/>
+          <a:p>
+            <a:r>
+              <a:rPr lang="en-US" altLang="zh-TW" dirty="0"/>
+              <a:t>Introduction to </a:t>
+            </a:r>
+            <a:r>
+              <a:rPr lang="en-US" altLang="zh-TW" dirty="0" err="1" smtClean="0"/>
+              <a:t>docker</a:t>
+            </a:r>
+            <a:endParaRPr lang="zh-TW" altLang="en-US" dirty="0"/>
+          </a:p>
+        </p:txBody>
+      </p:sp>
+      <p:sp>
+        <p:nvSpPr>
+          <p:cNvPr id="3" name="副標題 2">
+            <a:extLst>
+              <a:ext uri="{FF2B5EF4-FFF2-40B4-BE49-F238E27FC236}">
+                <a16:creationId xmlns:a16="http://schemas.microsoft.com/office/drawing/2014/main" id="{E49EAB2F-22E4-4F83-B08C-59A358BD231B}"/>
+              </a:ext>
+            </a:extLst>
+          </p:cNvPr>
+          <p:cNvSpPr>
+            <a:spLocks noGrp="1"/>
+          </p:cNvSpPr>
+          <p:nvPr>
+            <p:ph type="subTitle" idx="1"/>
+          </p:nvPr>
+        </p:nvSpPr>
+        <p:spPr/>
+        <p:txBody>
+          <a:bodyPr/>
+          <a:lstStyle/>
+          <a:p>
+            <a:r>
+              <a:rPr lang="en-US" altLang="zh-TW" dirty="0" smtClean="0"/>
+              <a:t>Credits to Meng, Shane</a:t>
+            </a:r>
+          </a:p>
+          <a:p>
+            <a:r>
+              <a:rPr lang="en-US" altLang="zh-TW" dirty="0" smtClean="0"/>
+              <a:t>By BT</a:t>
+            </a:r>
+            <a:endParaRPr lang="zh-TW" altLang="en-US" dirty="0"/>
+          </a:p>
+        </p:txBody>
+      </p:sp>
+    </p:spTree>
+    <p:extLst>
+      <p:ext uri="{BB962C8B-B14F-4D97-AF65-F5344CB8AC3E}">
+        <p14:creationId xmlns:p14="http://schemas.microsoft.com/office/powerpoint/2010/main" val="2232824169"/>
+      </p:ext>
+    </p:extLst>
+  </p:cSld>
+  <p:clrMapOvr>
+    <a:masterClrMapping/>
+  </p:clrMapOvr>
+  <p:timing>
+    <p:tnLst>
+      <p:par>
+        <p:cTn id="1" dur="indefinite" restart="never" nodeType="tmRoot"/>
+      </p:par>
+    </p:tnLst>
+  </p:timing>
+</p:sld>
+</file>
+
+<file path=ppt/slides/slide20.xml><?xml version="1.0" encoding="utf-8"?>
 <p:sld xmlns:a="http://schemas.openxmlformats.org/drawingml/2006/main" xmlns:r="http://schemas.openxmlformats.org/officeDocument/2006/relationships" xmlns:p="http://schemas.openxmlformats.org/presentationml/2006/main">
   <p:cSld>
     <p:spTree>
@@ -6715,160 +7725,7 @@
 </p:sld>
 </file>
 
-<file path=ppt/slides/slide2.xml><?xml version="1.0" encoding="utf-8"?>
-<p:sld xmlns:a="http://schemas.openxmlformats.org/drawingml/2006/main" xmlns:r="http://schemas.openxmlformats.org/officeDocument/2006/relationships" xmlns:p="http://schemas.openxmlformats.org/presentationml/2006/main">
-  <p:cSld>
-    <p:spTree>
-      <p:nvGrpSpPr>
-        <p:cNvPr id="1" name=""/>
-        <p:cNvGrpSpPr/>
-        <p:nvPr/>
-      </p:nvGrpSpPr>
-      <p:grpSpPr>
-        <a:xfrm>
-          <a:off x="0" y="0"/>
-          <a:ext cx="0" cy="0"/>
-          <a:chOff x="0" y="0"/>
-          <a:chExt cx="0" cy="0"/>
-        </a:xfrm>
-      </p:grpSpPr>
-      <p:sp>
-        <p:nvSpPr>
-          <p:cNvPr id="2" name="標題 1">
-            <a:extLst>
-              <a:ext uri="{FF2B5EF4-FFF2-40B4-BE49-F238E27FC236}">
-                <a16:creationId xmlns:a16="http://schemas.microsoft.com/office/drawing/2014/main" id="{77683780-5252-4D80-8260-9153780B5AF7}"/>
-              </a:ext>
-            </a:extLst>
-          </p:cNvPr>
-          <p:cNvSpPr>
-            <a:spLocks noGrp="1"/>
-          </p:cNvSpPr>
-          <p:nvPr>
-            <p:ph type="title"/>
-          </p:nvPr>
-        </p:nvSpPr>
-        <p:spPr/>
-        <p:txBody>
-          <a:bodyPr/>
-          <a:lstStyle/>
-          <a:p>
-            <a:r>
-              <a:rPr lang="en-US" altLang="zh-TW" dirty="0"/>
-              <a:t>Virtualization</a:t>
-            </a:r>
-            <a:endParaRPr lang="zh-TW" altLang="en-US" dirty="0"/>
-          </a:p>
-        </p:txBody>
-      </p:sp>
-      <p:sp>
-        <p:nvSpPr>
-          <p:cNvPr id="3" name="內容版面配置區 2">
-            <a:extLst>
-              <a:ext uri="{FF2B5EF4-FFF2-40B4-BE49-F238E27FC236}">
-                <a16:creationId xmlns:a16="http://schemas.microsoft.com/office/drawing/2014/main" id="{C861FE41-C3B7-4E02-930E-4883CA0795BE}"/>
-              </a:ext>
-            </a:extLst>
-          </p:cNvPr>
-          <p:cNvSpPr>
-            <a:spLocks noGrp="1"/>
-          </p:cNvSpPr>
-          <p:nvPr>
-            <p:ph idx="1"/>
-          </p:nvPr>
-        </p:nvSpPr>
-        <p:spPr>
-          <a:xfrm>
-            <a:off x="1097280" y="1845734"/>
-            <a:ext cx="10058400" cy="1450757"/>
-          </a:xfrm>
-        </p:spPr>
-        <p:txBody>
-          <a:bodyPr/>
-          <a:lstStyle/>
-          <a:p>
-            <a:pPr>
-              <a:buFont typeface="Wingdings" panose="05000000000000000000" pitchFamily="2" charset="2"/>
-              <a:buChar char="ü"/>
-            </a:pPr>
-            <a:r>
-              <a:rPr lang="en-US" altLang="zh-TW" dirty="0"/>
-              <a:t>Allows multiple simulated environments or dedicated resources from a single hardware</a:t>
-            </a:r>
-          </a:p>
-          <a:p>
-            <a:pPr>
-              <a:buFont typeface="Wingdings" panose="05000000000000000000" pitchFamily="2" charset="2"/>
-              <a:buChar char="ü"/>
-            </a:pPr>
-            <a:r>
-              <a:rPr lang="en-US" altLang="zh-TW" dirty="0"/>
-              <a:t>Hardware independent( as long as it runs the virtualized environment )</a:t>
-            </a:r>
-          </a:p>
-          <a:p>
-            <a:pPr>
-              <a:buFont typeface="Wingdings" panose="05000000000000000000" pitchFamily="2" charset="2"/>
-              <a:buChar char="ü"/>
-            </a:pPr>
-            <a:r>
-              <a:rPr lang="en-US" altLang="zh-TW" dirty="0"/>
-              <a:t>Higher utilization </a:t>
-            </a:r>
-            <a:endParaRPr lang="zh-TW" altLang="en-US" dirty="0"/>
-          </a:p>
-        </p:txBody>
-      </p:sp>
-      <p:pic>
-        <p:nvPicPr>
-          <p:cNvPr id="4" name="圖片 3">
-            <a:extLst>
-              <a:ext uri="{FF2B5EF4-FFF2-40B4-BE49-F238E27FC236}">
-                <a16:creationId xmlns:a16="http://schemas.microsoft.com/office/drawing/2014/main" id="{138B67D3-27CC-427B-91F7-43FFC550B003}"/>
-              </a:ext>
-            </a:extLst>
-          </p:cNvPr>
-          <p:cNvPicPr>
-            <a:picLocks noChangeAspect="1"/>
-          </p:cNvPicPr>
-          <p:nvPr/>
-        </p:nvPicPr>
-        <p:blipFill rotWithShape="1">
-          <a:blip r:embed="rId3"/>
-          <a:srcRect r="53416"/>
-          <a:stretch/>
-        </p:blipFill>
-        <p:spPr>
-          <a:xfrm>
-            <a:off x="9119890" y="3808114"/>
-            <a:ext cx="2900475" cy="2410567"/>
-          </a:xfrm>
-          <a:prstGeom prst="rect">
-            <a:avLst/>
-          </a:prstGeom>
-        </p:spPr>
-      </p:pic>
-    </p:spTree>
-    <p:extLst>
-      <p:ext uri="{BB962C8B-B14F-4D97-AF65-F5344CB8AC3E}">
-        <p14:creationId xmlns:p14="http://schemas.microsoft.com/office/powerpoint/2010/main" val="2514766030"/>
-      </p:ext>
-    </p:extLst>
-  </p:cSld>
-  <p:clrMapOvr>
-    <a:masterClrMapping/>
-  </p:clrMapOvr>
-  <p:timing>
-    <p:tnLst>
-      <p:par>
-        <p:cTn id="1" dur="indefinite" restart="never" nodeType="tmRoot"/>
-      </p:par>
-    </p:tnLst>
-  </p:timing>
-</p:sld>
-</file>
-
-<file path=ppt/slides/slide20.xml><?xml version="1.0" encoding="utf-8"?>
+<file path=ppt/slides/slide21.xml><?xml version="1.0" encoding="utf-8"?>
 <p:sld xmlns:a="http://schemas.openxmlformats.org/drawingml/2006/main" xmlns:r="http://schemas.openxmlformats.org/officeDocument/2006/relationships" xmlns:p="http://schemas.openxmlformats.org/presentationml/2006/main">
   <p:cSld>
     <p:spTree>
@@ -7852,82 +8709,6 @@
 </p:sld>
 </file>
 
-<file path=ppt/slides/slide21.xml><?xml version="1.0" encoding="utf-8"?>
-<p:sld xmlns:a="http://schemas.openxmlformats.org/drawingml/2006/main" xmlns:r="http://schemas.openxmlformats.org/officeDocument/2006/relationships" xmlns:p="http://schemas.openxmlformats.org/presentationml/2006/main">
-  <p:cSld>
-    <p:spTree>
-      <p:nvGrpSpPr>
-        <p:cNvPr id="1" name=""/>
-        <p:cNvGrpSpPr/>
-        <p:nvPr/>
-      </p:nvGrpSpPr>
-      <p:grpSpPr>
-        <a:xfrm>
-          <a:off x="0" y="0"/>
-          <a:ext cx="0" cy="0"/>
-          <a:chOff x="0" y="0"/>
-          <a:chExt cx="0" cy="0"/>
-        </a:xfrm>
-      </p:grpSpPr>
-      <p:sp>
-        <p:nvSpPr>
-          <p:cNvPr id="2" name="標題 1"/>
-          <p:cNvSpPr>
-            <a:spLocks noGrp="1"/>
-          </p:cNvSpPr>
-          <p:nvPr>
-            <p:ph type="title"/>
-          </p:nvPr>
-        </p:nvSpPr>
-        <p:spPr/>
-        <p:txBody>
-          <a:bodyPr/>
-          <a:lstStyle/>
-          <a:p>
-            <a:r>
-              <a:rPr lang="en-US" altLang="zh-TW" dirty="0"/>
-              <a:t>Appendix : </a:t>
-            </a:r>
-            <a:r>
-              <a:rPr lang="en-US" altLang="zh-TW" dirty="0" err="1" smtClean="0"/>
-              <a:t>Tmux</a:t>
-            </a:r>
-            <a:endParaRPr lang="zh-TW" altLang="en-US" dirty="0"/>
-          </a:p>
-        </p:txBody>
-      </p:sp>
-      <p:sp>
-        <p:nvSpPr>
-          <p:cNvPr id="3" name="內容版面配置區 2"/>
-          <p:cNvSpPr>
-            <a:spLocks noGrp="1"/>
-          </p:cNvSpPr>
-          <p:nvPr>
-            <p:ph idx="1"/>
-          </p:nvPr>
-        </p:nvSpPr>
-        <p:spPr/>
-        <p:txBody>
-          <a:bodyPr/>
-          <a:lstStyle/>
-          <a:p>
-            <a:endParaRPr lang="zh-TW" altLang="en-US"/>
-          </a:p>
-        </p:txBody>
-      </p:sp>
-    </p:spTree>
-    <p:extLst>
-      <p:ext uri="{BB962C8B-B14F-4D97-AF65-F5344CB8AC3E}">
-        <p14:creationId xmlns:p14="http://schemas.microsoft.com/office/powerpoint/2010/main" val="46707215"/>
-      </p:ext>
-    </p:extLst>
-  </p:cSld>
-  <p:clrMapOvr>
-    <a:masterClrMapping/>
-  </p:clrMapOvr>
-</p:sld>
-</file>
-
 <file path=ppt/slides/slide22.xml><?xml version="1.0" encoding="utf-8"?>
 <p:sld xmlns:a="http://schemas.openxmlformats.org/drawingml/2006/main" xmlns:r="http://schemas.openxmlformats.org/officeDocument/2006/relationships" xmlns:p="http://schemas.openxmlformats.org/presentationml/2006/main">
   <p:cSld>
@@ -7965,8 +8746,10 @@
               <a:t>Appendix : </a:t>
             </a:r>
             <a:r>
-              <a:rPr lang="en-US" altLang="zh-TW" dirty="0" err="1" smtClean="0"/>
-              <a:t>Fcron</a:t>
+              <a:rPr lang="en-US" altLang="zh-TW" dirty="0" smtClean="0">
+                <a:hlinkClick r:id="rId2"/>
+              </a:rPr>
+              <a:t>Tmux</a:t>
             </a:r>
             <a:endParaRPr lang="zh-TW" altLang="en-US" dirty="0"/>
           </a:p>
@@ -7982,22 +8765,180 @@
             <p:ph idx="1"/>
           </p:nvPr>
         </p:nvSpPr>
-        <p:spPr/>
+        <p:spPr>
+          <a:xfrm>
+            <a:off x="1097280" y="1845734"/>
+            <a:ext cx="10622866" cy="4023360"/>
+          </a:xfrm>
+        </p:spPr>
         <p:txBody>
           <a:bodyPr/>
           <a:lstStyle/>
           <a:p>
-            <a:pPr marL="0" indent="0">
-              <a:buNone/>
-            </a:pPr>
-            <a:endParaRPr lang="zh-TW" altLang="en-US" dirty="0"/>
+            <a:r>
+              <a:rPr lang="en-US" altLang="zh-TW" dirty="0" smtClean="0"/>
+              <a:t>Commands</a:t>
+            </a:r>
+          </a:p>
+          <a:p>
+            <a:pPr lvl="1"/>
+            <a:r>
+              <a:rPr lang="en-US" altLang="zh-TW" dirty="0" smtClean="0"/>
+              <a:t>Tmux a : attach to </a:t>
+            </a:r>
+            <a:r>
+              <a:rPr lang="en-US" altLang="zh-TW" dirty="0" err="1" smtClean="0"/>
+              <a:t>tmux</a:t>
+            </a:r>
+            <a:r>
+              <a:rPr lang="en-US" altLang="zh-TW" dirty="0" smtClean="0"/>
+              <a:t> session, if exists multiple sessions, use –t $id to connect to corresponding session</a:t>
+            </a:r>
+          </a:p>
+          <a:p>
+            <a:pPr lvl="1"/>
+            <a:r>
+              <a:rPr lang="en-US" altLang="zh-TW" dirty="0" smtClean="0"/>
+              <a:t>Tmux ls : list all running sessions</a:t>
+            </a:r>
+          </a:p>
+          <a:p>
+            <a:pPr lvl="1"/>
+            <a:r>
+              <a:rPr lang="en-US" altLang="zh-TW" dirty="0" smtClean="0"/>
+              <a:t>Inside Tmux</a:t>
+            </a:r>
+          </a:p>
+          <a:p>
+            <a:pPr lvl="2"/>
+            <a:r>
+              <a:rPr lang="en-US" altLang="zh-TW" dirty="0" smtClean="0"/>
+              <a:t>[</a:t>
+            </a:r>
+            <a:r>
+              <a:rPr lang="en-US" altLang="zh-TW" dirty="0" err="1" smtClean="0"/>
+              <a:t>Init</a:t>
+            </a:r>
+            <a:r>
+              <a:rPr lang="en-US" altLang="zh-TW" dirty="0" smtClean="0"/>
+              <a:t> key] + d : detach current session</a:t>
+            </a:r>
+          </a:p>
+          <a:p>
+            <a:pPr lvl="2"/>
+            <a:r>
+              <a:rPr lang="en-US" altLang="zh-TW" dirty="0"/>
+              <a:t>[</a:t>
+            </a:r>
+            <a:r>
+              <a:rPr lang="en-US" altLang="zh-TW" dirty="0" err="1"/>
+              <a:t>Init</a:t>
+            </a:r>
+            <a:r>
+              <a:rPr lang="en-US" altLang="zh-TW" dirty="0"/>
+              <a:t> key] </a:t>
+            </a:r>
+            <a:r>
+              <a:rPr lang="en-US" altLang="zh-TW" dirty="0" smtClean="0"/>
+              <a:t>+ % / </a:t>
+            </a:r>
+            <a:r>
+              <a:rPr lang="en-US" altLang="zh-TW" dirty="0"/>
+              <a:t>[</a:t>
+            </a:r>
+            <a:r>
+              <a:rPr lang="en-US" altLang="zh-TW" dirty="0" err="1"/>
+              <a:t>Init</a:t>
+            </a:r>
+            <a:r>
+              <a:rPr lang="en-US" altLang="zh-TW" dirty="0"/>
+              <a:t> key] + </a:t>
+            </a:r>
+            <a:r>
+              <a:rPr lang="en-US" altLang="zh-TW" dirty="0" smtClean="0"/>
+              <a:t>“ : split screen</a:t>
+            </a:r>
+          </a:p>
+          <a:p>
+            <a:pPr lvl="2"/>
+            <a:r>
+              <a:rPr lang="en-US" altLang="zh-TW" dirty="0"/>
+              <a:t>[</a:t>
+            </a:r>
+            <a:r>
+              <a:rPr lang="en-US" altLang="zh-TW" dirty="0" err="1"/>
+              <a:t>Init</a:t>
+            </a:r>
+            <a:r>
+              <a:rPr lang="en-US" altLang="zh-TW" dirty="0"/>
+              <a:t> key] </a:t>
+            </a:r>
+            <a:r>
+              <a:rPr lang="en-US" altLang="zh-TW" dirty="0" smtClean="0"/>
+              <a:t>+ </a:t>
+            </a:r>
+            <a:r>
+              <a:rPr lang="zh-TW" altLang="en-US" dirty="0" smtClean="0"/>
+              <a:t>↑↓←→ </a:t>
+            </a:r>
+            <a:r>
+              <a:rPr lang="en-US" altLang="zh-TW" dirty="0" smtClean="0"/>
+              <a:t>:</a:t>
+            </a:r>
+            <a:r>
+              <a:rPr lang="zh-TW" altLang="en-US" dirty="0" smtClean="0"/>
+              <a:t> </a:t>
+            </a:r>
+            <a:r>
+              <a:rPr lang="en-US" altLang="zh-TW" dirty="0" smtClean="0"/>
+              <a:t>change between windows</a:t>
+            </a:r>
+          </a:p>
+          <a:p>
+            <a:pPr lvl="2"/>
+            <a:r>
+              <a:rPr lang="en-US" altLang="zh-TW" dirty="0"/>
+              <a:t>[</a:t>
+            </a:r>
+            <a:r>
+              <a:rPr lang="en-US" altLang="zh-TW" dirty="0" err="1"/>
+              <a:t>Init</a:t>
+            </a:r>
+            <a:r>
+              <a:rPr lang="en-US" altLang="zh-TW" dirty="0"/>
+              <a:t> key] </a:t>
+            </a:r>
+            <a:r>
+              <a:rPr lang="en-US" altLang="zh-TW" dirty="0" smtClean="0"/>
+              <a:t>+ &amp; : delete current window</a:t>
+            </a:r>
+          </a:p>
+          <a:p>
+            <a:pPr lvl="2"/>
+            <a:r>
+              <a:rPr lang="en-US" altLang="zh-TW" dirty="0"/>
+              <a:t>[</a:t>
+            </a:r>
+            <a:r>
+              <a:rPr lang="en-US" altLang="zh-TW" dirty="0" err="1"/>
+              <a:t>Init</a:t>
+            </a:r>
+            <a:r>
+              <a:rPr lang="en-US" altLang="zh-TW" dirty="0"/>
+              <a:t> key] </a:t>
+            </a:r>
+            <a:r>
+              <a:rPr lang="en-US" altLang="zh-TW" dirty="0" smtClean="0"/>
+              <a:t>+ x : delete current pane</a:t>
+            </a:r>
+            <a:endParaRPr lang="zh-TW" altLang="en-US" b="1" dirty="0"/>
           </a:p>
         </p:txBody>
       </p:sp>
     </p:spTree>
     <p:extLst>
       <p:ext uri="{BB962C8B-B14F-4D97-AF65-F5344CB8AC3E}">
-        <p14:creationId xmlns:p14="http://schemas.microsoft.com/office/powerpoint/2010/main" val="410372291"/>
+        <p14:creationId xmlns:p14="http://schemas.microsoft.com/office/powerpoint/2010/main" val="46707215"/>
       </p:ext>
     </p:extLst>
   </p:cSld>
@@ -8045,7 +8986,7 @@
             </a:r>
             <a:r>
               <a:rPr lang="en-US" altLang="zh-TW" dirty="0" err="1" smtClean="0"/>
-              <a:t>Systemd</a:t>
+              <a:t>cron</a:t>
             </a:r>
             <a:endParaRPr lang="zh-TW" altLang="en-US" dirty="0"/>
           </a:p>
@@ -8069,14 +9010,110 @@
             <a:pPr marL="0" indent="0">
               <a:buNone/>
             </a:pPr>
-            <a:endParaRPr lang="zh-TW" altLang="en-US" dirty="0"/>
+            <a:r>
+              <a:rPr lang="en-US" altLang="zh-TW" dirty="0" smtClean="0"/>
+              <a:t>A automatically periodically running daemon</a:t>
+            </a:r>
+            <a:r>
+              <a:rPr lang="en-US" altLang="zh-TW" dirty="0" smtClean="0"/>
+              <a:t>, “Run XXX every YYY time, or Run AAA every UUU”</a:t>
+            </a:r>
+          </a:p>
+          <a:p>
+            <a:pPr>
+              <a:buFont typeface="Arial" panose="020B0604020202020204" pitchFamily="34" charset="0"/>
+              <a:buChar char="•"/>
+            </a:pPr>
+            <a:r>
+              <a:rPr lang="en-US" altLang="zh-TW" dirty="0" smtClean="0"/>
+              <a:t>Start </a:t>
+            </a:r>
+            <a:r>
+              <a:rPr lang="en-US" altLang="zh-TW" dirty="0" err="1" smtClean="0"/>
+              <a:t>cron</a:t>
+            </a:r>
+            <a:r>
+              <a:rPr lang="en-US" altLang="zh-TW" dirty="0" smtClean="0"/>
+              <a:t> service</a:t>
+            </a:r>
+          </a:p>
+          <a:p>
+            <a:pPr>
+              <a:buFont typeface="Arial" panose="020B0604020202020204" pitchFamily="34" charset="0"/>
+              <a:buChar char="•"/>
+            </a:pPr>
+            <a:r>
+              <a:rPr lang="en-US" altLang="zh-TW" dirty="0" err="1" smtClean="0"/>
+              <a:t>crontab</a:t>
+            </a:r>
+            <a:r>
+              <a:rPr lang="en-US" altLang="zh-TW" dirty="0" smtClean="0"/>
+              <a:t> [–u user] [-l] [-e]</a:t>
+            </a:r>
+          </a:p>
+          <a:p>
+            <a:pPr lvl="1">
+              <a:buFont typeface="Arial" panose="020B0604020202020204" pitchFamily="34" charset="0"/>
+              <a:buChar char="•"/>
+            </a:pPr>
+            <a:r>
+              <a:rPr lang="en-US" altLang="zh-TW" dirty="0" smtClean="0"/>
+              <a:t>-e for editing, -l for listing</a:t>
+            </a:r>
+          </a:p>
+          <a:p>
+            <a:pPr lvl="1">
+              <a:buFont typeface="Arial" panose="020B0604020202020204" pitchFamily="34" charset="0"/>
+              <a:buChar char="•"/>
+            </a:pPr>
+            <a:r>
+              <a:rPr lang="en-US" altLang="zh-TW" dirty="0" smtClean="0"/>
+              <a:t>Format </a:t>
+            </a:r>
+            <a:r>
+              <a:rPr lang="en-US" altLang="zh-TW" dirty="0"/>
+              <a:t>: </a:t>
+            </a:r>
+            <a:r>
+              <a:rPr lang="en-US" altLang="zh-TW" dirty="0" smtClean="0"/>
+              <a:t>min </a:t>
+            </a:r>
+            <a:r>
+              <a:rPr lang="en-US" altLang="zh-TW" dirty="0" err="1"/>
+              <a:t>hrs</a:t>
+            </a:r>
+            <a:r>
+              <a:rPr lang="en-US" altLang="zh-TW" dirty="0"/>
+              <a:t> day-of-month month day-of-week </a:t>
+            </a:r>
+            <a:r>
+              <a:rPr lang="en-US" altLang="zh-TW" dirty="0" smtClean="0"/>
+              <a:t>command</a:t>
+            </a:r>
+          </a:p>
+          <a:p>
+            <a:pPr lvl="2">
+              <a:buFont typeface="Arial" panose="020B0604020202020204" pitchFamily="34" charset="0"/>
+              <a:buChar char="•"/>
+            </a:pPr>
+            <a:r>
+              <a:rPr lang="en-US" altLang="zh-TW" dirty="0" smtClean="0"/>
+              <a:t>15 10 */5 * * echo “hi”</a:t>
+            </a:r>
+          </a:p>
+          <a:p>
+            <a:pPr lvl="1">
+              <a:buFont typeface="Arial" panose="020B0604020202020204" pitchFamily="34" charset="0"/>
+              <a:buChar char="•"/>
+            </a:pPr>
+            <a:endParaRPr lang="en-US" altLang="zh-TW" dirty="0" smtClean="0"/>
           </a:p>
         </p:txBody>
       </p:sp>
     </p:spTree>
     <p:extLst>
       <p:ext uri="{BB962C8B-B14F-4D97-AF65-F5344CB8AC3E}">
-        <p14:creationId xmlns:p14="http://schemas.microsoft.com/office/powerpoint/2010/main" val="3622766869"/>
+        <p14:creationId xmlns:p14="http://schemas.microsoft.com/office/powerpoint/2010/main" val="410372291"/>
       </p:ext>
     </p:extLst>
   </p:cSld>
@@ -8130,28 +9167,54 @@
           </a:p>
         </p:txBody>
       </p:sp>
-      <p:sp>
-        <p:nvSpPr>
-          <p:cNvPr id="3" name="內容版面配置區 2"/>
-          <p:cNvSpPr>
-            <a:spLocks noGrp="1"/>
-          </p:cNvSpPr>
+      <p:pic>
+        <p:nvPicPr>
+          <p:cNvPr id="5" name="內容版面配置區 3"/>
+          <p:cNvPicPr>
+            <a:picLocks noChangeAspect="1"/>
+          </p:cNvPicPr>
+          <p:nvPr/>
+        </p:nvPicPr>
+        <p:blipFill rotWithShape="1">
+          <a:blip r:embed="rId2"/>
+          <a:srcRect b="42368"/>
+          <a:stretch/>
+        </p:blipFill>
+        <p:spPr>
+          <a:xfrm>
+            <a:off x="167053" y="2224453"/>
+            <a:ext cx="5741377" cy="3180994"/>
+          </a:xfrm>
+          <a:prstGeom prst="rect">
+            <a:avLst/>
+          </a:prstGeom>
+        </p:spPr>
+      </p:pic>
+      <p:pic>
+        <p:nvPicPr>
+          <p:cNvPr id="4" name="內容版面配置區 3"/>
+          <p:cNvPicPr>
+            <a:picLocks noGrp="1" noChangeAspect="1"/>
+          </p:cNvPicPr>
           <p:nvPr>
             <p:ph idx="1"/>
           </p:nvPr>
-        </p:nvSpPr>
-        <p:spPr/>
-        <p:txBody>
-          <a:bodyPr/>
-          <a:lstStyle/>
-          <a:p>
-            <a:pPr marL="0" indent="0">
-              <a:buNone/>
-            </a:pPr>
-            <a:endParaRPr lang="zh-TW" altLang="en-US" dirty="0"/>
-          </a:p>
-        </p:txBody>
-      </p:sp>
+        </p:nvPicPr>
+        <p:blipFill rotWithShape="1">
+          <a:blip r:embed="rId2"/>
+          <a:srcRect t="61202" r="16594"/>
+          <a:stretch/>
+        </p:blipFill>
+        <p:spPr>
+          <a:xfrm>
+            <a:off x="5908430" y="2438953"/>
+            <a:ext cx="6153759" cy="2751993"/>
+          </a:xfrm>
+          <a:prstGeom prst="rect">
+            <a:avLst/>
+          </a:prstGeom>
+        </p:spPr>
+      </p:pic>
     </p:spTree>
     <p:extLst>
       <p:ext uri="{BB962C8B-B14F-4D97-AF65-F5344CB8AC3E}">
@@ -8198,12 +9261,8 @@
           <a:lstStyle/>
           <a:p>
             <a:r>
-              <a:rPr lang="en-US" altLang="zh-TW" dirty="0"/>
-              <a:t>Appendix : </a:t>
-            </a:r>
-            <a:r>
-              <a:rPr lang="en-US" altLang="zh-TW" dirty="0" err="1" smtClean="0"/>
-              <a:t>Rclone</a:t>
+              <a:rPr lang="en-US" altLang="zh-TW" dirty="0" smtClean="0"/>
+              <a:t>Flock</a:t>
             </a:r>
             <a:endParaRPr lang="zh-TW" altLang="en-US" dirty="0"/>
           </a:p>
@@ -8221,17 +9280,78 @@
         </p:nvSpPr>
         <p:spPr/>
         <p:txBody>
-          <a:bodyPr/>
+          <a:bodyPr>
+            <a:normAutofit/>
+          </a:bodyPr>
           <a:lstStyle/>
           <a:p>
-            <a:endParaRPr lang="zh-TW" altLang="en-US"/>
+            <a:r>
+              <a:rPr lang="en-US" altLang="zh-TW" sz="2400" dirty="0" smtClean="0"/>
+              <a:t>System wide locking</a:t>
+            </a:r>
+          </a:p>
+          <a:p>
+            <a:pPr lvl="1"/>
+            <a:r>
+              <a:rPr lang="en-US" altLang="zh-TW" sz="2000" dirty="0" smtClean="0"/>
+              <a:t>You can use for loop with &amp; to launch lots of commands, THAT </a:t>
+            </a:r>
+            <a:r>
+              <a:rPr lang="en-US" altLang="zh-TW" sz="2000" dirty="0" smtClean="0">
+                <a:solidFill>
+                  <a:srgbClr val="FF0000"/>
+                </a:solidFill>
+              </a:rPr>
+              <a:t>RUN AT The Same TIME</a:t>
+            </a:r>
+            <a:r>
+              <a:rPr lang="en-US" altLang="zh-TW" sz="2000" dirty="0" smtClean="0"/>
+              <a:t>!!</a:t>
+            </a:r>
+          </a:p>
+          <a:p>
+            <a:pPr lvl="1"/>
+            <a:r>
+              <a:rPr lang="en-US" altLang="zh-TW" sz="2000" dirty="0" smtClean="0"/>
+              <a:t>If you wants to run a bunch of commands one by one, add flock to the start of the command!</a:t>
+            </a:r>
+          </a:p>
+          <a:p>
+            <a:pPr lvl="2"/>
+            <a:r>
+              <a:rPr lang="en-US" altLang="zh-TW" sz="1600" dirty="0" smtClean="0"/>
+              <a:t>Flock /path/to/flock/</a:t>
+            </a:r>
+            <a:r>
+              <a:rPr lang="en-US" altLang="zh-TW" sz="1600" dirty="0" err="1" smtClean="0"/>
+              <a:t>lockfile</a:t>
+            </a:r>
+            <a:r>
+              <a:rPr lang="en-US" altLang="zh-TW" sz="1600" dirty="0" smtClean="0"/>
+              <a:t> command arguments</a:t>
+            </a:r>
+          </a:p>
+          <a:p>
+            <a:pPr lvl="1"/>
+            <a:r>
+              <a:rPr lang="en-US" altLang="zh-TW" sz="2000" dirty="0" smtClean="0"/>
+              <a:t>If you want anything better</a:t>
+            </a:r>
+          </a:p>
+          <a:p>
+            <a:pPr lvl="2"/>
+            <a:r>
+              <a:rPr lang="en-US" altLang="zh-TW" sz="1600" dirty="0" smtClean="0"/>
+              <a:t>Use GNU-Parallel</a:t>
+            </a:r>
+            <a:endParaRPr lang="zh-TW" altLang="en-US" sz="1600" dirty="0"/>
           </a:p>
         </p:txBody>
       </p:sp>
     </p:spTree>
     <p:extLst>
       <p:ext uri="{BB962C8B-B14F-4D97-AF65-F5344CB8AC3E}">
-        <p14:creationId xmlns:p14="http://schemas.microsoft.com/office/powerpoint/2010/main" val="3227702254"/>
+        <p14:creationId xmlns:p14="http://schemas.microsoft.com/office/powerpoint/2010/main" val="34284078"/>
       </p:ext>
     </p:extLst>
   </p:cSld>
@@ -8297,9 +9417,20 @@
           <a:lstStyle/>
           <a:p>
             <a:r>
-              <a:rPr lang="en-US" altLang="zh-TW" dirty="0"/>
-              <a:t>https://explainshell.com/</a:t>
-            </a:r>
+              <a:rPr lang="en-US" altLang="zh-TW" dirty="0">
+                <a:hlinkClick r:id="rId2"/>
+              </a:rPr>
+              <a:t>https://explainshell.com</a:t>
+            </a:r>
+            <a:r>
+              <a:rPr lang="en-US" altLang="zh-TW" dirty="0" smtClean="0">
+                <a:hlinkClick r:id="rId2"/>
+              </a:rPr>
+              <a:t>/</a:t>
+            </a:r>
+            <a:endParaRPr lang="en-US" altLang="zh-TW" dirty="0" smtClean="0"/>
+          </a:p>
+          <a:p>
             <a:endParaRPr lang="zh-TW" altLang="en-US" dirty="0"/>
           </a:p>
         </p:txBody>
@@ -8339,7 +9470,7 @@
           <p:cNvPr id="2" name="標題 1">
             <a:extLst>
               <a:ext uri="{FF2B5EF4-FFF2-40B4-BE49-F238E27FC236}">
-                <a16:creationId xmlns:a16="http://schemas.microsoft.com/office/drawing/2014/main" id="{950B48B3-4605-44C3-8C5C-8E7A0DCCC58B}"/>
+                <a16:creationId xmlns:a16="http://schemas.microsoft.com/office/drawing/2014/main" id="{77683780-5252-4D80-8260-9153780B5AF7}"/>
               </a:ext>
             </a:extLst>
           </p:cNvPr>
@@ -8357,7 +9488,7 @@
           <a:p>
             <a:r>
               <a:rPr lang="en-US" altLang="zh-TW" dirty="0"/>
-              <a:t>Containers</a:t>
+              <a:t>Virtualization</a:t>
             </a:r>
             <a:endParaRPr lang="zh-TW" altLang="en-US" dirty="0"/>
           </a:p>
@@ -8368,7 +9499,7 @@
           <p:cNvPr id="3" name="內容版面配置區 2">
             <a:extLst>
               <a:ext uri="{FF2B5EF4-FFF2-40B4-BE49-F238E27FC236}">
-                <a16:creationId xmlns:a16="http://schemas.microsoft.com/office/drawing/2014/main" id="{EF9EC626-653A-45D7-834B-3449A4936977}"/>
+                <a16:creationId xmlns:a16="http://schemas.microsoft.com/office/drawing/2014/main" id="{C861FE41-C3B7-4E02-930E-4883CA0795BE}"/>
               </a:ext>
             </a:extLst>
           </p:cNvPr>
@@ -8379,100 +9510,81 @@
             <p:ph idx="1"/>
           </p:nvPr>
         </p:nvSpPr>
-        <p:spPr/>
+        <p:spPr>
+          <a:xfrm>
+            <a:off x="1097280" y="1845734"/>
+            <a:ext cx="10058400" cy="1450757"/>
+          </a:xfrm>
+        </p:spPr>
         <p:txBody>
           <a:bodyPr/>
           <a:lstStyle/>
           <a:p>
+            <a:pPr>
+              <a:buFont typeface="Wingdings" panose="05000000000000000000" pitchFamily="2" charset="2"/>
+              <a:buChar char="ü"/>
+            </a:pPr>
             <a:r>
               <a:rPr lang="en-US" altLang="zh-TW" dirty="0"/>
-              <a:t>Linux containers</a:t>
-            </a:r>
-          </a:p>
-          <a:p>
-            <a:pPr lvl="1"/>
+              <a:t>Allows multiple simulated environments or dedicated resources from a single hardware</a:t>
+            </a:r>
+          </a:p>
+          <a:p>
+            <a:pPr>
+              <a:buFont typeface="Wingdings" panose="05000000000000000000" pitchFamily="2" charset="2"/>
+              <a:buChar char="ü"/>
+            </a:pPr>
             <a:r>
               <a:rPr lang="en-US" altLang="zh-TW" dirty="0"/>
-              <a:t>a OS level virtualization method for running multiple isolated Linux systems on one Linux kernel.</a:t>
-            </a:r>
-          </a:p>
-          <a:p>
-            <a:pPr lvl="1"/>
+              <a:t>Hardware independent( as long as it runs the virtualized environment )</a:t>
+            </a:r>
+          </a:p>
+          <a:p>
+            <a:pPr>
+              <a:buFont typeface="Wingdings" panose="05000000000000000000" pitchFamily="2" charset="2"/>
+              <a:buChar char="ü"/>
+            </a:pPr>
             <a:r>
               <a:rPr lang="en-US" altLang="zh-TW" dirty="0"/>
-              <a:t>Docker</a:t>
-            </a:r>
-          </a:p>
-          <a:p>
-            <a:pPr lvl="2"/>
-            <a:r>
-              <a:rPr lang="en-US" altLang="zh-TW" dirty="0"/>
-              <a:t>Automates the deploy of applications</a:t>
-            </a:r>
-          </a:p>
-          <a:p>
-            <a:pPr lvl="2"/>
-            <a:r>
-              <a:rPr lang="en-US" altLang="zh-TW" dirty="0"/>
-              <a:t>Guarantees that it will always run the same regardless of the environment // same architecture</a:t>
-            </a:r>
-          </a:p>
-          <a:p>
-            <a:pPr marL="566928" lvl="3" indent="0">
-              <a:buNone/>
-            </a:pPr>
-            <a:r>
-              <a:rPr lang="en-US" altLang="zh-TW" dirty="0"/>
-              <a:t>* For what?</a:t>
-            </a:r>
-          </a:p>
-          <a:p>
-            <a:r>
-              <a:rPr lang="en-US" altLang="zh-TW" dirty="0"/>
-              <a:t>Linux kernel provides</a:t>
-            </a:r>
-          </a:p>
-          <a:p>
-            <a:pPr lvl="1"/>
-            <a:r>
-              <a:rPr lang="en-US" altLang="zh-TW" dirty="0"/>
-              <a:t>Cgroup</a:t>
-            </a:r>
-          </a:p>
-          <a:p>
-            <a:pPr lvl="2"/>
-            <a:r>
-              <a:rPr lang="en-US" altLang="zh-TW" dirty="0"/>
-              <a:t>Limitation and prioritization of resources</a:t>
-            </a:r>
-          </a:p>
-          <a:p>
-            <a:pPr lvl="1"/>
-            <a:r>
-              <a:rPr lang="en-US" altLang="zh-TW" dirty="0"/>
-              <a:t>Namespace</a:t>
-            </a:r>
-          </a:p>
-          <a:p>
-            <a:pPr lvl="2"/>
-            <a:r>
-              <a:rPr lang="en-US" altLang="zh-TW" dirty="0"/>
-              <a:t>Allows complete isolation of an applications’ view of the OS</a:t>
-            </a:r>
-          </a:p>
-          <a:p>
-            <a:pPr lvl="3"/>
-            <a:r>
-              <a:rPr lang="en-US" altLang="zh-TW" dirty="0"/>
-              <a:t>Including process tree, networking, mounted file system</a:t>
-            </a:r>
+              <a:t>Higher utilization </a:t>
+            </a:r>
+            <a:endParaRPr lang="zh-TW" altLang="en-US" dirty="0"/>
           </a:p>
         </p:txBody>
       </p:sp>
+      <p:pic>
+        <p:nvPicPr>
+          <p:cNvPr id="4" name="圖片 3">
+            <a:extLst>
+              <a:ext uri="{FF2B5EF4-FFF2-40B4-BE49-F238E27FC236}">
+                <a16:creationId xmlns:a16="http://schemas.microsoft.com/office/drawing/2014/main" id="{138B67D3-27CC-427B-91F7-43FFC550B003}"/>
+              </a:ext>
+            </a:extLst>
+          </p:cNvPr>
+          <p:cNvPicPr>
+            <a:picLocks noChangeAspect="1"/>
+          </p:cNvPicPr>
+          <p:nvPr/>
+        </p:nvPicPr>
+        <p:blipFill rotWithShape="1">
+          <a:blip r:embed="rId3"/>
+          <a:srcRect r="53416"/>
+          <a:stretch/>
+        </p:blipFill>
+        <p:spPr>
+          <a:xfrm>
+            <a:off x="9119890" y="3808114"/>
+            <a:ext cx="2900475" cy="2410567"/>
+          </a:xfrm>
+          <a:prstGeom prst="rect">
+            <a:avLst/>
+          </a:prstGeom>
+        </p:spPr>
+      </p:pic>
     </p:spTree>
     <p:extLst>
       <p:ext uri="{BB962C8B-B14F-4D97-AF65-F5344CB8AC3E}">
-        <p14:creationId xmlns:p14="http://schemas.microsoft.com/office/powerpoint/2010/main" val="635600088"/>
+        <p14:creationId xmlns:p14="http://schemas.microsoft.com/office/powerpoint/2010/main" val="2514766030"/>
       </p:ext>
     </p:extLst>
   </p:cSld>
@@ -8511,7 +9623,7 @@
           <p:cNvPr id="2" name="標題 1">
             <a:extLst>
               <a:ext uri="{FF2B5EF4-FFF2-40B4-BE49-F238E27FC236}">
-                <a16:creationId xmlns:a16="http://schemas.microsoft.com/office/drawing/2014/main" id="{BEC0EB8A-C4FD-48F6-8A00-FE54DCF96425}"/>
+                <a16:creationId xmlns:a16="http://schemas.microsoft.com/office/drawing/2014/main" id="{950B48B3-4605-44C3-8C5C-8E7A0DCCC58B}"/>
               </a:ext>
             </a:extLst>
           </p:cNvPr>
@@ -8529,11 +9641,7 @@
           <a:p>
             <a:r>
               <a:rPr lang="en-US" altLang="zh-TW" dirty="0"/>
-              <a:t>Install docker CE on </a:t>
-            </a:r>
-            <a:r>
-              <a:rPr lang="en-US" altLang="zh-TW" dirty="0" err="1"/>
-              <a:t>linux</a:t>
+              <a:t>Containers</a:t>
             </a:r>
             <a:endParaRPr lang="zh-TW" altLang="en-US" dirty="0"/>
           </a:p>
@@ -8544,7 +9652,7 @@
           <p:cNvPr id="3" name="內容版面配置區 2">
             <a:extLst>
               <a:ext uri="{FF2B5EF4-FFF2-40B4-BE49-F238E27FC236}">
-                <a16:creationId xmlns:a16="http://schemas.microsoft.com/office/drawing/2014/main" id="{E7896E59-056B-4B46-B503-D9D1B128232D}"/>
+                <a16:creationId xmlns:a16="http://schemas.microsoft.com/office/drawing/2014/main" id="{EF9EC626-653A-45D7-834B-3449A4936977}"/>
               </a:ext>
             </a:extLst>
           </p:cNvPr>
@@ -8555,145 +9663,100 @@
             <p:ph idx="1"/>
           </p:nvPr>
         </p:nvSpPr>
-        <p:spPr>
-          <a:xfrm>
-            <a:off x="1097280" y="1845734"/>
-            <a:ext cx="10058400" cy="4335258"/>
-          </a:xfrm>
-        </p:spPr>
+        <p:spPr/>
         <p:txBody>
-          <a:bodyPr>
-            <a:normAutofit/>
-          </a:bodyPr>
+          <a:bodyPr/>
           <a:lstStyle/>
           <a:p>
             <a:r>
-              <a:rPr lang="en-US" altLang="zh-TW" sz="1600" dirty="0" err="1"/>
-              <a:t>sudo</a:t>
-            </a:r>
-            <a:r>
-              <a:rPr lang="en-US" altLang="zh-TW" sz="1600" dirty="0"/>
-              <a:t> apt-get remove docker docker-engine docker.io </a:t>
-            </a:r>
-            <a:r>
-              <a:rPr lang="en-US" altLang="zh-TW" sz="1600" dirty="0" err="1"/>
-              <a:t>containerd</a:t>
-            </a:r>
-            <a:r>
-              <a:rPr lang="en-US" altLang="zh-TW" sz="1600" dirty="0"/>
-              <a:t> </a:t>
-            </a:r>
-            <a:r>
-              <a:rPr lang="en-US" altLang="zh-TW" sz="1600" dirty="0" err="1" smtClean="0"/>
-              <a:t>runc</a:t>
-            </a:r>
-            <a:r>
-              <a:rPr lang="zh-TW" altLang="en-US" sz="1600" dirty="0" smtClean="0"/>
-              <a:t> </a:t>
-            </a:r>
-            <a:r>
-              <a:rPr lang="en-US" altLang="zh-TW" sz="1600" dirty="0" smtClean="0"/>
-              <a:t>#</a:t>
-            </a:r>
-            <a:r>
-              <a:rPr lang="zh-TW" altLang="en-US" sz="1600" dirty="0" smtClean="0"/>
-              <a:t> </a:t>
-            </a:r>
-            <a:r>
-              <a:rPr lang="en-US" altLang="zh-TW" sz="1600" dirty="0" smtClean="0"/>
-              <a:t>remove any existing </a:t>
-            </a:r>
-            <a:r>
-              <a:rPr lang="en-US" altLang="zh-TW" sz="1600" dirty="0" err="1" smtClean="0"/>
-              <a:t>docker</a:t>
-            </a:r>
-            <a:endParaRPr lang="en-US" altLang="zh-TW" sz="1600" dirty="0"/>
-          </a:p>
-          <a:p>
-            <a:r>
-              <a:rPr lang="en-US" altLang="zh-TW" sz="1600" dirty="0" err="1"/>
-              <a:t>sudo</a:t>
-            </a:r>
-            <a:r>
-              <a:rPr lang="en-US" altLang="zh-TW" sz="1600" dirty="0"/>
-              <a:t> apt-get update</a:t>
-            </a:r>
-          </a:p>
-          <a:p>
-            <a:r>
-              <a:rPr lang="en-US" altLang="zh-TW" sz="1600" dirty="0" err="1"/>
-              <a:t>sudo</a:t>
-            </a:r>
-            <a:r>
-              <a:rPr lang="en-US" altLang="zh-TW" sz="1600" dirty="0"/>
-              <a:t> apt-get install apt-transport-https ca-certificates curl </a:t>
-            </a:r>
-            <a:r>
-              <a:rPr lang="en-US" altLang="zh-TW" sz="1600" dirty="0" err="1"/>
-              <a:t>gnupg</a:t>
-            </a:r>
-            <a:r>
-              <a:rPr lang="en-US" altLang="zh-TW" sz="1600" dirty="0"/>
-              <a:t>-agent software-properties-common</a:t>
-            </a:r>
-          </a:p>
-          <a:p>
-            <a:r>
-              <a:rPr lang="en-US" altLang="zh-TW" sz="1600" dirty="0"/>
-              <a:t>curl -</a:t>
-            </a:r>
-            <a:r>
-              <a:rPr lang="en-US" altLang="zh-TW" sz="1600" dirty="0" err="1"/>
-              <a:t>fsSL</a:t>
-            </a:r>
-            <a:r>
-              <a:rPr lang="en-US" altLang="zh-TW" sz="1600" dirty="0"/>
-              <a:t> https://download.docker.com/linux/ubuntu/gpg | </a:t>
-            </a:r>
-            <a:r>
-              <a:rPr lang="en-US" altLang="zh-TW" sz="1600" dirty="0" err="1"/>
-              <a:t>sudo</a:t>
-            </a:r>
-            <a:r>
-              <a:rPr lang="en-US" altLang="zh-TW" sz="1600" dirty="0"/>
-              <a:t> apt-key add -</a:t>
-            </a:r>
-          </a:p>
-          <a:p>
-            <a:r>
-              <a:rPr lang="en-US" altLang="zh-TW" sz="1600" dirty="0" err="1"/>
-              <a:t>sudo</a:t>
-            </a:r>
-            <a:r>
-              <a:rPr lang="en-US" altLang="zh-TW" sz="1600" dirty="0"/>
-              <a:t> add-apt-repository "deb [arch=amd64] https://download.docker.com/linux/ubuntu $(</a:t>
-            </a:r>
-            <a:r>
-              <a:rPr lang="en-US" altLang="zh-TW" sz="1600" dirty="0" err="1"/>
-              <a:t>lsb_release</a:t>
-            </a:r>
-            <a:r>
-              <a:rPr lang="en-US" altLang="zh-TW" sz="1600" dirty="0"/>
-              <a:t> -cs) </a:t>
-            </a:r>
-            <a:r>
-              <a:rPr lang="en-US" altLang="zh-TW" sz="1600" dirty="0" smtClean="0"/>
-              <a:t>stable“</a:t>
-            </a:r>
-          </a:p>
-          <a:p>
-            <a:r>
-              <a:rPr lang="en-US" altLang="zh-TW" sz="1600" dirty="0" smtClean="0"/>
-              <a:t># change arch=amd64 to other according to cpu architecture</a:t>
-            </a:r>
-            <a:endParaRPr lang="zh-TW" altLang="en-US" sz="1600" dirty="0"/>
+              <a:rPr lang="en-US" altLang="zh-TW" dirty="0"/>
+              <a:t>Linux containers</a:t>
+            </a:r>
+          </a:p>
+          <a:p>
+            <a:pPr lvl="1"/>
+            <a:r>
+              <a:rPr lang="en-US" altLang="zh-TW" dirty="0"/>
+              <a:t>a OS level virtualization method for running multiple isolated Linux systems on one Linux kernel.</a:t>
+            </a:r>
+          </a:p>
+          <a:p>
+            <a:pPr lvl="1"/>
+            <a:r>
+              <a:rPr lang="en-US" altLang="zh-TW" dirty="0"/>
+              <a:t>Docker</a:t>
+            </a:r>
+          </a:p>
+          <a:p>
+            <a:pPr lvl="2"/>
+            <a:r>
+              <a:rPr lang="en-US" altLang="zh-TW" dirty="0"/>
+              <a:t>Automates the deploy of applications</a:t>
+            </a:r>
+          </a:p>
+          <a:p>
+            <a:pPr lvl="2"/>
+            <a:r>
+              <a:rPr lang="en-US" altLang="zh-TW" dirty="0"/>
+              <a:t>Guarantees that it will always run the same regardless of the environment // same architecture</a:t>
+            </a:r>
+          </a:p>
+          <a:p>
+            <a:pPr marL="566928" lvl="3" indent="0">
+              <a:buNone/>
+            </a:pPr>
+            <a:r>
+              <a:rPr lang="en-US" altLang="zh-TW" dirty="0"/>
+              <a:t>* For what?</a:t>
+            </a:r>
+          </a:p>
+          <a:p>
+            <a:r>
+              <a:rPr lang="en-US" altLang="zh-TW" dirty="0"/>
+              <a:t>Linux kernel provides</a:t>
+            </a:r>
+          </a:p>
+          <a:p>
+            <a:pPr lvl="1"/>
+            <a:r>
+              <a:rPr lang="en-US" altLang="zh-TW" dirty="0"/>
+              <a:t>Cgroup</a:t>
+            </a:r>
+          </a:p>
+          <a:p>
+            <a:pPr lvl="2"/>
+            <a:r>
+              <a:rPr lang="en-US" altLang="zh-TW" dirty="0"/>
+              <a:t>Limitation and prioritization of resources</a:t>
+            </a:r>
+          </a:p>
+          <a:p>
+            <a:pPr lvl="1"/>
+            <a:r>
+              <a:rPr lang="en-US" altLang="zh-TW" dirty="0"/>
+              <a:t>Namespace</a:t>
+            </a:r>
+          </a:p>
+          <a:p>
+            <a:pPr lvl="2"/>
+            <a:r>
+              <a:rPr lang="en-US" altLang="zh-TW" dirty="0"/>
+              <a:t>Allows complete isolation of an applications’ view of the OS</a:t>
+            </a:r>
+          </a:p>
+          <a:p>
+            <a:pPr lvl="3"/>
+            <a:r>
+              <a:rPr lang="en-US" altLang="zh-TW" dirty="0"/>
+              <a:t>Including process tree, networking, mounted file system</a:t>
+            </a:r>
           </a:p>
         </p:txBody>
       </p:sp>
     </p:spTree>
     <p:extLst>
       <p:ext uri="{BB962C8B-B14F-4D97-AF65-F5344CB8AC3E}">
-        <p14:creationId xmlns:p14="http://schemas.microsoft.com/office/powerpoint/2010/main" val="2863466016"/>
+        <p14:creationId xmlns:p14="http://schemas.microsoft.com/office/powerpoint/2010/main" val="635600088"/>
       </p:ext>
     </p:extLst>
   </p:cSld>
@@ -8732,6 +9795,227 @@
           <p:cNvPr id="2" name="標題 1">
             <a:extLst>
               <a:ext uri="{FF2B5EF4-FFF2-40B4-BE49-F238E27FC236}">
+                <a16:creationId xmlns:a16="http://schemas.microsoft.com/office/drawing/2014/main" id="{BEC0EB8A-C4FD-48F6-8A00-FE54DCF96425}"/>
+              </a:ext>
+            </a:extLst>
+          </p:cNvPr>
+          <p:cNvSpPr>
+            <a:spLocks noGrp="1"/>
+          </p:cNvSpPr>
+          <p:nvPr>
+            <p:ph type="title"/>
+          </p:nvPr>
+        </p:nvSpPr>
+        <p:spPr/>
+        <p:txBody>
+          <a:bodyPr/>
+          <a:lstStyle/>
+          <a:p>
+            <a:r>
+              <a:rPr lang="en-US" altLang="zh-TW" dirty="0"/>
+              <a:t>Install docker CE on </a:t>
+            </a:r>
+            <a:r>
+              <a:rPr lang="en-US" altLang="zh-TW" dirty="0" err="1"/>
+              <a:t>linux</a:t>
+            </a:r>
+            <a:endParaRPr lang="zh-TW" altLang="en-US" dirty="0"/>
+          </a:p>
+        </p:txBody>
+      </p:sp>
+      <p:sp>
+        <p:nvSpPr>
+          <p:cNvPr id="3" name="內容版面配置區 2">
+            <a:extLst>
+              <a:ext uri="{FF2B5EF4-FFF2-40B4-BE49-F238E27FC236}">
+                <a16:creationId xmlns:a16="http://schemas.microsoft.com/office/drawing/2014/main" id="{E7896E59-056B-4B46-B503-D9D1B128232D}"/>
+              </a:ext>
+            </a:extLst>
+          </p:cNvPr>
+          <p:cNvSpPr>
+            <a:spLocks noGrp="1"/>
+          </p:cNvSpPr>
+          <p:nvPr>
+            <p:ph idx="1"/>
+          </p:nvPr>
+        </p:nvSpPr>
+        <p:spPr>
+          <a:xfrm>
+            <a:off x="1097280" y="1845734"/>
+            <a:ext cx="10058400" cy="4335258"/>
+          </a:xfrm>
+        </p:spPr>
+        <p:txBody>
+          <a:bodyPr>
+            <a:normAutofit/>
+          </a:bodyPr>
+          <a:lstStyle/>
+          <a:p>
+            <a:r>
+              <a:rPr lang="en-US" altLang="zh-TW" sz="1600" dirty="0" err="1"/>
+              <a:t>sudo</a:t>
+            </a:r>
+            <a:r>
+              <a:rPr lang="en-US" altLang="zh-TW" sz="1600" dirty="0"/>
+              <a:t> apt-get remove docker docker-engine docker.io </a:t>
+            </a:r>
+            <a:r>
+              <a:rPr lang="en-US" altLang="zh-TW" sz="1600" dirty="0" err="1"/>
+              <a:t>containerd</a:t>
+            </a:r>
+            <a:r>
+              <a:rPr lang="en-US" altLang="zh-TW" sz="1600" dirty="0"/>
+              <a:t> </a:t>
+            </a:r>
+            <a:r>
+              <a:rPr lang="en-US" altLang="zh-TW" sz="1600" dirty="0" err="1" smtClean="0"/>
+              <a:t>runc</a:t>
+            </a:r>
+            <a:r>
+              <a:rPr lang="zh-TW" altLang="en-US" sz="1600" dirty="0" smtClean="0"/>
+              <a:t> </a:t>
+            </a:r>
+            <a:r>
+              <a:rPr lang="en-US" altLang="zh-TW" sz="1600" dirty="0" smtClean="0"/>
+              <a:t>#</a:t>
+            </a:r>
+            <a:r>
+              <a:rPr lang="zh-TW" altLang="en-US" sz="1600" dirty="0" smtClean="0"/>
+              <a:t> </a:t>
+            </a:r>
+            <a:r>
+              <a:rPr lang="en-US" altLang="zh-TW" sz="1600" dirty="0" smtClean="0"/>
+              <a:t>remove any existing </a:t>
+            </a:r>
+            <a:r>
+              <a:rPr lang="en-US" altLang="zh-TW" sz="1600" dirty="0" err="1" smtClean="0"/>
+              <a:t>docker</a:t>
+            </a:r>
+            <a:endParaRPr lang="en-US" altLang="zh-TW" sz="1600" dirty="0"/>
+          </a:p>
+          <a:p>
+            <a:r>
+              <a:rPr lang="en-US" altLang="zh-TW" sz="1600" dirty="0" err="1"/>
+              <a:t>sudo</a:t>
+            </a:r>
+            <a:r>
+              <a:rPr lang="en-US" altLang="zh-TW" sz="1600" dirty="0"/>
+              <a:t> apt-get update</a:t>
+            </a:r>
+          </a:p>
+          <a:p>
+            <a:r>
+              <a:rPr lang="en-US" altLang="zh-TW" sz="1600" dirty="0" err="1"/>
+              <a:t>sudo</a:t>
+            </a:r>
+            <a:r>
+              <a:rPr lang="en-US" altLang="zh-TW" sz="1600" dirty="0"/>
+              <a:t> apt-get install apt-transport-https ca-certificates curl </a:t>
+            </a:r>
+            <a:r>
+              <a:rPr lang="en-US" altLang="zh-TW" sz="1600" dirty="0" err="1"/>
+              <a:t>gnupg</a:t>
+            </a:r>
+            <a:r>
+              <a:rPr lang="en-US" altLang="zh-TW" sz="1600" dirty="0"/>
+              <a:t>-agent software-properties-common</a:t>
+            </a:r>
+          </a:p>
+          <a:p>
+            <a:r>
+              <a:rPr lang="en-US" altLang="zh-TW" sz="1600" dirty="0"/>
+              <a:t>curl -</a:t>
+            </a:r>
+            <a:r>
+              <a:rPr lang="en-US" altLang="zh-TW" sz="1600" dirty="0" err="1"/>
+              <a:t>fsSL</a:t>
+            </a:r>
+            <a:r>
+              <a:rPr lang="en-US" altLang="zh-TW" sz="1600" dirty="0"/>
+              <a:t> https://download.docker.com/linux/ubuntu/gpg | </a:t>
+            </a:r>
+            <a:r>
+              <a:rPr lang="en-US" altLang="zh-TW" sz="1600" dirty="0" err="1"/>
+              <a:t>sudo</a:t>
+            </a:r>
+            <a:r>
+              <a:rPr lang="en-US" altLang="zh-TW" sz="1600" dirty="0"/>
+              <a:t> apt-key add -</a:t>
+            </a:r>
+          </a:p>
+          <a:p>
+            <a:r>
+              <a:rPr lang="en-US" altLang="zh-TW" sz="1600" dirty="0" err="1"/>
+              <a:t>sudo</a:t>
+            </a:r>
+            <a:r>
+              <a:rPr lang="en-US" altLang="zh-TW" sz="1600" dirty="0"/>
+              <a:t> add-apt-repository "deb [arch=amd64] https://download.docker.com/linux/ubuntu $(</a:t>
+            </a:r>
+            <a:r>
+              <a:rPr lang="en-US" altLang="zh-TW" sz="1600" dirty="0" err="1"/>
+              <a:t>lsb_release</a:t>
+            </a:r>
+            <a:r>
+              <a:rPr lang="en-US" altLang="zh-TW" sz="1600" dirty="0"/>
+              <a:t> -cs) </a:t>
+            </a:r>
+            <a:r>
+              <a:rPr lang="en-US" altLang="zh-TW" sz="1600" dirty="0" smtClean="0"/>
+              <a:t>stable“</a:t>
+            </a:r>
+          </a:p>
+          <a:p>
+            <a:r>
+              <a:rPr lang="en-US" altLang="zh-TW" sz="1600" dirty="0" smtClean="0"/>
+              <a:t># change arch=amd64 to other according to cpu architecture</a:t>
+            </a:r>
+            <a:endParaRPr lang="zh-TW" altLang="en-US" sz="1600" dirty="0"/>
+          </a:p>
+        </p:txBody>
+      </p:sp>
+    </p:spTree>
+    <p:extLst>
+      <p:ext uri="{BB962C8B-B14F-4D97-AF65-F5344CB8AC3E}">
+        <p14:creationId xmlns:p14="http://schemas.microsoft.com/office/powerpoint/2010/main" val="2863466016"/>
+      </p:ext>
+    </p:extLst>
+  </p:cSld>
+  <p:clrMapOvr>
+    <a:masterClrMapping/>
+  </p:clrMapOvr>
+  <p:timing>
+    <p:tnLst>
+      <p:par>
+        <p:cTn id="1" dur="indefinite" restart="never" nodeType="tmRoot"/>
+      </p:par>
+    </p:tnLst>
+  </p:timing>
+</p:sld>
+</file>
+
+<file path=ppt/slides/slide6.xml><?xml version="1.0" encoding="utf-8"?>
+<p:sld xmlns:a="http://schemas.openxmlformats.org/drawingml/2006/main" xmlns:r="http://schemas.openxmlformats.org/officeDocument/2006/relationships" xmlns:p="http://schemas.openxmlformats.org/presentationml/2006/main">
+  <p:cSld>
+    <p:spTree>
+      <p:nvGrpSpPr>
+        <p:cNvPr id="1" name=""/>
+        <p:cNvGrpSpPr/>
+        <p:nvPr/>
+      </p:nvGrpSpPr>
+      <p:grpSpPr>
+        <a:xfrm>
+          <a:off x="0" y="0"/>
+          <a:ext cx="0" cy="0"/>
+          <a:chOff x="0" y="0"/>
+          <a:chExt cx="0" cy="0"/>
+        </a:xfrm>
+      </p:grpSpPr>
+      <p:sp>
+        <p:nvSpPr>
+          <p:cNvPr id="2" name="標題 1">
+            <a:extLst>
+              <a:ext uri="{FF2B5EF4-FFF2-40B4-BE49-F238E27FC236}">
                 <a16:creationId xmlns:a16="http://schemas.microsoft.com/office/drawing/2014/main" id="{83825934-1AB8-4C7A-A5E2-922DB35D8D59}"/>
               </a:ext>
             </a:extLst>
@@ -8870,7 +10154,7 @@
 </p:sld>
 </file>
 
-<file path=ppt/slides/slide6.xml><?xml version="1.0" encoding="utf-8"?>
+<file path=ppt/slides/slide7.xml><?xml version="1.0" encoding="utf-8"?>
 <p:sld xmlns:a="http://schemas.openxmlformats.org/drawingml/2006/main" xmlns:r="http://schemas.openxmlformats.org/officeDocument/2006/relationships" xmlns:p="http://schemas.openxmlformats.org/presentationml/2006/main">
   <p:cSld>
     <p:spTree>
@@ -11074,7 +12358,7 @@
 </p:sld>
 </file>
 
-<file path=ppt/slides/slide7.xml><?xml version="1.0" encoding="utf-8"?>
+<file path=ppt/slides/slide8.xml><?xml version="1.0" encoding="utf-8"?>
 <p:sld xmlns:a="http://schemas.openxmlformats.org/drawingml/2006/main" xmlns:r="http://schemas.openxmlformats.org/officeDocument/2006/relationships" xmlns:p="http://schemas.openxmlformats.org/presentationml/2006/main">
   <p:cSld>
     <p:spTree>
@@ -11278,7 +12562,7 @@
 </p:sld>
 </file>
 
-<file path=ppt/slides/slide8.xml><?xml version="1.0" encoding="utf-8"?>
+<file path=ppt/slides/slide9.xml><?xml version="1.0" encoding="utf-8"?>
 <p:sld xmlns:a="http://schemas.openxmlformats.org/drawingml/2006/main" xmlns:r="http://schemas.openxmlformats.org/officeDocument/2006/relationships" xmlns:p="http://schemas.openxmlformats.org/presentationml/2006/main">
   <p:cSld>
     <p:spTree>
@@ -12122,886 +13406,6 @@
     <p:extLst>
       <p:ext uri="{BB962C8B-B14F-4D97-AF65-F5344CB8AC3E}">
         <p14:creationId xmlns:p14="http://schemas.microsoft.com/office/powerpoint/2010/main" val="2763981842"/>
-      </p:ext>
-    </p:extLst>
-  </p:cSld>
-  <p:clrMapOvr>
-    <a:masterClrMapping/>
-  </p:clrMapOvr>
-  <p:timing>
-    <p:tnLst>
-      <p:par>
-        <p:cTn id="1" dur="indefinite" restart="never" nodeType="tmRoot"/>
-      </p:par>
-    </p:tnLst>
-  </p:timing>
-</p:sld>
-</file>
-
-<file path=ppt/slides/slide9.xml><?xml version="1.0" encoding="utf-8"?>
-<p:sld xmlns:a="http://schemas.openxmlformats.org/drawingml/2006/main" xmlns:r="http://schemas.openxmlformats.org/officeDocument/2006/relationships" xmlns:p="http://schemas.openxmlformats.org/presentationml/2006/main">
-  <p:cSld>
-    <p:spTree>
-      <p:nvGrpSpPr>
-        <p:cNvPr id="1" name=""/>
-        <p:cNvGrpSpPr/>
-        <p:nvPr/>
-      </p:nvGrpSpPr>
-      <p:grpSpPr>
-        <a:xfrm>
-          <a:off x="0" y="0"/>
-          <a:ext cx="0" cy="0"/>
-          <a:chOff x="0" y="0"/>
-          <a:chExt cx="0" cy="0"/>
-        </a:xfrm>
-      </p:grpSpPr>
-      <p:sp>
-        <p:nvSpPr>
-          <p:cNvPr id="2" name="標題 1">
-            <a:extLst>
-              <a:ext uri="{FF2B5EF4-FFF2-40B4-BE49-F238E27FC236}">
-                <a16:creationId xmlns:a16="http://schemas.microsoft.com/office/drawing/2014/main" id="{B0777A18-CB58-4BE1-89AA-14684198CE0F}"/>
-              </a:ext>
-            </a:extLst>
-          </p:cNvPr>
-          <p:cNvSpPr>
-            <a:spLocks noGrp="1"/>
-          </p:cNvSpPr>
-          <p:nvPr>
-            <p:ph type="title"/>
-          </p:nvPr>
-        </p:nvSpPr>
-        <p:spPr/>
-        <p:txBody>
-          <a:bodyPr/>
-          <a:lstStyle/>
-          <a:p>
-            <a:r>
-              <a:rPr lang="en-US" altLang="zh-TW" dirty="0" err="1"/>
-              <a:t>DockerFile</a:t>
-            </a:r>
-            <a:r>
-              <a:rPr lang="en-US" altLang="zh-TW" dirty="0"/>
-              <a:t/>
-            </a:r>
-            <a:br>
-              <a:rPr lang="en-US" altLang="zh-TW" dirty="0"/>
-            </a:br>
-            <a:r>
-              <a:rPr lang="en-US" altLang="zh-TW" sz="2800" dirty="0"/>
-              <a:t>Build your own image for scratch</a:t>
-            </a:r>
-            <a:endParaRPr lang="zh-TW" altLang="en-US" dirty="0"/>
-          </a:p>
-        </p:txBody>
-      </p:sp>
-      <p:sp>
-        <p:nvSpPr>
-          <p:cNvPr id="3" name="內容版面配置區 2">
-            <a:extLst>
-              <a:ext uri="{FF2B5EF4-FFF2-40B4-BE49-F238E27FC236}">
-                <a16:creationId xmlns:a16="http://schemas.microsoft.com/office/drawing/2014/main" id="{25953EA7-626B-41E1-A872-F71A6CF4AAC2}"/>
-              </a:ext>
-            </a:extLst>
-          </p:cNvPr>
-          <p:cNvSpPr>
-            <a:spLocks noGrp="1"/>
-          </p:cNvSpPr>
-          <p:nvPr>
-            <p:ph idx="1"/>
-          </p:nvPr>
-        </p:nvSpPr>
-        <p:spPr>
-          <a:xfrm>
-            <a:off x="6096000" y="1916756"/>
-            <a:ext cx="5365664" cy="4430778"/>
-          </a:xfrm>
-        </p:spPr>
-        <p:txBody>
-          <a:bodyPr>
-            <a:normAutofit lnSpcReduction="10000"/>
-          </a:bodyPr>
-          <a:lstStyle/>
-          <a:p>
-            <a:r>
-              <a:rPr lang="en-US" altLang="zh-TW" dirty="0"/>
-              <a:t>INSTRUCTION</a:t>
-            </a:r>
-          </a:p>
-          <a:p>
-            <a:pPr lvl="1"/>
-            <a:r>
-              <a:rPr lang="en-US" altLang="zh-TW" dirty="0">
-                <a:hlinkClick r:id="rId2"/>
-              </a:rPr>
-              <a:t>COPY</a:t>
-            </a:r>
-            <a:r>
-              <a:rPr lang="en-US" altLang="zh-TW" dirty="0"/>
-              <a:t> : ( almost same as ADD ) but copy is preferred</a:t>
-            </a:r>
-            <a:r>
-              <a:rPr lang="en-US" altLang="zh-TW" baseline="30000" dirty="0"/>
-              <a:t>1</a:t>
-            </a:r>
-          </a:p>
-          <a:p>
-            <a:pPr lvl="2"/>
-            <a:r>
-              <a:rPr lang="en-US" altLang="zh-TW" sz="1600" dirty="0"/>
-              <a:t>COPY [--</a:t>
-            </a:r>
-            <a:r>
-              <a:rPr lang="en-US" altLang="zh-TW" sz="1600" dirty="0" err="1"/>
-              <a:t>chown</a:t>
-            </a:r>
-            <a:r>
-              <a:rPr lang="en-US" altLang="zh-TW" sz="1600" dirty="0"/>
-              <a:t>=&lt;user&gt;:&lt;group&gt;] &lt;</a:t>
-            </a:r>
-            <a:r>
-              <a:rPr lang="en-US" altLang="zh-TW" sz="1600" dirty="0" err="1"/>
-              <a:t>src</a:t>
-            </a:r>
-            <a:r>
-              <a:rPr lang="en-US" altLang="zh-TW" sz="1600" dirty="0"/>
-              <a:t>&gt;... &lt;</a:t>
-            </a:r>
-            <a:r>
-              <a:rPr lang="en-US" altLang="zh-TW" sz="1600" dirty="0" err="1"/>
-              <a:t>dest</a:t>
-            </a:r>
-            <a:r>
-              <a:rPr lang="en-US" altLang="zh-TW" sz="1600" dirty="0"/>
-              <a:t>&gt;</a:t>
-            </a:r>
-          </a:p>
-          <a:p>
-            <a:pPr lvl="2"/>
-            <a:r>
-              <a:rPr lang="en-US" altLang="zh-TW" dirty="0"/>
-              <a:t>*The directory itself is not copied, just its contents.</a:t>
-            </a:r>
-          </a:p>
-          <a:p>
-            <a:pPr lvl="1"/>
-            <a:r>
-              <a:rPr lang="en-US" altLang="zh-TW" dirty="0">
-                <a:hlinkClick r:id="rId3"/>
-              </a:rPr>
-              <a:t>EXPOSE</a:t>
-            </a:r>
-            <a:r>
-              <a:rPr lang="en-US" altLang="zh-TW" dirty="0"/>
-              <a:t> : specifies the port to listen on</a:t>
-            </a:r>
-          </a:p>
-          <a:p>
-            <a:pPr lvl="2"/>
-            <a:r>
-              <a:rPr lang="en-US" altLang="zh-TW" dirty="0"/>
-              <a:t>EXPOSE 80/</a:t>
-            </a:r>
-            <a:r>
-              <a:rPr lang="en-US" altLang="zh-TW" dirty="0" err="1"/>
-              <a:t>tcp</a:t>
-            </a:r>
-            <a:endParaRPr lang="en-US" altLang="zh-TW" dirty="0"/>
-          </a:p>
-          <a:p>
-            <a:pPr lvl="2"/>
-            <a:r>
-              <a:rPr lang="en-US" altLang="zh-TW" dirty="0"/>
-              <a:t>EXPOSE 80/</a:t>
-            </a:r>
-            <a:r>
-              <a:rPr lang="en-US" altLang="zh-TW" dirty="0" err="1"/>
-              <a:t>udp</a:t>
-            </a:r>
-            <a:endParaRPr lang="en-US" altLang="zh-TW" dirty="0"/>
-          </a:p>
-          <a:p>
-            <a:pPr lvl="1"/>
-            <a:r>
-              <a:rPr lang="en-US" altLang="zh-TW" dirty="0">
-                <a:hlinkClick r:id="rId4"/>
-              </a:rPr>
-              <a:t>CMD</a:t>
-            </a:r>
-            <a:r>
-              <a:rPr lang="en-US" altLang="zh-TW" dirty="0"/>
-              <a:t> : provide defaults for an executing container</a:t>
-            </a:r>
-          </a:p>
-          <a:p>
-            <a:pPr lvl="2"/>
-            <a:r>
-              <a:rPr lang="en-US" altLang="zh-TW" dirty="0"/>
-              <a:t>CMD ["executable","param1","param2"]</a:t>
-            </a:r>
-          </a:p>
-          <a:p>
-            <a:pPr lvl="1"/>
-            <a:r>
-              <a:rPr lang="en-US" altLang="zh-TW" dirty="0">
-                <a:hlinkClick r:id="rId5"/>
-              </a:rPr>
-              <a:t>ENTRYPOINT</a:t>
-            </a:r>
-            <a:r>
-              <a:rPr lang="en-US" altLang="zh-TW" dirty="0"/>
-              <a:t> : let a container run as an executable</a:t>
-            </a:r>
-          </a:p>
-          <a:p>
-            <a:pPr lvl="2"/>
-            <a:r>
-              <a:rPr lang="en-US" altLang="zh-TW" dirty="0"/>
-              <a:t>ENTRYPOINT ["executable", "param1", "param2"]</a:t>
-            </a:r>
-          </a:p>
-          <a:p>
-            <a:pPr lvl="2"/>
-            <a:r>
-              <a:rPr lang="en-US" altLang="zh-TW" dirty="0" err="1">
-                <a:hlinkClick r:id="rId6"/>
-              </a:rPr>
-              <a:t>cmd</a:t>
-            </a:r>
-            <a:r>
-              <a:rPr lang="en-US" altLang="zh-TW" dirty="0">
-                <a:hlinkClick r:id="rId6"/>
-              </a:rPr>
-              <a:t> &amp; </a:t>
-            </a:r>
-            <a:r>
-              <a:rPr lang="en-US" altLang="zh-TW" dirty="0" err="1">
-                <a:hlinkClick r:id="rId6"/>
-              </a:rPr>
-              <a:t>entrypoint</a:t>
-            </a:r>
-            <a:endParaRPr lang="en-US" altLang="zh-TW" dirty="0"/>
-          </a:p>
-          <a:p>
-            <a:pPr lvl="1"/>
-            <a:r>
-              <a:rPr lang="en-US" altLang="zh-TW" dirty="0">
-                <a:hlinkClick r:id="rId7"/>
-              </a:rPr>
-              <a:t>ENV</a:t>
-            </a:r>
-            <a:r>
-              <a:rPr lang="en-US" altLang="zh-TW" dirty="0"/>
-              <a:t> : environment </a:t>
-            </a:r>
-            <a:r>
-              <a:rPr lang="en-US" altLang="zh-TW" dirty="0" err="1"/>
-              <a:t>varables</a:t>
-            </a:r>
-            <a:endParaRPr lang="en-US" altLang="zh-TW" dirty="0"/>
-          </a:p>
-          <a:p>
-            <a:pPr lvl="1"/>
-            <a:r>
-              <a:rPr lang="en-US" altLang="zh-TW" dirty="0">
-                <a:hlinkClick r:id="rId8"/>
-              </a:rPr>
-              <a:t>VOLUME</a:t>
-            </a:r>
-            <a:r>
-              <a:rPr lang="en-US" altLang="zh-TW" dirty="0"/>
-              <a:t> :</a:t>
-            </a:r>
-            <a:r>
-              <a:rPr lang="zh-TW" altLang="en-US" dirty="0"/>
-              <a:t> </a:t>
-            </a:r>
-            <a:endParaRPr lang="en-US" altLang="zh-TW" dirty="0"/>
-          </a:p>
-          <a:p>
-            <a:pPr lvl="2"/>
-            <a:r>
-              <a:rPr lang="en-US" altLang="zh-TW" sz="1600" dirty="0"/>
-              <a:t>VOLUME ["/data"]</a:t>
-            </a:r>
-            <a:endParaRPr lang="en-US" altLang="zh-TW" dirty="0"/>
-          </a:p>
-          <a:p>
-            <a:endParaRPr lang="zh-TW" altLang="en-US" dirty="0"/>
-          </a:p>
-        </p:txBody>
-      </p:sp>
-      <p:sp>
-        <p:nvSpPr>
-          <p:cNvPr id="4" name="矩形 3">
-            <a:extLst>
-              <a:ext uri="{FF2B5EF4-FFF2-40B4-BE49-F238E27FC236}">
-                <a16:creationId xmlns:a16="http://schemas.microsoft.com/office/drawing/2014/main" id="{A833EEEB-EBF5-423E-B91D-517CAB8569D4}"/>
-              </a:ext>
-            </a:extLst>
-          </p:cNvPr>
-          <p:cNvSpPr/>
-          <p:nvPr/>
-        </p:nvSpPr>
-        <p:spPr>
-          <a:xfrm>
-            <a:off x="1097280" y="1922970"/>
-            <a:ext cx="6096000" cy="4725396"/>
-          </a:xfrm>
-          <a:prstGeom prst="rect">
-            <a:avLst/>
-          </a:prstGeom>
-        </p:spPr>
-        <p:txBody>
-          <a:bodyPr vert="horz" lIns="0" tIns="45720" rIns="0" bIns="45720" rtlCol="0">
-            <a:normAutofit/>
-          </a:bodyPr>
-          <a:lstStyle/>
-          <a:p>
-            <a:pPr marL="91440" indent="-91440" defTabSz="914400">
-              <a:lnSpc>
-                <a:spcPct val="90000"/>
-              </a:lnSpc>
-              <a:spcBef>
-                <a:spcPts val="1200"/>
-              </a:spcBef>
-              <a:spcAft>
-                <a:spcPts val="200"/>
-              </a:spcAft>
-              <a:buClr>
-                <a:schemeClr val="accent1"/>
-              </a:buClr>
-              <a:buSzPct val="100000"/>
-              <a:buFont typeface="Calibri" panose="020F0502020204030204" pitchFamily="34" charset="0"/>
-              <a:buChar char=" "/>
-            </a:pPr>
-            <a:r>
-              <a:rPr lang="en-US" altLang="zh-TW" sz="2000" dirty="0">
-                <a:solidFill>
-                  <a:schemeClr val="tx1">
-                    <a:lumMod val="75000"/>
-                    <a:lumOff val="25000"/>
-                  </a:schemeClr>
-                </a:solidFill>
-              </a:rPr>
-              <a:t>INSTRUCTION</a:t>
-            </a:r>
-          </a:p>
-          <a:p>
-            <a:pPr marL="384048" lvl="1" indent="-182880" defTabSz="914400">
-              <a:lnSpc>
-                <a:spcPct val="90000"/>
-              </a:lnSpc>
-              <a:spcBef>
-                <a:spcPts val="200"/>
-              </a:spcBef>
-              <a:spcAft>
-                <a:spcPts val="400"/>
-              </a:spcAft>
-              <a:buClr>
-                <a:schemeClr val="accent1"/>
-              </a:buClr>
-              <a:buFont typeface="Calibri" pitchFamily="34" charset="0"/>
-              <a:buChar char="◦"/>
-            </a:pPr>
-            <a:r>
-              <a:rPr lang="en-US" altLang="zh-TW" dirty="0">
-                <a:solidFill>
-                  <a:schemeClr val="tx1">
-                    <a:lumMod val="75000"/>
-                    <a:lumOff val="25000"/>
-                  </a:schemeClr>
-                </a:solidFill>
-                <a:hlinkClick r:id="rId9"/>
-              </a:rPr>
-              <a:t>FROM</a:t>
-            </a:r>
-            <a:r>
-              <a:rPr lang="en-US" altLang="zh-TW" dirty="0">
-                <a:solidFill>
-                  <a:schemeClr val="tx1">
-                    <a:lumMod val="75000"/>
-                    <a:lumOff val="25000"/>
-                  </a:schemeClr>
-                </a:solidFill>
-              </a:rPr>
-              <a:t> :The base of the image</a:t>
-            </a:r>
-          </a:p>
-          <a:p>
-            <a:pPr marL="566928" lvl="2" indent="-182880" defTabSz="914400">
-              <a:lnSpc>
-                <a:spcPct val="90000"/>
-              </a:lnSpc>
-              <a:spcBef>
-                <a:spcPts val="200"/>
-              </a:spcBef>
-              <a:spcAft>
-                <a:spcPts val="400"/>
-              </a:spcAft>
-              <a:buClr>
-                <a:schemeClr val="accent1"/>
-              </a:buClr>
-              <a:buFont typeface="Calibri" pitchFamily="34" charset="0"/>
-              <a:buChar char="◦"/>
-            </a:pPr>
-            <a:r>
-              <a:rPr lang="en-US" altLang="zh-TW" sz="1600" dirty="0">
-                <a:solidFill>
-                  <a:schemeClr val="tx1">
-                    <a:lumMod val="75000"/>
-                    <a:lumOff val="25000"/>
-                  </a:schemeClr>
-                </a:solidFill>
-              </a:rPr>
-              <a:t>FROM &lt;image&gt;[:&lt;tag&gt;] [AS &lt;name&gt;]</a:t>
-            </a:r>
-          </a:p>
-          <a:p>
-            <a:pPr marL="384048" lvl="1" indent="-182880" defTabSz="914400">
-              <a:lnSpc>
-                <a:spcPct val="90000"/>
-              </a:lnSpc>
-              <a:spcBef>
-                <a:spcPts val="200"/>
-              </a:spcBef>
-              <a:spcAft>
-                <a:spcPts val="400"/>
-              </a:spcAft>
-              <a:buClr>
-                <a:schemeClr val="accent1"/>
-              </a:buClr>
-              <a:buFont typeface="Calibri" pitchFamily="34" charset="0"/>
-              <a:buChar char="◦"/>
-            </a:pPr>
-            <a:r>
-              <a:rPr lang="en-US" altLang="zh-TW" dirty="0">
-                <a:solidFill>
-                  <a:schemeClr val="tx1">
-                    <a:lumMod val="75000"/>
-                    <a:lumOff val="25000"/>
-                  </a:schemeClr>
-                </a:solidFill>
-                <a:hlinkClick r:id="rId10"/>
-              </a:rPr>
-              <a:t>WORKDIR</a:t>
-            </a:r>
-            <a:r>
-              <a:rPr lang="zh-TW" altLang="en-US" dirty="0">
-                <a:solidFill>
-                  <a:schemeClr val="tx1">
-                    <a:lumMod val="75000"/>
-                    <a:lumOff val="25000"/>
-                  </a:schemeClr>
-                </a:solidFill>
-              </a:rPr>
-              <a:t> </a:t>
-            </a:r>
-            <a:r>
-              <a:rPr lang="en-US" altLang="zh-TW" dirty="0">
-                <a:solidFill>
-                  <a:schemeClr val="tx1">
-                    <a:lumMod val="75000"/>
-                    <a:lumOff val="25000"/>
-                  </a:schemeClr>
-                </a:solidFill>
-              </a:rPr>
-              <a:t>:</a:t>
-            </a:r>
-            <a:r>
-              <a:rPr lang="zh-TW" altLang="en-US" dirty="0">
-                <a:solidFill>
-                  <a:schemeClr val="tx1">
-                    <a:lumMod val="75000"/>
-                    <a:lumOff val="25000"/>
-                  </a:schemeClr>
-                </a:solidFill>
-              </a:rPr>
-              <a:t> </a:t>
-            </a:r>
-            <a:endParaRPr lang="en-US" altLang="zh-TW" dirty="0">
-              <a:solidFill>
-                <a:schemeClr val="tx1">
-                  <a:lumMod val="75000"/>
-                  <a:lumOff val="25000"/>
-                </a:schemeClr>
-              </a:solidFill>
-            </a:endParaRPr>
-          </a:p>
-          <a:p>
-            <a:pPr marL="566928" lvl="2" indent="-182880" defTabSz="914400">
-              <a:lnSpc>
-                <a:spcPct val="90000"/>
-              </a:lnSpc>
-              <a:spcBef>
-                <a:spcPts val="200"/>
-              </a:spcBef>
-              <a:spcAft>
-                <a:spcPts val="400"/>
-              </a:spcAft>
-              <a:buClr>
-                <a:schemeClr val="accent1"/>
-              </a:buClr>
-              <a:buFont typeface="Calibri" pitchFamily="34" charset="0"/>
-              <a:buChar char="◦"/>
-            </a:pPr>
-            <a:r>
-              <a:rPr lang="en-US" altLang="zh-TW" sz="1600" dirty="0">
-                <a:solidFill>
-                  <a:schemeClr val="tx1">
-                    <a:lumMod val="75000"/>
-                    <a:lumOff val="25000"/>
-                  </a:schemeClr>
-                </a:solidFill>
-              </a:rPr>
-              <a:t>WORKDIR /path/to/</a:t>
-            </a:r>
-            <a:r>
-              <a:rPr lang="en-US" altLang="zh-TW" sz="1600" dirty="0" err="1">
-                <a:solidFill>
-                  <a:schemeClr val="tx1">
-                    <a:lumMod val="75000"/>
-                    <a:lumOff val="25000"/>
-                  </a:schemeClr>
-                </a:solidFill>
-              </a:rPr>
-              <a:t>workdir</a:t>
-            </a:r>
-            <a:endParaRPr lang="en-US" altLang="zh-TW" sz="1600" dirty="0">
-              <a:solidFill>
-                <a:schemeClr val="tx1">
-                  <a:lumMod val="75000"/>
-                  <a:lumOff val="25000"/>
-                </a:schemeClr>
-              </a:solidFill>
-            </a:endParaRPr>
-          </a:p>
-          <a:p>
-            <a:pPr marL="384048" lvl="1" indent="-182880" defTabSz="914400">
-              <a:lnSpc>
-                <a:spcPct val="90000"/>
-              </a:lnSpc>
-              <a:spcBef>
-                <a:spcPts val="200"/>
-              </a:spcBef>
-              <a:spcAft>
-                <a:spcPts val="400"/>
-              </a:spcAft>
-              <a:buClr>
-                <a:schemeClr val="accent1"/>
-              </a:buClr>
-              <a:buFont typeface="Calibri" pitchFamily="34" charset="0"/>
-              <a:buChar char="◦"/>
-            </a:pPr>
-            <a:r>
-              <a:rPr lang="en-US" altLang="zh-TW" dirty="0">
-                <a:solidFill>
-                  <a:schemeClr val="tx1">
-                    <a:lumMod val="75000"/>
-                    <a:lumOff val="25000"/>
-                  </a:schemeClr>
-                </a:solidFill>
-                <a:hlinkClick r:id="rId11"/>
-              </a:rPr>
-              <a:t>USER</a:t>
-            </a:r>
-            <a:r>
-              <a:rPr lang="zh-TW" altLang="en-US" dirty="0">
-                <a:solidFill>
-                  <a:schemeClr val="tx1">
-                    <a:lumMod val="75000"/>
-                    <a:lumOff val="25000"/>
-                  </a:schemeClr>
-                </a:solidFill>
-              </a:rPr>
-              <a:t> </a:t>
-            </a:r>
-            <a:r>
-              <a:rPr lang="en-US" altLang="zh-TW" dirty="0">
-                <a:solidFill>
-                  <a:schemeClr val="tx1">
-                    <a:lumMod val="75000"/>
-                    <a:lumOff val="25000"/>
-                  </a:schemeClr>
-                </a:solidFill>
-              </a:rPr>
-              <a:t>:</a:t>
-            </a:r>
-            <a:r>
-              <a:rPr lang="zh-TW" altLang="en-US" dirty="0">
-                <a:solidFill>
-                  <a:schemeClr val="tx1">
-                    <a:lumMod val="75000"/>
-                    <a:lumOff val="25000"/>
-                  </a:schemeClr>
-                </a:solidFill>
-              </a:rPr>
-              <a:t> </a:t>
-            </a:r>
-            <a:endParaRPr lang="en-US" altLang="zh-TW" dirty="0">
-              <a:solidFill>
-                <a:schemeClr val="tx1">
-                  <a:lumMod val="75000"/>
-                  <a:lumOff val="25000"/>
-                </a:schemeClr>
-              </a:solidFill>
-            </a:endParaRPr>
-          </a:p>
-          <a:p>
-            <a:pPr marL="566928" lvl="2" indent="-182880" defTabSz="914400">
-              <a:lnSpc>
-                <a:spcPct val="90000"/>
-              </a:lnSpc>
-              <a:spcBef>
-                <a:spcPts val="200"/>
-              </a:spcBef>
-              <a:spcAft>
-                <a:spcPts val="400"/>
-              </a:spcAft>
-              <a:buClr>
-                <a:schemeClr val="accent1"/>
-              </a:buClr>
-              <a:buFont typeface="Calibri" pitchFamily="34" charset="0"/>
-              <a:buChar char="◦"/>
-            </a:pPr>
-            <a:r>
-              <a:rPr lang="en-US" altLang="zh-TW" sz="1600" dirty="0">
-                <a:solidFill>
-                  <a:schemeClr val="tx1">
-                    <a:lumMod val="75000"/>
-                    <a:lumOff val="25000"/>
-                  </a:schemeClr>
-                </a:solidFill>
-              </a:rPr>
-              <a:t>USER &lt;user&gt;[:&lt;group&gt;]</a:t>
-            </a:r>
-          </a:p>
-          <a:p>
-            <a:pPr marL="566928" lvl="2" indent="-182880" defTabSz="914400">
-              <a:lnSpc>
-                <a:spcPct val="90000"/>
-              </a:lnSpc>
-              <a:spcBef>
-                <a:spcPts val="200"/>
-              </a:spcBef>
-              <a:spcAft>
-                <a:spcPts val="400"/>
-              </a:spcAft>
-              <a:buClr>
-                <a:schemeClr val="accent1"/>
-              </a:buClr>
-              <a:buFont typeface="Calibri" pitchFamily="34" charset="0"/>
-              <a:buChar char="◦"/>
-            </a:pPr>
-            <a:r>
-              <a:rPr lang="en-US" altLang="zh-TW" sz="1600" dirty="0">
-                <a:solidFill>
-                  <a:schemeClr val="tx1">
-                    <a:lumMod val="75000"/>
-                    <a:lumOff val="25000"/>
-                  </a:schemeClr>
-                </a:solidFill>
-              </a:rPr>
-              <a:t>USER &lt;UID&gt;[:&lt;GID&gt;]</a:t>
-            </a:r>
-          </a:p>
-          <a:p>
-            <a:pPr marL="384048" lvl="1" indent="-182880" defTabSz="914400">
-              <a:lnSpc>
-                <a:spcPct val="90000"/>
-              </a:lnSpc>
-              <a:spcBef>
-                <a:spcPts val="200"/>
-              </a:spcBef>
-              <a:spcAft>
-                <a:spcPts val="400"/>
-              </a:spcAft>
-              <a:buClr>
-                <a:schemeClr val="accent1"/>
-              </a:buClr>
-              <a:buFont typeface="Calibri" pitchFamily="34" charset="0"/>
-              <a:buChar char="◦"/>
-            </a:pPr>
-            <a:r>
-              <a:rPr lang="en-US" altLang="zh-TW" dirty="0">
-                <a:solidFill>
-                  <a:schemeClr val="tx1">
-                    <a:lumMod val="75000"/>
-                    <a:lumOff val="25000"/>
-                  </a:schemeClr>
-                </a:solidFill>
-                <a:hlinkClick r:id="rId12"/>
-              </a:rPr>
-              <a:t>LABEL</a:t>
-            </a:r>
-            <a:r>
-              <a:rPr lang="en-US" altLang="zh-TW" dirty="0">
-                <a:solidFill>
-                  <a:schemeClr val="tx1">
-                    <a:lumMod val="75000"/>
-                    <a:lumOff val="25000"/>
-                  </a:schemeClr>
-                </a:solidFill>
-              </a:rPr>
-              <a:t> : metadata for image</a:t>
-            </a:r>
-          </a:p>
-          <a:p>
-            <a:pPr marL="384048" lvl="1" indent="-182880" defTabSz="914400">
-              <a:lnSpc>
-                <a:spcPct val="90000"/>
-              </a:lnSpc>
-              <a:spcBef>
-                <a:spcPts val="200"/>
-              </a:spcBef>
-              <a:spcAft>
-                <a:spcPts val="400"/>
-              </a:spcAft>
-              <a:buClr>
-                <a:schemeClr val="accent1"/>
-              </a:buClr>
-              <a:buFont typeface="Calibri" pitchFamily="34" charset="0"/>
-              <a:buChar char="◦"/>
-            </a:pPr>
-            <a:r>
-              <a:rPr lang="en-US" altLang="zh-TW" dirty="0">
-                <a:solidFill>
-                  <a:schemeClr val="tx1">
-                    <a:lumMod val="75000"/>
-                    <a:lumOff val="25000"/>
-                  </a:schemeClr>
-                </a:solidFill>
-                <a:hlinkClick r:id="rId13"/>
-              </a:rPr>
-              <a:t>RUN</a:t>
-            </a:r>
-            <a:r>
-              <a:rPr lang="en-US" altLang="zh-TW" dirty="0">
-                <a:solidFill>
-                  <a:schemeClr val="tx1">
-                    <a:lumMod val="75000"/>
-                    <a:lumOff val="25000"/>
-                  </a:schemeClr>
-                </a:solidFill>
-              </a:rPr>
-              <a:t> : execute a command</a:t>
-            </a:r>
-          </a:p>
-          <a:p>
-            <a:pPr marL="566928" lvl="2" indent="-182880" defTabSz="914400">
-              <a:lnSpc>
-                <a:spcPct val="90000"/>
-              </a:lnSpc>
-              <a:spcBef>
-                <a:spcPts val="200"/>
-              </a:spcBef>
-              <a:spcAft>
-                <a:spcPts val="400"/>
-              </a:spcAft>
-              <a:buClr>
-                <a:schemeClr val="accent1"/>
-              </a:buClr>
-              <a:buFont typeface="Calibri" pitchFamily="34" charset="0"/>
-              <a:buChar char="◦"/>
-            </a:pPr>
-            <a:r>
-              <a:rPr lang="en-US" altLang="zh-TW" sz="1600" dirty="0">
-                <a:solidFill>
-                  <a:schemeClr val="tx1">
-                    <a:lumMod val="75000"/>
-                    <a:lumOff val="25000"/>
-                  </a:schemeClr>
-                </a:solidFill>
-              </a:rPr>
-              <a:t>RUN &lt;command&gt;</a:t>
-            </a:r>
-          </a:p>
-          <a:p>
-            <a:pPr marL="566928" lvl="2" indent="-182880" defTabSz="914400">
-              <a:lnSpc>
-                <a:spcPct val="90000"/>
-              </a:lnSpc>
-              <a:spcBef>
-                <a:spcPts val="200"/>
-              </a:spcBef>
-              <a:spcAft>
-                <a:spcPts val="400"/>
-              </a:spcAft>
-              <a:buClr>
-                <a:schemeClr val="accent1"/>
-              </a:buClr>
-              <a:buFont typeface="Calibri" pitchFamily="34" charset="0"/>
-              <a:buChar char="◦"/>
-            </a:pPr>
-            <a:r>
-              <a:rPr lang="en-US" altLang="zh-TW" sz="1600" dirty="0">
-                <a:solidFill>
-                  <a:schemeClr val="tx1">
-                    <a:lumMod val="75000"/>
-                    <a:lumOff val="25000"/>
-                  </a:schemeClr>
-                </a:solidFill>
-              </a:rPr>
-              <a:t>RUN ["executable", "param1", "param2"]</a:t>
-            </a:r>
-          </a:p>
-          <a:p>
-            <a:pPr marL="566928" lvl="2" indent="-182880" defTabSz="914400">
-              <a:lnSpc>
-                <a:spcPct val="90000"/>
-              </a:lnSpc>
-              <a:spcBef>
-                <a:spcPts val="200"/>
-              </a:spcBef>
-              <a:spcAft>
-                <a:spcPts val="400"/>
-              </a:spcAft>
-              <a:buClr>
-                <a:schemeClr val="accent1"/>
-              </a:buClr>
-              <a:buFont typeface="Calibri" pitchFamily="34" charset="0"/>
-              <a:buChar char="◦"/>
-            </a:pPr>
-            <a:r>
-              <a:rPr lang="en-US" altLang="zh-TW" sz="1600" dirty="0">
-                <a:solidFill>
-                  <a:schemeClr val="tx1">
-                    <a:lumMod val="75000"/>
-                    <a:lumOff val="25000"/>
-                  </a:schemeClr>
-                </a:solidFill>
-              </a:rPr>
-              <a:t>RUN [ "</a:t>
-            </a:r>
-            <a:r>
-              <a:rPr lang="en-US" altLang="zh-TW" sz="1600" dirty="0" err="1">
-                <a:solidFill>
-                  <a:schemeClr val="tx1">
-                    <a:lumMod val="75000"/>
-                    <a:lumOff val="25000"/>
-                  </a:schemeClr>
-                </a:solidFill>
-              </a:rPr>
-              <a:t>sh</a:t>
-            </a:r>
-            <a:r>
-              <a:rPr lang="en-US" altLang="zh-TW" sz="1600" dirty="0">
-                <a:solidFill>
-                  <a:schemeClr val="tx1">
-                    <a:lumMod val="75000"/>
-                    <a:lumOff val="25000"/>
-                  </a:schemeClr>
-                </a:solidFill>
-              </a:rPr>
-              <a:t>", "-c", "echo $HOME" ]</a:t>
-            </a:r>
-          </a:p>
-        </p:txBody>
-      </p:sp>
-    </p:spTree>
-    <p:extLst>
-      <p:ext uri="{BB962C8B-B14F-4D97-AF65-F5344CB8AC3E}">
-        <p14:creationId xmlns:p14="http://schemas.microsoft.com/office/powerpoint/2010/main" val="3884591709"/>
       </p:ext>
     </p:extLst>
   </p:cSld>
